--- a/data_academy_vibration_model_des.pptx
+++ b/data_academy_vibration_model_des.pptx
@@ -105,6 +105,11 @@
       </a:defRPr>
     </a:lvl9pPr>
   </p:defaultTextStyle>
+  <p:extLst>
+    <p:ext uri="{EFAFB233-063F-42B5-8137-9DF3F51BA10A}">
+      <p15:sldGuideLst xmlns:p15="http://schemas.microsoft.com/office/powerpoint/2012/main"/>
+    </p:ext>
+  </p:extLst>
 </p:presentation>
 </file>
 
@@ -3322,112 +3327,6 @@
           <a:chExt cx="0" cy="0"/>
         </a:xfrm>
       </p:grpSpPr>
-      <p:pic>
-        <p:nvPicPr>
-          <p:cNvPr id="97" name="그림 96">
-            <a:extLst>
-              <a:ext uri="{FF2B5EF4-FFF2-40B4-BE49-F238E27FC236}">
-                <a16:creationId xmlns:a16="http://schemas.microsoft.com/office/drawing/2014/main" id="{C00FE78C-4029-4998-B8BC-9F762A80E986}"/>
-              </a:ext>
-            </a:extLst>
-          </p:cNvPr>
-          <p:cNvPicPr>
-            <a:picLocks noChangeAspect="1"/>
-          </p:cNvPicPr>
-          <p:nvPr/>
-        </p:nvPicPr>
-        <p:blipFill rotWithShape="1">
-          <a:blip r:embed="rId2"/>
-          <a:srcRect l="2486" t="3092" r="62637" b="29866"/>
-          <a:stretch/>
-        </p:blipFill>
-        <p:spPr>
-          <a:xfrm>
-            <a:off x="1080321" y="2810408"/>
-            <a:ext cx="2779489" cy="3127221"/>
-          </a:xfrm>
-          <a:prstGeom prst="rect">
-            <a:avLst/>
-          </a:prstGeom>
-        </p:spPr>
-      </p:pic>
-      <p:sp>
-        <p:nvSpPr>
-          <p:cNvPr id="101" name="정육면체 100">
-            <a:extLst>
-              <a:ext uri="{FF2B5EF4-FFF2-40B4-BE49-F238E27FC236}">
-                <a16:creationId xmlns:a16="http://schemas.microsoft.com/office/drawing/2014/main" id="{A778507B-B859-4CE0-A9DF-BB3E6CA3CF07}"/>
-              </a:ext>
-            </a:extLst>
-          </p:cNvPr>
-          <p:cNvSpPr/>
-          <p:nvPr/>
-        </p:nvSpPr>
-        <p:spPr>
-          <a:xfrm>
-            <a:off x="9392250" y="3009619"/>
-            <a:ext cx="1885258" cy="2551848"/>
-          </a:xfrm>
-          <a:prstGeom prst="cube">
-            <a:avLst>
-              <a:gd name="adj" fmla="val 36702"/>
-            </a:avLst>
-          </a:prstGeom>
-        </p:spPr>
-        <p:style>
-          <a:lnRef idx="2">
-            <a:schemeClr val="accent1">
-              <a:shade val="50000"/>
-            </a:schemeClr>
-          </a:lnRef>
-          <a:fillRef idx="1">
-            <a:schemeClr val="accent1"/>
-          </a:fillRef>
-          <a:effectRef idx="0">
-            <a:schemeClr val="accent1"/>
-          </a:effectRef>
-          <a:fontRef idx="minor">
-            <a:schemeClr val="lt1"/>
-          </a:fontRef>
-        </p:style>
-        <p:txBody>
-          <a:bodyPr rtlCol="0" anchor="ctr"/>
-          <a:lstStyle/>
-          <a:p>
-            <a:pPr algn="ctr"/>
-            <a:endParaRPr lang="ko-KR" altLang="en-US"/>
-          </a:p>
-        </p:txBody>
-      </p:sp>
-      <p:pic>
-        <p:nvPicPr>
-          <p:cNvPr id="102" name="그림 101">
-            <a:extLst>
-              <a:ext uri="{FF2B5EF4-FFF2-40B4-BE49-F238E27FC236}">
-                <a16:creationId xmlns:a16="http://schemas.microsoft.com/office/drawing/2014/main" id="{41794DA7-AF3B-4F87-83B4-01A087E2A7D0}"/>
-              </a:ext>
-            </a:extLst>
-          </p:cNvPr>
-          <p:cNvPicPr>
-            <a:picLocks noChangeAspect="1"/>
-          </p:cNvPicPr>
-          <p:nvPr/>
-        </p:nvPicPr>
-        <p:blipFill rotWithShape="1">
-          <a:blip r:embed="rId2"/>
-          <a:srcRect l="44124" t="1394" r="8594" b="33488"/>
-          <a:stretch/>
-        </p:blipFill>
-        <p:spPr>
-          <a:xfrm>
-            <a:off x="4227123" y="184055"/>
-            <a:ext cx="4028502" cy="2633694"/>
-          </a:xfrm>
-          <a:prstGeom prst="rect">
-            <a:avLst/>
-          </a:prstGeom>
-        </p:spPr>
-      </p:pic>
       <p:grpSp>
         <p:nvGrpSpPr>
           <p:cNvPr id="107" name="그룹 106">
@@ -3442,8 +3341,8 @@
         </p:nvGrpSpPr>
         <p:grpSpPr>
           <a:xfrm>
-            <a:off x="3982086" y="3025905"/>
-            <a:ext cx="5036350" cy="2696225"/>
+            <a:off x="3706471" y="2952843"/>
+            <a:ext cx="5027690" cy="2670220"/>
             <a:chOff x="3764096" y="2869805"/>
             <a:chExt cx="5036350" cy="2696225"/>
           </a:xfrm>
@@ -3699,8 +3598,8 @@
             </p:nvSpPr>
             <p:spPr>
               <a:xfrm>
-                <a:off x="3598879" y="3026329"/>
-                <a:ext cx="444617" cy="612396"/>
+                <a:off x="3598878" y="3026329"/>
+                <a:ext cx="506138" cy="612396"/>
               </a:xfrm>
               <a:prstGeom prst="rect">
                 <a:avLst/>
@@ -3726,7 +3625,18 @@
               <a:lstStyle/>
               <a:p>
                 <a:pPr algn="ctr"/>
-                <a:endParaRPr lang="ko-KR" altLang="en-US"/>
+                <a:r>
+                  <a:rPr lang="en-US" altLang="ko-KR" sz="800" dirty="0"/>
+                  <a:t>Latent</a:t>
+                </a:r>
+              </a:p>
+              <a:p>
+                <a:pPr algn="ctr"/>
+                <a:r>
+                  <a:rPr lang="en-US" altLang="ko-KR" sz="800" dirty="0"/>
+                  <a:t>z</a:t>
+                </a:r>
+                <a:endParaRPr lang="ko-KR" altLang="en-US" sz="800" dirty="0"/>
               </a:p>
             </p:txBody>
           </p:sp>
@@ -3923,7 +3833,7 @@
           <p:nvPr/>
         </p:nvPicPr>
         <p:blipFill rotWithShape="1">
-          <a:blip r:embed="rId3">
+          <a:blip r:embed="rId2">
             <a:extLst>
               <a:ext uri="{28A0092B-C50C-407E-A947-70E740481C1C}">
                 <a14:useLocalDpi xmlns:a14="http://schemas.microsoft.com/office/drawing/2010/main" val="0"/>
@@ -3935,7 +3845,7 @@
         </p:blipFill>
         <p:spPr>
           <a:xfrm>
-            <a:off x="8345922" y="724795"/>
+            <a:off x="7714340" y="721360"/>
             <a:ext cx="3454666" cy="1837746"/>
           </a:xfrm>
           <a:prstGeom prst="rect">
@@ -3958,7 +3868,7 @@
           <p:nvPr/>
         </p:nvPicPr>
         <p:blipFill rotWithShape="1">
-          <a:blip r:embed="rId4">
+          <a:blip r:embed="rId3">
             <a:extLst>
               <a:ext uri="{28A0092B-C50C-407E-A947-70E740481C1C}">
                 <a14:useLocalDpi xmlns:a14="http://schemas.microsoft.com/office/drawing/2010/main" val="0"/>
@@ -3970,7 +3880,7 @@
         </p:blipFill>
         <p:spPr>
           <a:xfrm>
-            <a:off x="612695" y="690417"/>
+            <a:off x="942504" y="718990"/>
             <a:ext cx="3369391" cy="1865672"/>
           </a:xfrm>
           <a:prstGeom prst="rect">
@@ -3978,6 +3888,2006 @@
           </a:prstGeom>
         </p:spPr>
       </p:pic>
+      <p:pic>
+        <p:nvPicPr>
+          <p:cNvPr id="3" name="그림 2">
+            <a:extLst>
+              <a:ext uri="{FF2B5EF4-FFF2-40B4-BE49-F238E27FC236}">
+                <a16:creationId xmlns:a16="http://schemas.microsoft.com/office/drawing/2014/main" id="{98224621-BE3B-454F-B4EB-DC8C0A2161FC}"/>
+              </a:ext>
+            </a:extLst>
+          </p:cNvPr>
+          <p:cNvPicPr>
+            <a:picLocks noChangeAspect="1"/>
+          </p:cNvPicPr>
+          <p:nvPr/>
+        </p:nvPicPr>
+        <p:blipFill>
+          <a:blip r:embed="rId4"/>
+          <a:stretch>
+            <a:fillRect/>
+          </a:stretch>
+        </p:blipFill>
+        <p:spPr>
+          <a:xfrm>
+            <a:off x="5010993" y="1843539"/>
+            <a:ext cx="2700369" cy="1571788"/>
+          </a:xfrm>
+          <a:prstGeom prst="rect">
+            <a:avLst/>
+          </a:prstGeom>
+        </p:spPr>
+      </p:pic>
+      <p:grpSp>
+        <p:nvGrpSpPr>
+          <p:cNvPr id="22" name="그룹 21">
+            <a:extLst>
+              <a:ext uri="{FF2B5EF4-FFF2-40B4-BE49-F238E27FC236}">
+                <a16:creationId xmlns:a16="http://schemas.microsoft.com/office/drawing/2014/main" id="{42558EB7-6AD3-4214-BC21-161E64DB91E3}"/>
+              </a:ext>
+            </a:extLst>
+          </p:cNvPr>
+          <p:cNvGrpSpPr/>
+          <p:nvPr/>
+        </p:nvGrpSpPr>
+        <p:grpSpPr>
+          <a:xfrm>
+            <a:off x="522797" y="2572021"/>
+            <a:ext cx="3631360" cy="3873623"/>
+            <a:chOff x="1614498" y="796667"/>
+            <a:chExt cx="3631360" cy="3873623"/>
+          </a:xfrm>
+        </p:grpSpPr>
+        <p:sp>
+          <p:nvSpPr>
+            <p:cNvPr id="23" name="TextBox 22">
+              <a:extLst>
+                <a:ext uri="{FF2B5EF4-FFF2-40B4-BE49-F238E27FC236}">
+                  <a16:creationId xmlns:a16="http://schemas.microsoft.com/office/drawing/2014/main" id="{67358FA8-4144-419C-9B48-02F16DFEF4EB}"/>
+                </a:ext>
+              </a:extLst>
+            </p:cNvPr>
+            <p:cNvSpPr txBox="1"/>
+            <p:nvPr/>
+          </p:nvSpPr>
+          <p:spPr>
+            <a:xfrm>
+              <a:off x="1889790" y="796667"/>
+              <a:ext cx="2413889" cy="707886"/>
+            </a:xfrm>
+            <a:prstGeom prst="rect">
+              <a:avLst/>
+            </a:prstGeom>
+            <a:noFill/>
+          </p:spPr>
+          <p:txBody>
+            <a:bodyPr wrap="square" rtlCol="0">
+              <a:spAutoFit/>
+            </a:bodyPr>
+            <a:lstStyle/>
+            <a:p>
+              <a:pPr>
+                <a:lnSpc>
+                  <a:spcPct val="150000"/>
+                </a:lnSpc>
+              </a:pPr>
+              <a:r>
+                <a:rPr lang="en-US" altLang="ko-KR" sz="2000" dirty="0"/>
+                <a:t>       Input</a:t>
+              </a:r>
+              <a:endParaRPr lang="en-US" altLang="ko-KR" sz="2000" i="1" dirty="0">
+                <a:solidFill>
+                  <a:schemeClr val="accent1">
+                    <a:lumMod val="75000"/>
+                  </a:schemeClr>
+                </a:solidFill>
+              </a:endParaRPr>
+            </a:p>
+            <a:p>
+              <a:r>
+                <a:rPr lang="en-US" altLang="ko-KR" sz="1000" dirty="0"/>
+                <a:t>(batch_size,  </a:t>
+              </a:r>
+              <a:r>
+                <a:rPr lang="en-US" altLang="ko-KR" sz="1000" dirty="0" err="1"/>
+                <a:t>input_dim</a:t>
+              </a:r>
+              <a:r>
+                <a:rPr lang="en-US" altLang="ko-KR" sz="1000" dirty="0"/>
+                <a:t>, timesteps)</a:t>
+              </a:r>
+              <a:endParaRPr lang="ko-KR" altLang="en-US" sz="1000" dirty="0"/>
+            </a:p>
+          </p:txBody>
+        </p:sp>
+        <p:grpSp>
+          <p:nvGrpSpPr>
+            <p:cNvPr id="24" name="그룹 23">
+              <a:extLst>
+                <a:ext uri="{FF2B5EF4-FFF2-40B4-BE49-F238E27FC236}">
+                  <a16:creationId xmlns:a16="http://schemas.microsoft.com/office/drawing/2014/main" id="{4A420FB7-1BA3-4AFC-B3D7-BF0A25644904}"/>
+                </a:ext>
+              </a:extLst>
+            </p:cNvPr>
+            <p:cNvGrpSpPr/>
+            <p:nvPr/>
+          </p:nvGrpSpPr>
+          <p:grpSpPr>
+            <a:xfrm>
+              <a:off x="1614498" y="1542333"/>
+              <a:ext cx="3631360" cy="3127957"/>
+              <a:chOff x="1823311" y="1631495"/>
+              <a:chExt cx="3631360" cy="3127957"/>
+            </a:xfrm>
+          </p:grpSpPr>
+          <p:grpSp>
+            <p:nvGrpSpPr>
+              <p:cNvPr id="25" name="그룹 24">
+                <a:extLst>
+                  <a:ext uri="{FF2B5EF4-FFF2-40B4-BE49-F238E27FC236}">
+                    <a16:creationId xmlns:a16="http://schemas.microsoft.com/office/drawing/2014/main" id="{1708E1B3-8FEE-4DD7-8BF8-52FFD1A085C9}"/>
+                  </a:ext>
+                </a:extLst>
+              </p:cNvPr>
+              <p:cNvGrpSpPr/>
+              <p:nvPr/>
+            </p:nvGrpSpPr>
+            <p:grpSpPr>
+              <a:xfrm>
+                <a:off x="1823311" y="1631495"/>
+                <a:ext cx="2196926" cy="2598857"/>
+                <a:chOff x="1150443" y="2154698"/>
+                <a:chExt cx="2500099" cy="3305038"/>
+              </a:xfrm>
+            </p:grpSpPr>
+            <p:sp>
+              <p:nvSpPr>
+                <p:cNvPr id="39" name="정육면체 38">
+                  <a:extLst>
+                    <a:ext uri="{FF2B5EF4-FFF2-40B4-BE49-F238E27FC236}">
+                      <a16:creationId xmlns:a16="http://schemas.microsoft.com/office/drawing/2014/main" id="{4C54220E-55DD-4110-BA2E-E715286EEA95}"/>
+                    </a:ext>
+                  </a:extLst>
+                </p:cNvPr>
+                <p:cNvSpPr/>
+                <p:nvPr/>
+              </p:nvSpPr>
+              <p:spPr>
+                <a:xfrm>
+                  <a:off x="1150443" y="2154698"/>
+                  <a:ext cx="1272178" cy="3287743"/>
+                </a:xfrm>
+                <a:prstGeom prst="cube">
+                  <a:avLst>
+                    <a:gd name="adj" fmla="val 74470"/>
+                  </a:avLst>
+                </a:prstGeom>
+                <a:solidFill>
+                  <a:schemeClr val="bg1"/>
+                </a:solidFill>
+                <a:ln>
+                  <a:solidFill>
+                    <a:schemeClr val="accent3">
+                      <a:lumMod val="60000"/>
+                      <a:lumOff val="40000"/>
+                    </a:schemeClr>
+                  </a:solidFill>
+                </a:ln>
+              </p:spPr>
+              <p:style>
+                <a:lnRef idx="2">
+                  <a:schemeClr val="accent1">
+                    <a:shade val="50000"/>
+                  </a:schemeClr>
+                </a:lnRef>
+                <a:fillRef idx="1">
+                  <a:schemeClr val="accent1"/>
+                </a:fillRef>
+                <a:effectRef idx="0">
+                  <a:schemeClr val="accent1"/>
+                </a:effectRef>
+                <a:fontRef idx="minor">
+                  <a:schemeClr val="lt1"/>
+                </a:fontRef>
+              </p:style>
+              <p:txBody>
+                <a:bodyPr rtlCol="0" anchor="ctr"/>
+                <a:lstStyle/>
+                <a:p>
+                  <a:pPr algn="ctr"/>
+                  <a:endParaRPr lang="ko-KR" altLang="en-US"/>
+                </a:p>
+              </p:txBody>
+            </p:sp>
+            <p:sp>
+              <p:nvSpPr>
+                <p:cNvPr id="40" name="정육면체 39">
+                  <a:extLst>
+                    <a:ext uri="{FF2B5EF4-FFF2-40B4-BE49-F238E27FC236}">
+                      <a16:creationId xmlns:a16="http://schemas.microsoft.com/office/drawing/2014/main" id="{BDF442A6-7463-45AE-B83A-0160895043C9}"/>
+                    </a:ext>
+                  </a:extLst>
+                </p:cNvPr>
+                <p:cNvSpPr/>
+                <p:nvPr/>
+              </p:nvSpPr>
+              <p:spPr>
+                <a:xfrm>
+                  <a:off x="1538058" y="2171994"/>
+                  <a:ext cx="1272178" cy="3287742"/>
+                </a:xfrm>
+                <a:prstGeom prst="cube">
+                  <a:avLst>
+                    <a:gd name="adj" fmla="val 74470"/>
+                  </a:avLst>
+                </a:prstGeom>
+                <a:solidFill>
+                  <a:schemeClr val="bg1"/>
+                </a:solidFill>
+                <a:ln>
+                  <a:solidFill>
+                    <a:schemeClr val="accent3">
+                      <a:lumMod val="60000"/>
+                      <a:lumOff val="40000"/>
+                    </a:schemeClr>
+                  </a:solidFill>
+                </a:ln>
+              </p:spPr>
+              <p:style>
+                <a:lnRef idx="2">
+                  <a:schemeClr val="accent1">
+                    <a:shade val="50000"/>
+                  </a:schemeClr>
+                </a:lnRef>
+                <a:fillRef idx="1">
+                  <a:schemeClr val="accent1"/>
+                </a:fillRef>
+                <a:effectRef idx="0">
+                  <a:schemeClr val="accent1"/>
+                </a:effectRef>
+                <a:fontRef idx="minor">
+                  <a:schemeClr val="lt1"/>
+                </a:fontRef>
+              </p:style>
+              <p:txBody>
+                <a:bodyPr rtlCol="0" anchor="ctr"/>
+                <a:lstStyle/>
+                <a:p>
+                  <a:pPr algn="ctr"/>
+                  <a:endParaRPr lang="ko-KR" altLang="en-US"/>
+                </a:p>
+              </p:txBody>
+            </p:sp>
+            <p:sp>
+              <p:nvSpPr>
+                <p:cNvPr id="41" name="정육면체 40">
+                  <a:extLst>
+                    <a:ext uri="{FF2B5EF4-FFF2-40B4-BE49-F238E27FC236}">
+                      <a16:creationId xmlns:a16="http://schemas.microsoft.com/office/drawing/2014/main" id="{5D789C18-745B-42BB-8AB8-F5E62BF4E2D1}"/>
+                    </a:ext>
+                  </a:extLst>
+                </p:cNvPr>
+                <p:cNvSpPr/>
+                <p:nvPr/>
+              </p:nvSpPr>
+              <p:spPr>
+                <a:xfrm>
+                  <a:off x="1959942" y="2171994"/>
+                  <a:ext cx="1272178" cy="3287742"/>
+                </a:xfrm>
+                <a:prstGeom prst="cube">
+                  <a:avLst>
+                    <a:gd name="adj" fmla="val 74470"/>
+                  </a:avLst>
+                </a:prstGeom>
+                <a:solidFill>
+                  <a:schemeClr val="bg1"/>
+                </a:solidFill>
+                <a:ln>
+                  <a:solidFill>
+                    <a:schemeClr val="accent3">
+                      <a:lumMod val="60000"/>
+                      <a:lumOff val="40000"/>
+                    </a:schemeClr>
+                  </a:solidFill>
+                </a:ln>
+              </p:spPr>
+              <p:style>
+                <a:lnRef idx="2">
+                  <a:schemeClr val="accent1">
+                    <a:shade val="50000"/>
+                  </a:schemeClr>
+                </a:lnRef>
+                <a:fillRef idx="1">
+                  <a:schemeClr val="accent1"/>
+                </a:fillRef>
+                <a:effectRef idx="0">
+                  <a:schemeClr val="accent1"/>
+                </a:effectRef>
+                <a:fontRef idx="minor">
+                  <a:schemeClr val="lt1"/>
+                </a:fontRef>
+              </p:style>
+              <p:txBody>
+                <a:bodyPr rtlCol="0" anchor="ctr"/>
+                <a:lstStyle/>
+                <a:p>
+                  <a:pPr algn="ctr"/>
+                  <a:endParaRPr lang="ko-KR" altLang="en-US"/>
+                </a:p>
+              </p:txBody>
+            </p:sp>
+            <p:sp>
+              <p:nvSpPr>
+                <p:cNvPr id="42" name="정육면체 41">
+                  <a:extLst>
+                    <a:ext uri="{FF2B5EF4-FFF2-40B4-BE49-F238E27FC236}">
+                      <a16:creationId xmlns:a16="http://schemas.microsoft.com/office/drawing/2014/main" id="{05510855-EF13-4189-BA02-E262764E7809}"/>
+                    </a:ext>
+                  </a:extLst>
+                </p:cNvPr>
+                <p:cNvSpPr/>
+                <p:nvPr/>
+              </p:nvSpPr>
+              <p:spPr>
+                <a:xfrm>
+                  <a:off x="2378364" y="2154698"/>
+                  <a:ext cx="1272178" cy="3287742"/>
+                </a:xfrm>
+                <a:prstGeom prst="cube">
+                  <a:avLst>
+                    <a:gd name="adj" fmla="val 74470"/>
+                  </a:avLst>
+                </a:prstGeom>
+                <a:solidFill>
+                  <a:schemeClr val="bg1"/>
+                </a:solidFill>
+                <a:ln>
+                  <a:solidFill>
+                    <a:schemeClr val="accent3">
+                      <a:lumMod val="60000"/>
+                      <a:lumOff val="40000"/>
+                    </a:schemeClr>
+                  </a:solidFill>
+                </a:ln>
+              </p:spPr>
+              <p:style>
+                <a:lnRef idx="2">
+                  <a:schemeClr val="accent1">
+                    <a:shade val="50000"/>
+                  </a:schemeClr>
+                </a:lnRef>
+                <a:fillRef idx="1">
+                  <a:schemeClr val="accent1"/>
+                </a:fillRef>
+                <a:effectRef idx="0">
+                  <a:schemeClr val="accent1"/>
+                </a:effectRef>
+                <a:fontRef idx="minor">
+                  <a:schemeClr val="lt1"/>
+                </a:fontRef>
+              </p:style>
+              <p:txBody>
+                <a:bodyPr rtlCol="0" anchor="ctr"/>
+                <a:lstStyle/>
+                <a:p>
+                  <a:pPr algn="ctr"/>
+                  <a:endParaRPr lang="ko-KR" altLang="en-US"/>
+                </a:p>
+              </p:txBody>
+            </p:sp>
+          </p:grpSp>
+          <p:sp>
+            <p:nvSpPr>
+              <p:cNvPr id="26" name="왼쪽 중괄호 25">
+                <a:extLst>
+                  <a:ext uri="{FF2B5EF4-FFF2-40B4-BE49-F238E27FC236}">
+                    <a16:creationId xmlns:a16="http://schemas.microsoft.com/office/drawing/2014/main" id="{8687052A-E66F-4C65-A527-B4AA5D7D4064}"/>
+                  </a:ext>
+                </a:extLst>
+              </p:cNvPr>
+              <p:cNvSpPr/>
+              <p:nvPr/>
+            </p:nvSpPr>
+            <p:spPr>
+              <a:xfrm rot="16200000">
+                <a:off x="2421614" y="3810467"/>
+                <a:ext cx="226064" cy="1117908"/>
+              </a:xfrm>
+              <a:prstGeom prst="leftBrace">
+                <a:avLst/>
+              </a:prstGeom>
+              <a:ln>
+                <a:solidFill>
+                  <a:schemeClr val="bg2">
+                    <a:lumMod val="50000"/>
+                  </a:schemeClr>
+                </a:solidFill>
+              </a:ln>
+            </p:spPr>
+            <p:style>
+              <a:lnRef idx="1">
+                <a:schemeClr val="accent1"/>
+              </a:lnRef>
+              <a:fillRef idx="0">
+                <a:schemeClr val="accent1"/>
+              </a:fillRef>
+              <a:effectRef idx="0">
+                <a:schemeClr val="accent1"/>
+              </a:effectRef>
+              <a:fontRef idx="minor">
+                <a:schemeClr val="tx1"/>
+              </a:fontRef>
+            </p:style>
+            <p:txBody>
+              <a:bodyPr rtlCol="0" anchor="ctr"/>
+              <a:lstStyle/>
+              <a:p>
+                <a:pPr algn="ctr"/>
+                <a:endParaRPr lang="ko-KR" altLang="en-US"/>
+              </a:p>
+            </p:txBody>
+          </p:sp>
+          <p:sp>
+            <p:nvSpPr>
+              <p:cNvPr id="27" name="TextBox 26">
+                <a:extLst>
+                  <a:ext uri="{FF2B5EF4-FFF2-40B4-BE49-F238E27FC236}">
+                    <a16:creationId xmlns:a16="http://schemas.microsoft.com/office/drawing/2014/main" id="{38B2A3F8-D7EB-4F38-8983-531DC9B109ED}"/>
+                  </a:ext>
+                </a:extLst>
+              </p:cNvPr>
+              <p:cNvSpPr txBox="1"/>
+              <p:nvPr/>
+            </p:nvSpPr>
+            <p:spPr>
+              <a:xfrm>
+                <a:off x="2059582" y="4482453"/>
+                <a:ext cx="1117908" cy="276999"/>
+              </a:xfrm>
+              <a:prstGeom prst="rect">
+                <a:avLst/>
+              </a:prstGeom>
+              <a:noFill/>
+            </p:spPr>
+            <p:txBody>
+              <a:bodyPr wrap="square">
+                <a:spAutoFit/>
+              </a:bodyPr>
+              <a:lstStyle/>
+              <a:p>
+                <a:r>
+                  <a:rPr lang="en-US" altLang="ko-KR" sz="1200" dirty="0">
+                    <a:solidFill>
+                      <a:schemeClr val="tx1">
+                        <a:lumMod val="50000"/>
+                        <a:lumOff val="50000"/>
+                      </a:schemeClr>
+                    </a:solidFill>
+                  </a:rPr>
+                  <a:t>batch_size</a:t>
+                </a:r>
+                <a:endParaRPr lang="ko-KR" altLang="en-US" sz="1200" dirty="0">
+                  <a:solidFill>
+                    <a:schemeClr val="tx1">
+                      <a:lumMod val="50000"/>
+                      <a:lumOff val="50000"/>
+                    </a:schemeClr>
+                  </a:solidFill>
+                </a:endParaRPr>
+              </a:p>
+            </p:txBody>
+          </p:sp>
+          <p:cxnSp>
+            <p:nvCxnSpPr>
+              <p:cNvPr id="28" name="직선 연결선 27">
+                <a:extLst>
+                  <a:ext uri="{FF2B5EF4-FFF2-40B4-BE49-F238E27FC236}">
+                    <a16:creationId xmlns:a16="http://schemas.microsoft.com/office/drawing/2014/main" id="{0E0A4FF3-EF09-4F6C-A8A2-5B159F71B302}"/>
+                  </a:ext>
+                </a:extLst>
+              </p:cNvPr>
+              <p:cNvCxnSpPr>
+                <a:cxnSpLocks/>
+              </p:cNvCxnSpPr>
+              <p:nvPr/>
+            </p:nvCxnSpPr>
+            <p:spPr>
+              <a:xfrm flipV="1">
+                <a:off x="2006600" y="2271424"/>
+                <a:ext cx="1368425" cy="6452"/>
+              </a:xfrm>
+              <a:prstGeom prst="line">
+                <a:avLst/>
+              </a:prstGeom>
+              <a:ln>
+                <a:solidFill>
+                  <a:schemeClr val="bg1">
+                    <a:lumMod val="65000"/>
+                  </a:schemeClr>
+                </a:solidFill>
+              </a:ln>
+            </p:spPr>
+            <p:style>
+              <a:lnRef idx="1">
+                <a:schemeClr val="accent1"/>
+              </a:lnRef>
+              <a:fillRef idx="0">
+                <a:schemeClr val="accent1"/>
+              </a:fillRef>
+              <a:effectRef idx="0">
+                <a:schemeClr val="accent1"/>
+              </a:effectRef>
+              <a:fontRef idx="minor">
+                <a:schemeClr val="tx1"/>
+              </a:fontRef>
+            </p:style>
+          </p:cxnSp>
+          <p:cxnSp>
+            <p:nvCxnSpPr>
+              <p:cNvPr id="29" name="직선 연결선 28">
+                <a:extLst>
+                  <a:ext uri="{FF2B5EF4-FFF2-40B4-BE49-F238E27FC236}">
+                    <a16:creationId xmlns:a16="http://schemas.microsoft.com/office/drawing/2014/main" id="{5175EA4F-0DCC-4E5F-B7E1-B82FCFE8B6CC}"/>
+                  </a:ext>
+                </a:extLst>
+              </p:cNvPr>
+              <p:cNvCxnSpPr>
+                <a:cxnSpLocks/>
+              </p:cNvCxnSpPr>
+              <p:nvPr/>
+            </p:nvCxnSpPr>
+            <p:spPr>
+              <a:xfrm flipH="1">
+                <a:off x="3350427" y="2277875"/>
+                <a:ext cx="24598" cy="1770250"/>
+              </a:xfrm>
+              <a:prstGeom prst="line">
+                <a:avLst/>
+              </a:prstGeom>
+              <a:ln>
+                <a:solidFill>
+                  <a:schemeClr val="bg1">
+                    <a:lumMod val="65000"/>
+                  </a:schemeClr>
+                </a:solidFill>
+              </a:ln>
+            </p:spPr>
+            <p:style>
+              <a:lnRef idx="1">
+                <a:schemeClr val="accent1"/>
+              </a:lnRef>
+              <a:fillRef idx="0">
+                <a:schemeClr val="accent1"/>
+              </a:fillRef>
+              <a:effectRef idx="0">
+                <a:schemeClr val="accent1"/>
+              </a:effectRef>
+              <a:fontRef idx="minor">
+                <a:schemeClr val="tx1"/>
+              </a:fontRef>
+            </p:style>
+          </p:cxnSp>
+          <p:grpSp>
+            <p:nvGrpSpPr>
+              <p:cNvPr id="30" name="그룹 29">
+                <a:extLst>
+                  <a:ext uri="{FF2B5EF4-FFF2-40B4-BE49-F238E27FC236}">
+                    <a16:creationId xmlns:a16="http://schemas.microsoft.com/office/drawing/2014/main" id="{0CE99D19-5EAA-4194-862B-A8C63DE734AF}"/>
+                  </a:ext>
+                </a:extLst>
+              </p:cNvPr>
+              <p:cNvGrpSpPr/>
+              <p:nvPr/>
+            </p:nvGrpSpPr>
+            <p:grpSpPr>
+              <a:xfrm>
+                <a:off x="2138863" y="2135027"/>
+                <a:ext cx="1384513" cy="1740687"/>
+                <a:chOff x="2128091" y="2430275"/>
+                <a:chExt cx="1384513" cy="1740687"/>
+              </a:xfrm>
+            </p:grpSpPr>
+            <p:cxnSp>
+              <p:nvCxnSpPr>
+                <p:cNvPr id="37" name="직선 연결선 36">
+                  <a:extLst>
+                    <a:ext uri="{FF2B5EF4-FFF2-40B4-BE49-F238E27FC236}">
+                      <a16:creationId xmlns:a16="http://schemas.microsoft.com/office/drawing/2014/main" id="{9A0E67DA-CA60-433F-A360-F14369D91F3C}"/>
+                    </a:ext>
+                  </a:extLst>
+                </p:cNvPr>
+                <p:cNvCxnSpPr>
+                  <a:cxnSpLocks/>
+                </p:cNvCxnSpPr>
+                <p:nvPr/>
+              </p:nvCxnSpPr>
+              <p:spPr>
+                <a:xfrm>
+                  <a:off x="2128091" y="2430276"/>
+                  <a:ext cx="1382345" cy="0"/>
+                </a:xfrm>
+                <a:prstGeom prst="line">
+                  <a:avLst/>
+                </a:prstGeom>
+                <a:ln>
+                  <a:solidFill>
+                    <a:schemeClr val="bg1">
+                      <a:lumMod val="65000"/>
+                    </a:schemeClr>
+                  </a:solidFill>
+                </a:ln>
+              </p:spPr>
+              <p:style>
+                <a:lnRef idx="1">
+                  <a:schemeClr val="accent1"/>
+                </a:lnRef>
+                <a:fillRef idx="0">
+                  <a:schemeClr val="accent1"/>
+                </a:fillRef>
+                <a:effectRef idx="0">
+                  <a:schemeClr val="accent1"/>
+                </a:effectRef>
+                <a:fontRef idx="minor">
+                  <a:schemeClr val="tx1"/>
+                </a:fontRef>
+              </p:style>
+            </p:cxnSp>
+            <p:cxnSp>
+              <p:nvCxnSpPr>
+                <p:cNvPr id="38" name="직선 연결선 37">
+                  <a:extLst>
+                    <a:ext uri="{FF2B5EF4-FFF2-40B4-BE49-F238E27FC236}">
+                      <a16:creationId xmlns:a16="http://schemas.microsoft.com/office/drawing/2014/main" id="{C82F5698-EDB1-46DA-9054-F79C327AA0E6}"/>
+                    </a:ext>
+                  </a:extLst>
+                </p:cNvPr>
+                <p:cNvCxnSpPr>
+                  <a:cxnSpLocks/>
+                </p:cNvCxnSpPr>
+                <p:nvPr/>
+              </p:nvCxnSpPr>
+              <p:spPr>
+                <a:xfrm>
+                  <a:off x="3502827" y="2430275"/>
+                  <a:ext cx="9777" cy="1740687"/>
+                </a:xfrm>
+                <a:prstGeom prst="line">
+                  <a:avLst/>
+                </a:prstGeom>
+                <a:ln>
+                  <a:solidFill>
+                    <a:schemeClr val="bg1">
+                      <a:lumMod val="65000"/>
+                    </a:schemeClr>
+                  </a:solidFill>
+                </a:ln>
+              </p:spPr>
+              <p:style>
+                <a:lnRef idx="1">
+                  <a:schemeClr val="accent1"/>
+                </a:lnRef>
+                <a:fillRef idx="0">
+                  <a:schemeClr val="accent1"/>
+                </a:fillRef>
+                <a:effectRef idx="0">
+                  <a:schemeClr val="accent1"/>
+                </a:effectRef>
+                <a:fontRef idx="minor">
+                  <a:schemeClr val="tx1"/>
+                </a:fontRef>
+              </p:style>
+            </p:cxnSp>
+          </p:grpSp>
+          <p:cxnSp>
+            <p:nvCxnSpPr>
+              <p:cNvPr id="31" name="직선 연결선 30">
+                <a:extLst>
+                  <a:ext uri="{FF2B5EF4-FFF2-40B4-BE49-F238E27FC236}">
+                    <a16:creationId xmlns:a16="http://schemas.microsoft.com/office/drawing/2014/main" id="{7D28CE28-AF0E-47A3-8CF7-0C087815F543}"/>
+                  </a:ext>
+                </a:extLst>
+              </p:cNvPr>
+              <p:cNvCxnSpPr>
+                <a:cxnSpLocks/>
+              </p:cNvCxnSpPr>
+              <p:nvPr/>
+            </p:nvCxnSpPr>
+            <p:spPr>
+              <a:xfrm>
+                <a:off x="2306921" y="1962288"/>
+                <a:ext cx="1355706" cy="14247"/>
+              </a:xfrm>
+              <a:prstGeom prst="line">
+                <a:avLst/>
+              </a:prstGeom>
+              <a:ln>
+                <a:solidFill>
+                  <a:schemeClr val="bg1">
+                    <a:lumMod val="65000"/>
+                  </a:schemeClr>
+                </a:solidFill>
+              </a:ln>
+            </p:spPr>
+            <p:style>
+              <a:lnRef idx="1">
+                <a:schemeClr val="accent1"/>
+              </a:lnRef>
+              <a:fillRef idx="0">
+                <a:schemeClr val="accent1"/>
+              </a:fillRef>
+              <a:effectRef idx="0">
+                <a:schemeClr val="accent1"/>
+              </a:effectRef>
+              <a:fontRef idx="minor">
+                <a:schemeClr val="tx1"/>
+              </a:fontRef>
+            </p:style>
+          </p:cxnSp>
+          <p:cxnSp>
+            <p:nvCxnSpPr>
+              <p:cNvPr id="32" name="직선 연결선 31">
+                <a:extLst>
+                  <a:ext uri="{FF2B5EF4-FFF2-40B4-BE49-F238E27FC236}">
+                    <a16:creationId xmlns:a16="http://schemas.microsoft.com/office/drawing/2014/main" id="{6365B366-172A-42D2-BF94-3652643F4C19}"/>
+                  </a:ext>
+                </a:extLst>
+              </p:cNvPr>
+              <p:cNvCxnSpPr>
+                <a:cxnSpLocks/>
+              </p:cNvCxnSpPr>
+              <p:nvPr/>
+            </p:nvCxnSpPr>
+            <p:spPr>
+              <a:xfrm>
+                <a:off x="3662627" y="1976535"/>
+                <a:ext cx="0" cy="1757265"/>
+              </a:xfrm>
+              <a:prstGeom prst="line">
+                <a:avLst/>
+              </a:prstGeom>
+              <a:ln>
+                <a:solidFill>
+                  <a:schemeClr val="bg1">
+                    <a:lumMod val="65000"/>
+                  </a:schemeClr>
+                </a:solidFill>
+              </a:ln>
+            </p:spPr>
+            <p:style>
+              <a:lnRef idx="1">
+                <a:schemeClr val="accent1"/>
+              </a:lnRef>
+              <a:fillRef idx="0">
+                <a:schemeClr val="accent1"/>
+              </a:fillRef>
+              <a:effectRef idx="0">
+                <a:schemeClr val="accent1"/>
+              </a:effectRef>
+              <a:fontRef idx="minor">
+                <a:schemeClr val="tx1"/>
+              </a:fontRef>
+            </p:style>
+          </p:cxnSp>
+          <p:sp>
+            <p:nvSpPr>
+              <p:cNvPr id="33" name="왼쪽 중괄호 32">
+                <a:extLst>
+                  <a:ext uri="{FF2B5EF4-FFF2-40B4-BE49-F238E27FC236}">
+                    <a16:creationId xmlns:a16="http://schemas.microsoft.com/office/drawing/2014/main" id="{1AD025C2-2F2A-4971-8B59-2D9F643D90FB}"/>
+                  </a:ext>
+                </a:extLst>
+              </p:cNvPr>
+              <p:cNvSpPr/>
+              <p:nvPr/>
+            </p:nvSpPr>
+            <p:spPr>
+              <a:xfrm rot="13384039">
+                <a:off x="3632970" y="3392978"/>
+                <a:ext cx="226065" cy="1044251"/>
+              </a:xfrm>
+              <a:prstGeom prst="leftBrace">
+                <a:avLst>
+                  <a:gd name="adj1" fmla="val 8333"/>
+                  <a:gd name="adj2" fmla="val 43433"/>
+                </a:avLst>
+              </a:prstGeom>
+              <a:ln>
+                <a:solidFill>
+                  <a:schemeClr val="bg2">
+                    <a:lumMod val="50000"/>
+                  </a:schemeClr>
+                </a:solidFill>
+              </a:ln>
+            </p:spPr>
+            <p:style>
+              <a:lnRef idx="1">
+                <a:schemeClr val="accent1"/>
+              </a:lnRef>
+              <a:fillRef idx="0">
+                <a:schemeClr val="accent1"/>
+              </a:fillRef>
+              <a:effectRef idx="0">
+                <a:schemeClr val="accent1"/>
+              </a:effectRef>
+              <a:fontRef idx="minor">
+                <a:schemeClr val="tx1"/>
+              </a:fontRef>
+            </p:style>
+            <p:txBody>
+              <a:bodyPr rtlCol="0" anchor="ctr"/>
+              <a:lstStyle/>
+              <a:p>
+                <a:pPr algn="ctr"/>
+                <a:endParaRPr lang="ko-KR" altLang="en-US"/>
+              </a:p>
+            </p:txBody>
+          </p:sp>
+          <p:sp>
+            <p:nvSpPr>
+              <p:cNvPr id="34" name="TextBox 33">
+                <a:extLst>
+                  <a:ext uri="{FF2B5EF4-FFF2-40B4-BE49-F238E27FC236}">
+                    <a16:creationId xmlns:a16="http://schemas.microsoft.com/office/drawing/2014/main" id="{50B2C6F9-ECC5-4A8A-8352-D4651CF258AE}"/>
+                  </a:ext>
+                </a:extLst>
+              </p:cNvPr>
+              <p:cNvSpPr txBox="1"/>
+              <p:nvPr/>
+            </p:nvSpPr>
+            <p:spPr>
+              <a:xfrm rot="18722307">
+                <a:off x="3368760" y="3870205"/>
+                <a:ext cx="1117908" cy="276999"/>
+              </a:xfrm>
+              <a:prstGeom prst="rect">
+                <a:avLst/>
+              </a:prstGeom>
+              <a:noFill/>
+            </p:spPr>
+            <p:txBody>
+              <a:bodyPr wrap="square">
+                <a:spAutoFit/>
+              </a:bodyPr>
+              <a:lstStyle/>
+              <a:p>
+                <a:r>
+                  <a:rPr lang="en-US" altLang="ko-KR" sz="1200" dirty="0" err="1">
+                    <a:solidFill>
+                      <a:schemeClr val="tx1">
+                        <a:lumMod val="50000"/>
+                        <a:lumOff val="50000"/>
+                      </a:schemeClr>
+                    </a:solidFill>
+                  </a:rPr>
+                  <a:t>Input_dim</a:t>
+                </a:r>
+                <a:endParaRPr lang="ko-KR" altLang="en-US" sz="1200" dirty="0">
+                  <a:solidFill>
+                    <a:schemeClr val="tx1">
+                      <a:lumMod val="50000"/>
+                      <a:lumOff val="50000"/>
+                    </a:schemeClr>
+                  </a:solidFill>
+                </a:endParaRPr>
+              </a:p>
+            </p:txBody>
+          </p:sp>
+          <p:sp>
+            <p:nvSpPr>
+              <p:cNvPr id="35" name="왼쪽 중괄호 34">
+                <a:extLst>
+                  <a:ext uri="{FF2B5EF4-FFF2-40B4-BE49-F238E27FC236}">
+                    <a16:creationId xmlns:a16="http://schemas.microsoft.com/office/drawing/2014/main" id="{DFB7D9DB-E0FD-4D4F-A315-102181413E4B}"/>
+                  </a:ext>
+                </a:extLst>
+              </p:cNvPr>
+              <p:cNvSpPr/>
+              <p:nvPr/>
+            </p:nvSpPr>
+            <p:spPr>
+              <a:xfrm rot="10800000">
+                <a:off x="4079062" y="1693122"/>
+                <a:ext cx="251644" cy="1583165"/>
+              </a:xfrm>
+              <a:prstGeom prst="leftBrace">
+                <a:avLst>
+                  <a:gd name="adj1" fmla="val 8333"/>
+                  <a:gd name="adj2" fmla="val 43914"/>
+                </a:avLst>
+              </a:prstGeom>
+              <a:ln>
+                <a:solidFill>
+                  <a:schemeClr val="bg2">
+                    <a:lumMod val="50000"/>
+                  </a:schemeClr>
+                </a:solidFill>
+              </a:ln>
+            </p:spPr>
+            <p:style>
+              <a:lnRef idx="1">
+                <a:schemeClr val="accent1"/>
+              </a:lnRef>
+              <a:fillRef idx="0">
+                <a:schemeClr val="accent1"/>
+              </a:fillRef>
+              <a:effectRef idx="0">
+                <a:schemeClr val="accent1"/>
+              </a:effectRef>
+              <a:fontRef idx="minor">
+                <a:schemeClr val="tx1"/>
+              </a:fontRef>
+            </p:style>
+            <p:txBody>
+              <a:bodyPr rtlCol="0" anchor="ctr"/>
+              <a:lstStyle/>
+              <a:p>
+                <a:pPr algn="ctr"/>
+                <a:endParaRPr lang="ko-KR" altLang="en-US" dirty="0"/>
+              </a:p>
+            </p:txBody>
+          </p:sp>
+          <p:sp>
+            <p:nvSpPr>
+              <p:cNvPr id="36" name="TextBox 35">
+                <a:extLst>
+                  <a:ext uri="{FF2B5EF4-FFF2-40B4-BE49-F238E27FC236}">
+                    <a16:creationId xmlns:a16="http://schemas.microsoft.com/office/drawing/2014/main" id="{D0777DF3-B802-438D-848E-3D050DF4A2B4}"/>
+                  </a:ext>
+                </a:extLst>
+              </p:cNvPr>
+              <p:cNvSpPr txBox="1"/>
+              <p:nvPr/>
+            </p:nvSpPr>
+            <p:spPr>
+              <a:xfrm>
+                <a:off x="4336763" y="2429482"/>
+                <a:ext cx="1117908" cy="276999"/>
+              </a:xfrm>
+              <a:prstGeom prst="rect">
+                <a:avLst/>
+              </a:prstGeom>
+              <a:noFill/>
+            </p:spPr>
+            <p:txBody>
+              <a:bodyPr wrap="square">
+                <a:spAutoFit/>
+              </a:bodyPr>
+              <a:lstStyle/>
+              <a:p>
+                <a:r>
+                  <a:rPr lang="en-US" altLang="ko-KR" sz="1200" dirty="0">
+                    <a:solidFill>
+                      <a:schemeClr val="tx1">
+                        <a:lumMod val="50000"/>
+                        <a:lumOff val="50000"/>
+                      </a:schemeClr>
+                    </a:solidFill>
+                  </a:rPr>
+                  <a:t>timesteps</a:t>
+                </a:r>
+                <a:endParaRPr lang="ko-KR" altLang="en-US" sz="1200" dirty="0">
+                  <a:solidFill>
+                    <a:schemeClr val="tx1">
+                      <a:lumMod val="50000"/>
+                      <a:lumOff val="50000"/>
+                    </a:schemeClr>
+                  </a:solidFill>
+                </a:endParaRPr>
+              </a:p>
+            </p:txBody>
+          </p:sp>
+        </p:grpSp>
+      </p:grpSp>
+      <p:grpSp>
+        <p:nvGrpSpPr>
+          <p:cNvPr id="43" name="그룹 42">
+            <a:extLst>
+              <a:ext uri="{FF2B5EF4-FFF2-40B4-BE49-F238E27FC236}">
+                <a16:creationId xmlns:a16="http://schemas.microsoft.com/office/drawing/2014/main" id="{452C248C-F7FB-43D0-AC64-44855633D461}"/>
+              </a:ext>
+            </a:extLst>
+          </p:cNvPr>
+          <p:cNvGrpSpPr/>
+          <p:nvPr/>
+        </p:nvGrpSpPr>
+        <p:grpSpPr>
+          <a:xfrm>
+            <a:off x="8885547" y="2593789"/>
+            <a:ext cx="3631360" cy="3873623"/>
+            <a:chOff x="1614498" y="796667"/>
+            <a:chExt cx="3631360" cy="3873623"/>
+          </a:xfrm>
+        </p:grpSpPr>
+        <p:sp>
+          <p:nvSpPr>
+            <p:cNvPr id="44" name="TextBox 43">
+              <a:extLst>
+                <a:ext uri="{FF2B5EF4-FFF2-40B4-BE49-F238E27FC236}">
+                  <a16:creationId xmlns:a16="http://schemas.microsoft.com/office/drawing/2014/main" id="{1D1863FB-8C23-4E78-9D3A-ACA8B8014794}"/>
+                </a:ext>
+              </a:extLst>
+            </p:cNvPr>
+            <p:cNvSpPr txBox="1"/>
+            <p:nvPr/>
+          </p:nvSpPr>
+          <p:spPr>
+            <a:xfrm>
+              <a:off x="1889790" y="796667"/>
+              <a:ext cx="2413889" cy="707886"/>
+            </a:xfrm>
+            <a:prstGeom prst="rect">
+              <a:avLst/>
+            </a:prstGeom>
+            <a:noFill/>
+          </p:spPr>
+          <p:txBody>
+            <a:bodyPr wrap="square" rtlCol="0">
+              <a:spAutoFit/>
+            </a:bodyPr>
+            <a:lstStyle/>
+            <a:p>
+              <a:pPr>
+                <a:lnSpc>
+                  <a:spcPct val="150000"/>
+                </a:lnSpc>
+              </a:pPr>
+              <a:r>
+                <a:rPr lang="en-US" altLang="ko-KR" sz="2000" dirty="0"/>
+                <a:t>       Output</a:t>
+              </a:r>
+              <a:endParaRPr lang="en-US" altLang="ko-KR" sz="2000" i="1" dirty="0">
+                <a:solidFill>
+                  <a:schemeClr val="accent1">
+                    <a:lumMod val="75000"/>
+                  </a:schemeClr>
+                </a:solidFill>
+              </a:endParaRPr>
+            </a:p>
+            <a:p>
+              <a:r>
+                <a:rPr lang="en-US" altLang="ko-KR" sz="1000" dirty="0"/>
+                <a:t>(batch_size,  </a:t>
+              </a:r>
+              <a:r>
+                <a:rPr lang="en-US" altLang="ko-KR" sz="1000" dirty="0" err="1"/>
+                <a:t>output_dim</a:t>
+              </a:r>
+              <a:r>
+                <a:rPr lang="en-US" altLang="ko-KR" sz="1000" dirty="0"/>
+                <a:t>, timesteps)</a:t>
+              </a:r>
+              <a:endParaRPr lang="ko-KR" altLang="en-US" sz="1000" dirty="0"/>
+            </a:p>
+          </p:txBody>
+        </p:sp>
+        <p:grpSp>
+          <p:nvGrpSpPr>
+            <p:cNvPr id="45" name="그룹 44">
+              <a:extLst>
+                <a:ext uri="{FF2B5EF4-FFF2-40B4-BE49-F238E27FC236}">
+                  <a16:creationId xmlns:a16="http://schemas.microsoft.com/office/drawing/2014/main" id="{CBDBB120-96E9-42F4-AD68-DC60C006FE91}"/>
+                </a:ext>
+              </a:extLst>
+            </p:cNvPr>
+            <p:cNvGrpSpPr/>
+            <p:nvPr/>
+          </p:nvGrpSpPr>
+          <p:grpSpPr>
+            <a:xfrm>
+              <a:off x="1614498" y="1542333"/>
+              <a:ext cx="3631360" cy="3127957"/>
+              <a:chOff x="1823311" y="1631495"/>
+              <a:chExt cx="3631360" cy="3127957"/>
+            </a:xfrm>
+          </p:grpSpPr>
+          <p:grpSp>
+            <p:nvGrpSpPr>
+              <p:cNvPr id="46" name="그룹 45">
+                <a:extLst>
+                  <a:ext uri="{FF2B5EF4-FFF2-40B4-BE49-F238E27FC236}">
+                    <a16:creationId xmlns:a16="http://schemas.microsoft.com/office/drawing/2014/main" id="{C5C122F7-42BC-4D4F-A501-C86A18CA6158}"/>
+                  </a:ext>
+                </a:extLst>
+              </p:cNvPr>
+              <p:cNvGrpSpPr/>
+              <p:nvPr/>
+            </p:nvGrpSpPr>
+            <p:grpSpPr>
+              <a:xfrm>
+                <a:off x="1823311" y="1631495"/>
+                <a:ext cx="2196926" cy="2598857"/>
+                <a:chOff x="1150443" y="2154698"/>
+                <a:chExt cx="2500099" cy="3305038"/>
+              </a:xfrm>
+            </p:grpSpPr>
+            <p:sp>
+              <p:nvSpPr>
+                <p:cNvPr id="60" name="정육면체 59">
+                  <a:extLst>
+                    <a:ext uri="{FF2B5EF4-FFF2-40B4-BE49-F238E27FC236}">
+                      <a16:creationId xmlns:a16="http://schemas.microsoft.com/office/drawing/2014/main" id="{1142F493-3A26-487A-BCC5-35A2DB797DFE}"/>
+                    </a:ext>
+                  </a:extLst>
+                </p:cNvPr>
+                <p:cNvSpPr/>
+                <p:nvPr/>
+              </p:nvSpPr>
+              <p:spPr>
+                <a:xfrm>
+                  <a:off x="1150443" y="2154698"/>
+                  <a:ext cx="1272178" cy="3287743"/>
+                </a:xfrm>
+                <a:prstGeom prst="cube">
+                  <a:avLst>
+                    <a:gd name="adj" fmla="val 74470"/>
+                  </a:avLst>
+                </a:prstGeom>
+                <a:solidFill>
+                  <a:schemeClr val="bg1"/>
+                </a:solidFill>
+                <a:ln>
+                  <a:solidFill>
+                    <a:schemeClr val="accent3">
+                      <a:lumMod val="60000"/>
+                      <a:lumOff val="40000"/>
+                    </a:schemeClr>
+                  </a:solidFill>
+                </a:ln>
+              </p:spPr>
+              <p:style>
+                <a:lnRef idx="2">
+                  <a:schemeClr val="accent1">
+                    <a:shade val="50000"/>
+                  </a:schemeClr>
+                </a:lnRef>
+                <a:fillRef idx="1">
+                  <a:schemeClr val="accent1"/>
+                </a:fillRef>
+                <a:effectRef idx="0">
+                  <a:schemeClr val="accent1"/>
+                </a:effectRef>
+                <a:fontRef idx="minor">
+                  <a:schemeClr val="lt1"/>
+                </a:fontRef>
+              </p:style>
+              <p:txBody>
+                <a:bodyPr rtlCol="0" anchor="ctr"/>
+                <a:lstStyle/>
+                <a:p>
+                  <a:pPr algn="ctr"/>
+                  <a:endParaRPr lang="ko-KR" altLang="en-US"/>
+                </a:p>
+              </p:txBody>
+            </p:sp>
+            <p:sp>
+              <p:nvSpPr>
+                <p:cNvPr id="61" name="정육면체 60">
+                  <a:extLst>
+                    <a:ext uri="{FF2B5EF4-FFF2-40B4-BE49-F238E27FC236}">
+                      <a16:creationId xmlns:a16="http://schemas.microsoft.com/office/drawing/2014/main" id="{26EA8DAD-EA9B-41D0-AC52-38DFEF88AC65}"/>
+                    </a:ext>
+                  </a:extLst>
+                </p:cNvPr>
+                <p:cNvSpPr/>
+                <p:nvPr/>
+              </p:nvSpPr>
+              <p:spPr>
+                <a:xfrm>
+                  <a:off x="1538058" y="2171994"/>
+                  <a:ext cx="1272178" cy="3287742"/>
+                </a:xfrm>
+                <a:prstGeom prst="cube">
+                  <a:avLst>
+                    <a:gd name="adj" fmla="val 74470"/>
+                  </a:avLst>
+                </a:prstGeom>
+                <a:solidFill>
+                  <a:schemeClr val="bg1"/>
+                </a:solidFill>
+                <a:ln>
+                  <a:solidFill>
+                    <a:schemeClr val="accent3">
+                      <a:lumMod val="60000"/>
+                      <a:lumOff val="40000"/>
+                    </a:schemeClr>
+                  </a:solidFill>
+                </a:ln>
+              </p:spPr>
+              <p:style>
+                <a:lnRef idx="2">
+                  <a:schemeClr val="accent1">
+                    <a:shade val="50000"/>
+                  </a:schemeClr>
+                </a:lnRef>
+                <a:fillRef idx="1">
+                  <a:schemeClr val="accent1"/>
+                </a:fillRef>
+                <a:effectRef idx="0">
+                  <a:schemeClr val="accent1"/>
+                </a:effectRef>
+                <a:fontRef idx="minor">
+                  <a:schemeClr val="lt1"/>
+                </a:fontRef>
+              </p:style>
+              <p:txBody>
+                <a:bodyPr rtlCol="0" anchor="ctr"/>
+                <a:lstStyle/>
+                <a:p>
+                  <a:pPr algn="ctr"/>
+                  <a:endParaRPr lang="ko-KR" altLang="en-US"/>
+                </a:p>
+              </p:txBody>
+            </p:sp>
+            <p:sp>
+              <p:nvSpPr>
+                <p:cNvPr id="62" name="정육면체 61">
+                  <a:extLst>
+                    <a:ext uri="{FF2B5EF4-FFF2-40B4-BE49-F238E27FC236}">
+                      <a16:creationId xmlns:a16="http://schemas.microsoft.com/office/drawing/2014/main" id="{A70D570C-3F51-4BE4-ACD6-6640E7FBF86F}"/>
+                    </a:ext>
+                  </a:extLst>
+                </p:cNvPr>
+                <p:cNvSpPr/>
+                <p:nvPr/>
+              </p:nvSpPr>
+              <p:spPr>
+                <a:xfrm>
+                  <a:off x="1959942" y="2171994"/>
+                  <a:ext cx="1272178" cy="3287742"/>
+                </a:xfrm>
+                <a:prstGeom prst="cube">
+                  <a:avLst>
+                    <a:gd name="adj" fmla="val 74470"/>
+                  </a:avLst>
+                </a:prstGeom>
+                <a:solidFill>
+                  <a:schemeClr val="bg1"/>
+                </a:solidFill>
+                <a:ln>
+                  <a:solidFill>
+                    <a:schemeClr val="accent3">
+                      <a:lumMod val="60000"/>
+                      <a:lumOff val="40000"/>
+                    </a:schemeClr>
+                  </a:solidFill>
+                </a:ln>
+              </p:spPr>
+              <p:style>
+                <a:lnRef idx="2">
+                  <a:schemeClr val="accent1">
+                    <a:shade val="50000"/>
+                  </a:schemeClr>
+                </a:lnRef>
+                <a:fillRef idx="1">
+                  <a:schemeClr val="accent1"/>
+                </a:fillRef>
+                <a:effectRef idx="0">
+                  <a:schemeClr val="accent1"/>
+                </a:effectRef>
+                <a:fontRef idx="minor">
+                  <a:schemeClr val="lt1"/>
+                </a:fontRef>
+              </p:style>
+              <p:txBody>
+                <a:bodyPr rtlCol="0" anchor="ctr"/>
+                <a:lstStyle/>
+                <a:p>
+                  <a:pPr algn="ctr"/>
+                  <a:endParaRPr lang="ko-KR" altLang="en-US"/>
+                </a:p>
+              </p:txBody>
+            </p:sp>
+            <p:sp>
+              <p:nvSpPr>
+                <p:cNvPr id="63" name="정육면체 62">
+                  <a:extLst>
+                    <a:ext uri="{FF2B5EF4-FFF2-40B4-BE49-F238E27FC236}">
+                      <a16:creationId xmlns:a16="http://schemas.microsoft.com/office/drawing/2014/main" id="{258758B6-170B-4F6C-8839-6D1E56E6475C}"/>
+                    </a:ext>
+                  </a:extLst>
+                </p:cNvPr>
+                <p:cNvSpPr/>
+                <p:nvPr/>
+              </p:nvSpPr>
+              <p:spPr>
+                <a:xfrm>
+                  <a:off x="2378364" y="2154698"/>
+                  <a:ext cx="1272178" cy="3287742"/>
+                </a:xfrm>
+                <a:prstGeom prst="cube">
+                  <a:avLst>
+                    <a:gd name="adj" fmla="val 74470"/>
+                  </a:avLst>
+                </a:prstGeom>
+                <a:solidFill>
+                  <a:schemeClr val="bg1"/>
+                </a:solidFill>
+                <a:ln>
+                  <a:solidFill>
+                    <a:schemeClr val="accent3">
+                      <a:lumMod val="60000"/>
+                      <a:lumOff val="40000"/>
+                    </a:schemeClr>
+                  </a:solidFill>
+                </a:ln>
+              </p:spPr>
+              <p:style>
+                <a:lnRef idx="2">
+                  <a:schemeClr val="accent1">
+                    <a:shade val="50000"/>
+                  </a:schemeClr>
+                </a:lnRef>
+                <a:fillRef idx="1">
+                  <a:schemeClr val="accent1"/>
+                </a:fillRef>
+                <a:effectRef idx="0">
+                  <a:schemeClr val="accent1"/>
+                </a:effectRef>
+                <a:fontRef idx="minor">
+                  <a:schemeClr val="lt1"/>
+                </a:fontRef>
+              </p:style>
+              <p:txBody>
+                <a:bodyPr rtlCol="0" anchor="ctr"/>
+                <a:lstStyle/>
+                <a:p>
+                  <a:pPr algn="ctr"/>
+                  <a:endParaRPr lang="ko-KR" altLang="en-US"/>
+                </a:p>
+              </p:txBody>
+            </p:sp>
+          </p:grpSp>
+          <p:sp>
+            <p:nvSpPr>
+              <p:cNvPr id="47" name="왼쪽 중괄호 46">
+                <a:extLst>
+                  <a:ext uri="{FF2B5EF4-FFF2-40B4-BE49-F238E27FC236}">
+                    <a16:creationId xmlns:a16="http://schemas.microsoft.com/office/drawing/2014/main" id="{0EF9F6C0-0B40-45CA-9196-37C820C0896B}"/>
+                  </a:ext>
+                </a:extLst>
+              </p:cNvPr>
+              <p:cNvSpPr/>
+              <p:nvPr/>
+            </p:nvSpPr>
+            <p:spPr>
+              <a:xfrm rot="16200000">
+                <a:off x="2421614" y="3810467"/>
+                <a:ext cx="226064" cy="1117908"/>
+              </a:xfrm>
+              <a:prstGeom prst="leftBrace">
+                <a:avLst/>
+              </a:prstGeom>
+              <a:ln>
+                <a:solidFill>
+                  <a:schemeClr val="bg2">
+                    <a:lumMod val="50000"/>
+                  </a:schemeClr>
+                </a:solidFill>
+              </a:ln>
+            </p:spPr>
+            <p:style>
+              <a:lnRef idx="1">
+                <a:schemeClr val="accent1"/>
+              </a:lnRef>
+              <a:fillRef idx="0">
+                <a:schemeClr val="accent1"/>
+              </a:fillRef>
+              <a:effectRef idx="0">
+                <a:schemeClr val="accent1"/>
+              </a:effectRef>
+              <a:fontRef idx="minor">
+                <a:schemeClr val="tx1"/>
+              </a:fontRef>
+            </p:style>
+            <p:txBody>
+              <a:bodyPr rtlCol="0" anchor="ctr"/>
+              <a:lstStyle/>
+              <a:p>
+                <a:pPr algn="ctr"/>
+                <a:endParaRPr lang="ko-KR" altLang="en-US"/>
+              </a:p>
+            </p:txBody>
+          </p:sp>
+          <p:sp>
+            <p:nvSpPr>
+              <p:cNvPr id="48" name="TextBox 47">
+                <a:extLst>
+                  <a:ext uri="{FF2B5EF4-FFF2-40B4-BE49-F238E27FC236}">
+                    <a16:creationId xmlns:a16="http://schemas.microsoft.com/office/drawing/2014/main" id="{19C184F2-C7FE-4297-919B-51D61A50416C}"/>
+                  </a:ext>
+                </a:extLst>
+              </p:cNvPr>
+              <p:cNvSpPr txBox="1"/>
+              <p:nvPr/>
+            </p:nvSpPr>
+            <p:spPr>
+              <a:xfrm>
+                <a:off x="2059582" y="4482453"/>
+                <a:ext cx="1117908" cy="276999"/>
+              </a:xfrm>
+              <a:prstGeom prst="rect">
+                <a:avLst/>
+              </a:prstGeom>
+              <a:noFill/>
+            </p:spPr>
+            <p:txBody>
+              <a:bodyPr wrap="square">
+                <a:spAutoFit/>
+              </a:bodyPr>
+              <a:lstStyle/>
+              <a:p>
+                <a:r>
+                  <a:rPr lang="en-US" altLang="ko-KR" sz="1200" dirty="0">
+                    <a:solidFill>
+                      <a:schemeClr val="tx1">
+                        <a:lumMod val="50000"/>
+                        <a:lumOff val="50000"/>
+                      </a:schemeClr>
+                    </a:solidFill>
+                  </a:rPr>
+                  <a:t>batch_size</a:t>
+                </a:r>
+                <a:endParaRPr lang="ko-KR" altLang="en-US" sz="1200" dirty="0">
+                  <a:solidFill>
+                    <a:schemeClr val="tx1">
+                      <a:lumMod val="50000"/>
+                      <a:lumOff val="50000"/>
+                    </a:schemeClr>
+                  </a:solidFill>
+                </a:endParaRPr>
+              </a:p>
+            </p:txBody>
+          </p:sp>
+          <p:cxnSp>
+            <p:nvCxnSpPr>
+              <p:cNvPr id="49" name="직선 연결선 48">
+                <a:extLst>
+                  <a:ext uri="{FF2B5EF4-FFF2-40B4-BE49-F238E27FC236}">
+                    <a16:creationId xmlns:a16="http://schemas.microsoft.com/office/drawing/2014/main" id="{8CB2DD58-A5D6-4B47-9203-2C055D46E41A}"/>
+                  </a:ext>
+                </a:extLst>
+              </p:cNvPr>
+              <p:cNvCxnSpPr>
+                <a:cxnSpLocks/>
+              </p:cNvCxnSpPr>
+              <p:nvPr/>
+            </p:nvCxnSpPr>
+            <p:spPr>
+              <a:xfrm flipV="1">
+                <a:off x="2006600" y="2271424"/>
+                <a:ext cx="1368425" cy="6452"/>
+              </a:xfrm>
+              <a:prstGeom prst="line">
+                <a:avLst/>
+              </a:prstGeom>
+              <a:ln>
+                <a:solidFill>
+                  <a:schemeClr val="bg1">
+                    <a:lumMod val="65000"/>
+                  </a:schemeClr>
+                </a:solidFill>
+              </a:ln>
+            </p:spPr>
+            <p:style>
+              <a:lnRef idx="1">
+                <a:schemeClr val="accent1"/>
+              </a:lnRef>
+              <a:fillRef idx="0">
+                <a:schemeClr val="accent1"/>
+              </a:fillRef>
+              <a:effectRef idx="0">
+                <a:schemeClr val="accent1"/>
+              </a:effectRef>
+              <a:fontRef idx="minor">
+                <a:schemeClr val="tx1"/>
+              </a:fontRef>
+            </p:style>
+          </p:cxnSp>
+          <p:cxnSp>
+            <p:nvCxnSpPr>
+              <p:cNvPr id="50" name="직선 연결선 49">
+                <a:extLst>
+                  <a:ext uri="{FF2B5EF4-FFF2-40B4-BE49-F238E27FC236}">
+                    <a16:creationId xmlns:a16="http://schemas.microsoft.com/office/drawing/2014/main" id="{9A25C827-6BA5-4047-BC54-A3B9D9028BBB}"/>
+                  </a:ext>
+                </a:extLst>
+              </p:cNvPr>
+              <p:cNvCxnSpPr>
+                <a:cxnSpLocks/>
+              </p:cNvCxnSpPr>
+              <p:nvPr/>
+            </p:nvCxnSpPr>
+            <p:spPr>
+              <a:xfrm flipH="1">
+                <a:off x="3350427" y="2277875"/>
+                <a:ext cx="24598" cy="1770250"/>
+              </a:xfrm>
+              <a:prstGeom prst="line">
+                <a:avLst/>
+              </a:prstGeom>
+              <a:ln>
+                <a:solidFill>
+                  <a:schemeClr val="bg1">
+                    <a:lumMod val="65000"/>
+                  </a:schemeClr>
+                </a:solidFill>
+              </a:ln>
+            </p:spPr>
+            <p:style>
+              <a:lnRef idx="1">
+                <a:schemeClr val="accent1"/>
+              </a:lnRef>
+              <a:fillRef idx="0">
+                <a:schemeClr val="accent1"/>
+              </a:fillRef>
+              <a:effectRef idx="0">
+                <a:schemeClr val="accent1"/>
+              </a:effectRef>
+              <a:fontRef idx="minor">
+                <a:schemeClr val="tx1"/>
+              </a:fontRef>
+            </p:style>
+          </p:cxnSp>
+          <p:grpSp>
+            <p:nvGrpSpPr>
+              <p:cNvPr id="51" name="그룹 50">
+                <a:extLst>
+                  <a:ext uri="{FF2B5EF4-FFF2-40B4-BE49-F238E27FC236}">
+                    <a16:creationId xmlns:a16="http://schemas.microsoft.com/office/drawing/2014/main" id="{6402149F-91E3-49B0-8A32-D184805C93FC}"/>
+                  </a:ext>
+                </a:extLst>
+              </p:cNvPr>
+              <p:cNvGrpSpPr/>
+              <p:nvPr/>
+            </p:nvGrpSpPr>
+            <p:grpSpPr>
+              <a:xfrm>
+                <a:off x="2138863" y="2135027"/>
+                <a:ext cx="1384513" cy="1740687"/>
+                <a:chOff x="2128091" y="2430275"/>
+                <a:chExt cx="1384513" cy="1740687"/>
+              </a:xfrm>
+            </p:grpSpPr>
+            <p:cxnSp>
+              <p:nvCxnSpPr>
+                <p:cNvPr id="58" name="직선 연결선 57">
+                  <a:extLst>
+                    <a:ext uri="{FF2B5EF4-FFF2-40B4-BE49-F238E27FC236}">
+                      <a16:creationId xmlns:a16="http://schemas.microsoft.com/office/drawing/2014/main" id="{2EC9B72B-B63F-411C-9D74-1149BC2A3DE5}"/>
+                    </a:ext>
+                  </a:extLst>
+                </p:cNvPr>
+                <p:cNvCxnSpPr>
+                  <a:cxnSpLocks/>
+                </p:cNvCxnSpPr>
+                <p:nvPr/>
+              </p:nvCxnSpPr>
+              <p:spPr>
+                <a:xfrm>
+                  <a:off x="2128091" y="2430276"/>
+                  <a:ext cx="1382345" cy="0"/>
+                </a:xfrm>
+                <a:prstGeom prst="line">
+                  <a:avLst/>
+                </a:prstGeom>
+                <a:ln>
+                  <a:solidFill>
+                    <a:schemeClr val="bg1">
+                      <a:lumMod val="65000"/>
+                    </a:schemeClr>
+                  </a:solidFill>
+                </a:ln>
+              </p:spPr>
+              <p:style>
+                <a:lnRef idx="1">
+                  <a:schemeClr val="accent1"/>
+                </a:lnRef>
+                <a:fillRef idx="0">
+                  <a:schemeClr val="accent1"/>
+                </a:fillRef>
+                <a:effectRef idx="0">
+                  <a:schemeClr val="accent1"/>
+                </a:effectRef>
+                <a:fontRef idx="minor">
+                  <a:schemeClr val="tx1"/>
+                </a:fontRef>
+              </p:style>
+            </p:cxnSp>
+            <p:cxnSp>
+              <p:nvCxnSpPr>
+                <p:cNvPr id="59" name="직선 연결선 58">
+                  <a:extLst>
+                    <a:ext uri="{FF2B5EF4-FFF2-40B4-BE49-F238E27FC236}">
+                      <a16:creationId xmlns:a16="http://schemas.microsoft.com/office/drawing/2014/main" id="{D9B82CAB-2CA7-4F4B-93FB-C9B4B0E5FD34}"/>
+                    </a:ext>
+                  </a:extLst>
+                </p:cNvPr>
+                <p:cNvCxnSpPr>
+                  <a:cxnSpLocks/>
+                </p:cNvCxnSpPr>
+                <p:nvPr/>
+              </p:nvCxnSpPr>
+              <p:spPr>
+                <a:xfrm>
+                  <a:off x="3502827" y="2430275"/>
+                  <a:ext cx="9777" cy="1740687"/>
+                </a:xfrm>
+                <a:prstGeom prst="line">
+                  <a:avLst/>
+                </a:prstGeom>
+                <a:ln>
+                  <a:solidFill>
+                    <a:schemeClr val="bg1">
+                      <a:lumMod val="65000"/>
+                    </a:schemeClr>
+                  </a:solidFill>
+                </a:ln>
+              </p:spPr>
+              <p:style>
+                <a:lnRef idx="1">
+                  <a:schemeClr val="accent1"/>
+                </a:lnRef>
+                <a:fillRef idx="0">
+                  <a:schemeClr val="accent1"/>
+                </a:fillRef>
+                <a:effectRef idx="0">
+                  <a:schemeClr val="accent1"/>
+                </a:effectRef>
+                <a:fontRef idx="minor">
+                  <a:schemeClr val="tx1"/>
+                </a:fontRef>
+              </p:style>
+            </p:cxnSp>
+          </p:grpSp>
+          <p:cxnSp>
+            <p:nvCxnSpPr>
+              <p:cNvPr id="52" name="직선 연결선 51">
+                <a:extLst>
+                  <a:ext uri="{FF2B5EF4-FFF2-40B4-BE49-F238E27FC236}">
+                    <a16:creationId xmlns:a16="http://schemas.microsoft.com/office/drawing/2014/main" id="{C9C4BAA4-50B8-4345-867F-8D4CA5CA1747}"/>
+                  </a:ext>
+                </a:extLst>
+              </p:cNvPr>
+              <p:cNvCxnSpPr>
+                <a:cxnSpLocks/>
+              </p:cNvCxnSpPr>
+              <p:nvPr/>
+            </p:nvCxnSpPr>
+            <p:spPr>
+              <a:xfrm>
+                <a:off x="2306921" y="1962288"/>
+                <a:ext cx="1355706" cy="14247"/>
+              </a:xfrm>
+              <a:prstGeom prst="line">
+                <a:avLst/>
+              </a:prstGeom>
+              <a:ln>
+                <a:solidFill>
+                  <a:schemeClr val="bg1">
+                    <a:lumMod val="65000"/>
+                  </a:schemeClr>
+                </a:solidFill>
+              </a:ln>
+            </p:spPr>
+            <p:style>
+              <a:lnRef idx="1">
+                <a:schemeClr val="accent1"/>
+              </a:lnRef>
+              <a:fillRef idx="0">
+                <a:schemeClr val="accent1"/>
+              </a:fillRef>
+              <a:effectRef idx="0">
+                <a:schemeClr val="accent1"/>
+              </a:effectRef>
+              <a:fontRef idx="minor">
+                <a:schemeClr val="tx1"/>
+              </a:fontRef>
+            </p:style>
+          </p:cxnSp>
+          <p:cxnSp>
+            <p:nvCxnSpPr>
+              <p:cNvPr id="53" name="직선 연결선 52">
+                <a:extLst>
+                  <a:ext uri="{FF2B5EF4-FFF2-40B4-BE49-F238E27FC236}">
+                    <a16:creationId xmlns:a16="http://schemas.microsoft.com/office/drawing/2014/main" id="{5B79DB48-9669-4D4A-AD22-47975755A556}"/>
+                  </a:ext>
+                </a:extLst>
+              </p:cNvPr>
+              <p:cNvCxnSpPr>
+                <a:cxnSpLocks/>
+              </p:cNvCxnSpPr>
+              <p:nvPr/>
+            </p:nvCxnSpPr>
+            <p:spPr>
+              <a:xfrm>
+                <a:off x="3662627" y="1976535"/>
+                <a:ext cx="0" cy="1757265"/>
+              </a:xfrm>
+              <a:prstGeom prst="line">
+                <a:avLst/>
+              </a:prstGeom>
+              <a:ln>
+                <a:solidFill>
+                  <a:schemeClr val="bg1">
+                    <a:lumMod val="65000"/>
+                  </a:schemeClr>
+                </a:solidFill>
+              </a:ln>
+            </p:spPr>
+            <p:style>
+              <a:lnRef idx="1">
+                <a:schemeClr val="accent1"/>
+              </a:lnRef>
+              <a:fillRef idx="0">
+                <a:schemeClr val="accent1"/>
+              </a:fillRef>
+              <a:effectRef idx="0">
+                <a:schemeClr val="accent1"/>
+              </a:effectRef>
+              <a:fontRef idx="minor">
+                <a:schemeClr val="tx1"/>
+              </a:fontRef>
+            </p:style>
+          </p:cxnSp>
+          <p:sp>
+            <p:nvSpPr>
+              <p:cNvPr id="54" name="왼쪽 중괄호 53">
+                <a:extLst>
+                  <a:ext uri="{FF2B5EF4-FFF2-40B4-BE49-F238E27FC236}">
+                    <a16:creationId xmlns:a16="http://schemas.microsoft.com/office/drawing/2014/main" id="{D42C95BB-4324-42DA-A14D-25A5FE64755F}"/>
+                  </a:ext>
+                </a:extLst>
+              </p:cNvPr>
+              <p:cNvSpPr/>
+              <p:nvPr/>
+            </p:nvSpPr>
+            <p:spPr>
+              <a:xfrm rot="13384039">
+                <a:off x="3632970" y="3392978"/>
+                <a:ext cx="226065" cy="1044251"/>
+              </a:xfrm>
+              <a:prstGeom prst="leftBrace">
+                <a:avLst>
+                  <a:gd name="adj1" fmla="val 8333"/>
+                  <a:gd name="adj2" fmla="val 43433"/>
+                </a:avLst>
+              </a:prstGeom>
+              <a:ln>
+                <a:solidFill>
+                  <a:schemeClr val="bg2">
+                    <a:lumMod val="50000"/>
+                  </a:schemeClr>
+                </a:solidFill>
+              </a:ln>
+            </p:spPr>
+            <p:style>
+              <a:lnRef idx="1">
+                <a:schemeClr val="accent1"/>
+              </a:lnRef>
+              <a:fillRef idx="0">
+                <a:schemeClr val="accent1"/>
+              </a:fillRef>
+              <a:effectRef idx="0">
+                <a:schemeClr val="accent1"/>
+              </a:effectRef>
+              <a:fontRef idx="minor">
+                <a:schemeClr val="tx1"/>
+              </a:fontRef>
+            </p:style>
+            <p:txBody>
+              <a:bodyPr rtlCol="0" anchor="ctr"/>
+              <a:lstStyle/>
+              <a:p>
+                <a:pPr algn="ctr"/>
+                <a:endParaRPr lang="ko-KR" altLang="en-US"/>
+              </a:p>
+            </p:txBody>
+          </p:sp>
+          <p:sp>
+            <p:nvSpPr>
+              <p:cNvPr id="55" name="TextBox 54">
+                <a:extLst>
+                  <a:ext uri="{FF2B5EF4-FFF2-40B4-BE49-F238E27FC236}">
+                    <a16:creationId xmlns:a16="http://schemas.microsoft.com/office/drawing/2014/main" id="{46FF8848-3229-4CB2-A3F0-A57A4B08D4FB}"/>
+                  </a:ext>
+                </a:extLst>
+              </p:cNvPr>
+              <p:cNvSpPr txBox="1"/>
+              <p:nvPr/>
+            </p:nvSpPr>
+            <p:spPr>
+              <a:xfrm rot="18722307">
+                <a:off x="3368760" y="3870205"/>
+                <a:ext cx="1117908" cy="276999"/>
+              </a:xfrm>
+              <a:prstGeom prst="rect">
+                <a:avLst/>
+              </a:prstGeom>
+              <a:noFill/>
+            </p:spPr>
+            <p:txBody>
+              <a:bodyPr wrap="square">
+                <a:spAutoFit/>
+              </a:bodyPr>
+              <a:lstStyle/>
+              <a:p>
+                <a:r>
+                  <a:rPr lang="en-US" altLang="ko-KR" sz="1200" dirty="0" err="1">
+                    <a:solidFill>
+                      <a:schemeClr val="tx1">
+                        <a:lumMod val="50000"/>
+                        <a:lumOff val="50000"/>
+                      </a:schemeClr>
+                    </a:solidFill>
+                  </a:rPr>
+                  <a:t>output_dim</a:t>
+                </a:r>
+                <a:endParaRPr lang="ko-KR" altLang="en-US" sz="1200" dirty="0">
+                  <a:solidFill>
+                    <a:schemeClr val="tx1">
+                      <a:lumMod val="50000"/>
+                      <a:lumOff val="50000"/>
+                    </a:schemeClr>
+                  </a:solidFill>
+                </a:endParaRPr>
+              </a:p>
+            </p:txBody>
+          </p:sp>
+          <p:sp>
+            <p:nvSpPr>
+              <p:cNvPr id="56" name="왼쪽 중괄호 55">
+                <a:extLst>
+                  <a:ext uri="{FF2B5EF4-FFF2-40B4-BE49-F238E27FC236}">
+                    <a16:creationId xmlns:a16="http://schemas.microsoft.com/office/drawing/2014/main" id="{4448C4CE-1051-432C-A35F-EC8209B6B350}"/>
+                  </a:ext>
+                </a:extLst>
+              </p:cNvPr>
+              <p:cNvSpPr/>
+              <p:nvPr/>
+            </p:nvSpPr>
+            <p:spPr>
+              <a:xfrm rot="10800000">
+                <a:off x="4079062" y="1693122"/>
+                <a:ext cx="251644" cy="1583165"/>
+              </a:xfrm>
+              <a:prstGeom prst="leftBrace">
+                <a:avLst>
+                  <a:gd name="adj1" fmla="val 8333"/>
+                  <a:gd name="adj2" fmla="val 43914"/>
+                </a:avLst>
+              </a:prstGeom>
+              <a:ln>
+                <a:solidFill>
+                  <a:schemeClr val="bg2">
+                    <a:lumMod val="50000"/>
+                  </a:schemeClr>
+                </a:solidFill>
+              </a:ln>
+            </p:spPr>
+            <p:style>
+              <a:lnRef idx="1">
+                <a:schemeClr val="accent1"/>
+              </a:lnRef>
+              <a:fillRef idx="0">
+                <a:schemeClr val="accent1"/>
+              </a:fillRef>
+              <a:effectRef idx="0">
+                <a:schemeClr val="accent1"/>
+              </a:effectRef>
+              <a:fontRef idx="minor">
+                <a:schemeClr val="tx1"/>
+              </a:fontRef>
+            </p:style>
+            <p:txBody>
+              <a:bodyPr rtlCol="0" anchor="ctr"/>
+              <a:lstStyle/>
+              <a:p>
+                <a:pPr algn="ctr"/>
+                <a:endParaRPr lang="ko-KR" altLang="en-US" dirty="0"/>
+              </a:p>
+            </p:txBody>
+          </p:sp>
+          <p:sp>
+            <p:nvSpPr>
+              <p:cNvPr id="57" name="TextBox 56">
+                <a:extLst>
+                  <a:ext uri="{FF2B5EF4-FFF2-40B4-BE49-F238E27FC236}">
+                    <a16:creationId xmlns:a16="http://schemas.microsoft.com/office/drawing/2014/main" id="{F490B5E3-AA79-4418-A16D-56F5B751E52C}"/>
+                  </a:ext>
+                </a:extLst>
+              </p:cNvPr>
+              <p:cNvSpPr txBox="1"/>
+              <p:nvPr/>
+            </p:nvSpPr>
+            <p:spPr>
+              <a:xfrm>
+                <a:off x="4336763" y="2429482"/>
+                <a:ext cx="1117908" cy="276999"/>
+              </a:xfrm>
+              <a:prstGeom prst="rect">
+                <a:avLst/>
+              </a:prstGeom>
+              <a:noFill/>
+            </p:spPr>
+            <p:txBody>
+              <a:bodyPr wrap="square">
+                <a:spAutoFit/>
+              </a:bodyPr>
+              <a:lstStyle/>
+              <a:p>
+                <a:r>
+                  <a:rPr lang="en-US" altLang="ko-KR" sz="1200" dirty="0">
+                    <a:solidFill>
+                      <a:schemeClr val="tx1">
+                        <a:lumMod val="50000"/>
+                        <a:lumOff val="50000"/>
+                      </a:schemeClr>
+                    </a:solidFill>
+                  </a:rPr>
+                  <a:t>timesteps</a:t>
+                </a:r>
+                <a:endParaRPr lang="ko-KR" altLang="en-US" sz="1200" dirty="0">
+                  <a:solidFill>
+                    <a:schemeClr val="tx1">
+                      <a:lumMod val="50000"/>
+                      <a:lumOff val="50000"/>
+                    </a:schemeClr>
+                  </a:solidFill>
+                </a:endParaRPr>
+              </a:p>
+            </p:txBody>
+          </p:sp>
+        </p:grpSp>
+      </p:grpSp>
+      <p:sp>
+        <p:nvSpPr>
+          <p:cNvPr id="66" name="TextBox 65">
+            <a:extLst>
+              <a:ext uri="{FF2B5EF4-FFF2-40B4-BE49-F238E27FC236}">
+                <a16:creationId xmlns:a16="http://schemas.microsoft.com/office/drawing/2014/main" id="{D376A716-E0C5-438A-A9C4-10DEFF820A9D}"/>
+              </a:ext>
+            </a:extLst>
+          </p:cNvPr>
+          <p:cNvSpPr txBox="1"/>
+          <p:nvPr/>
+        </p:nvSpPr>
+        <p:spPr>
+          <a:xfrm>
+            <a:off x="3886329" y="5826893"/>
+            <a:ext cx="4906023" cy="646331"/>
+          </a:xfrm>
+          <a:prstGeom prst="rect">
+            <a:avLst/>
+          </a:prstGeom>
+          <a:noFill/>
+        </p:spPr>
+        <p:txBody>
+          <a:bodyPr wrap="square" rtlCol="0">
+            <a:spAutoFit/>
+          </a:bodyPr>
+          <a:lstStyle/>
+          <a:p>
+            <a:r>
+              <a:rPr lang="en-US" altLang="ko-KR" sz="3600" b="1" i="1" dirty="0">
+                <a:solidFill>
+                  <a:schemeClr val="accent1">
+                    <a:lumMod val="75000"/>
+                  </a:schemeClr>
+                </a:solidFill>
+              </a:rPr>
+              <a:t>LSTM-Autoencoder</a:t>
+            </a:r>
+            <a:endParaRPr lang="ko-KR" altLang="en-US" sz="3600" b="1" i="1" dirty="0">
+              <a:solidFill>
+                <a:schemeClr val="accent1">
+                  <a:lumMod val="75000"/>
+                </a:schemeClr>
+              </a:solidFill>
+            </a:endParaRPr>
+          </a:p>
+        </p:txBody>
+      </p:sp>
     </p:spTree>
     <p:extLst>
       <p:ext uri="{BB962C8B-B14F-4D97-AF65-F5344CB8AC3E}">
@@ -4008,62 +5918,3430 @@
           <a:chExt cx="0" cy="0"/>
         </a:xfrm>
       </p:grpSpPr>
-      <p:sp>
-        <p:nvSpPr>
-          <p:cNvPr id="2" name="제목 1">
+      <p:grpSp>
+        <p:nvGrpSpPr>
+          <p:cNvPr id="6" name="그룹 5">
             <a:extLst>
               <a:ext uri="{FF2B5EF4-FFF2-40B4-BE49-F238E27FC236}">
-                <a16:creationId xmlns:a16="http://schemas.microsoft.com/office/drawing/2014/main" id="{B9BDC7BE-277C-448F-9DDB-FDE23AFB315A}"/>
+                <a16:creationId xmlns:a16="http://schemas.microsoft.com/office/drawing/2014/main" id="{0C55539D-ED6F-486D-B799-7807668EE34E}"/>
               </a:ext>
             </a:extLst>
           </p:cNvPr>
-          <p:cNvSpPr>
-            <a:spLocks noGrp="1"/>
-          </p:cNvSpPr>
-          <p:nvPr>
-            <p:ph type="title"/>
-          </p:nvPr>
-        </p:nvSpPr>
-        <p:spPr/>
-        <p:txBody>
-          <a:bodyPr/>
-          <a:lstStyle/>
-          <a:p>
-            <a:endParaRPr lang="ko-KR" altLang="en-US"/>
-          </a:p>
-        </p:txBody>
-      </p:sp>
-      <p:sp>
-        <p:nvSpPr>
-          <p:cNvPr id="3" name="내용 개체 틀 2">
+          <p:cNvGrpSpPr/>
+          <p:nvPr/>
+        </p:nvGrpSpPr>
+        <p:grpSpPr>
+          <a:xfrm>
+            <a:off x="4633073" y="997117"/>
+            <a:ext cx="5134352" cy="2502018"/>
+            <a:chOff x="4633073" y="997117"/>
+            <a:chExt cx="5134352" cy="2502018"/>
+          </a:xfrm>
+        </p:grpSpPr>
+        <p:grpSp>
+          <p:nvGrpSpPr>
+            <p:cNvPr id="42" name="그룹 41">
+              <a:extLst>
+                <a:ext uri="{FF2B5EF4-FFF2-40B4-BE49-F238E27FC236}">
+                  <a16:creationId xmlns:a16="http://schemas.microsoft.com/office/drawing/2014/main" id="{F7CC07AA-A84F-4EF1-98FF-3DA05B0D9193}"/>
+                </a:ext>
+              </a:extLst>
+            </p:cNvPr>
+            <p:cNvGrpSpPr/>
+            <p:nvPr/>
+          </p:nvGrpSpPr>
+          <p:grpSpPr>
+            <a:xfrm>
+              <a:off x="5432163" y="997117"/>
+              <a:ext cx="4335262" cy="2502018"/>
+              <a:chOff x="6468469" y="1470880"/>
+              <a:chExt cx="4335262" cy="2502018"/>
+            </a:xfrm>
+          </p:grpSpPr>
+          <p:grpSp>
+            <p:nvGrpSpPr>
+              <p:cNvPr id="44" name="그룹 43">
+                <a:extLst>
+                  <a:ext uri="{FF2B5EF4-FFF2-40B4-BE49-F238E27FC236}">
+                    <a16:creationId xmlns:a16="http://schemas.microsoft.com/office/drawing/2014/main" id="{7CC74953-E014-4798-B3D9-D951CA25C95F}"/>
+                  </a:ext>
+                </a:extLst>
+              </p:cNvPr>
+              <p:cNvGrpSpPr/>
+              <p:nvPr/>
+            </p:nvGrpSpPr>
+            <p:grpSpPr>
+              <a:xfrm>
+                <a:off x="6468469" y="1470880"/>
+                <a:ext cx="4335262" cy="2502018"/>
+                <a:chOff x="3674935" y="2032943"/>
+                <a:chExt cx="4335262" cy="2502018"/>
+              </a:xfrm>
+            </p:grpSpPr>
+            <p:grpSp>
+              <p:nvGrpSpPr>
+                <p:cNvPr id="46" name="그룹 45">
+                  <a:extLst>
+                    <a:ext uri="{FF2B5EF4-FFF2-40B4-BE49-F238E27FC236}">
+                      <a16:creationId xmlns:a16="http://schemas.microsoft.com/office/drawing/2014/main" id="{BB41D81C-355A-4EE6-96C9-64B7487CAC3F}"/>
+                    </a:ext>
+                  </a:extLst>
+                </p:cNvPr>
+                <p:cNvGrpSpPr/>
+                <p:nvPr/>
+              </p:nvGrpSpPr>
+              <p:grpSpPr>
+                <a:xfrm>
+                  <a:off x="3674935" y="2032943"/>
+                  <a:ext cx="4026714" cy="2502018"/>
+                  <a:chOff x="3674935" y="2032943"/>
+                  <a:chExt cx="4026714" cy="2502018"/>
+                </a:xfrm>
+              </p:grpSpPr>
+              <p:grpSp>
+                <p:nvGrpSpPr>
+                  <p:cNvPr id="48" name="그룹 47">
+                    <a:extLst>
+                      <a:ext uri="{FF2B5EF4-FFF2-40B4-BE49-F238E27FC236}">
+                        <a16:creationId xmlns:a16="http://schemas.microsoft.com/office/drawing/2014/main" id="{92639C0C-C6DC-49BF-8B13-316D9F3AA916}"/>
+                      </a:ext>
+                    </a:extLst>
+                  </p:cNvPr>
+                  <p:cNvGrpSpPr/>
+                  <p:nvPr/>
+                </p:nvGrpSpPr>
+                <p:grpSpPr>
+                  <a:xfrm>
+                    <a:off x="3674935" y="2032943"/>
+                    <a:ext cx="4026714" cy="2502018"/>
+                    <a:chOff x="3817548" y="1261157"/>
+                    <a:chExt cx="4026714" cy="2502018"/>
+                  </a:xfrm>
+                </p:grpSpPr>
+                <p:sp>
+                  <p:nvSpPr>
+                    <p:cNvPr id="58" name="사각형: 둥근 모서리 57">
+                      <a:extLst>
+                        <a:ext uri="{FF2B5EF4-FFF2-40B4-BE49-F238E27FC236}">
+                          <a16:creationId xmlns:a16="http://schemas.microsoft.com/office/drawing/2014/main" id="{965FD390-CB14-4C76-852C-2AE60CF31F85}"/>
+                        </a:ext>
+                      </a:extLst>
+                    </p:cNvPr>
+                    <p:cNvSpPr/>
+                    <p:nvPr/>
+                  </p:nvSpPr>
+                  <p:spPr>
+                    <a:xfrm>
+                      <a:off x="3817548" y="1261157"/>
+                      <a:ext cx="4026714" cy="2502018"/>
+                    </a:xfrm>
+                    <a:prstGeom prst="roundRect">
+                      <a:avLst/>
+                    </a:prstGeom>
+                    <a:solidFill>
+                      <a:schemeClr val="bg1"/>
+                    </a:solidFill>
+                  </p:spPr>
+                  <p:style>
+                    <a:lnRef idx="2">
+                      <a:schemeClr val="accent1">
+                        <a:shade val="50000"/>
+                      </a:schemeClr>
+                    </a:lnRef>
+                    <a:fillRef idx="1">
+                      <a:schemeClr val="accent1"/>
+                    </a:fillRef>
+                    <a:effectRef idx="0">
+                      <a:schemeClr val="accent1"/>
+                    </a:effectRef>
+                    <a:fontRef idx="minor">
+                      <a:schemeClr val="lt1"/>
+                    </a:fontRef>
+                  </p:style>
+                  <p:txBody>
+                    <a:bodyPr rtlCol="0" anchor="ctr"/>
+                    <a:lstStyle/>
+                    <a:p>
+                      <a:pPr algn="ctr"/>
+                      <a:endParaRPr lang="ko-KR" altLang="en-US" dirty="0"/>
+                    </a:p>
+                  </p:txBody>
+                </p:sp>
+                <p:grpSp>
+                  <p:nvGrpSpPr>
+                    <p:cNvPr id="59" name="그룹 58">
+                      <a:extLst>
+                        <a:ext uri="{FF2B5EF4-FFF2-40B4-BE49-F238E27FC236}">
+                          <a16:creationId xmlns:a16="http://schemas.microsoft.com/office/drawing/2014/main" id="{6AA8C306-A64A-4AA1-86D3-0164288A0A28}"/>
+                        </a:ext>
+                      </a:extLst>
+                    </p:cNvPr>
+                    <p:cNvGrpSpPr/>
+                    <p:nvPr/>
+                  </p:nvGrpSpPr>
+                  <p:grpSpPr>
+                    <a:xfrm>
+                      <a:off x="4094613" y="1659971"/>
+                      <a:ext cx="502553" cy="1907121"/>
+                      <a:chOff x="3062767" y="1676749"/>
+                      <a:chExt cx="502553" cy="1907121"/>
+                    </a:xfrm>
+                  </p:grpSpPr>
+                  <p:grpSp>
+                    <p:nvGrpSpPr>
+                      <p:cNvPr id="75" name="그룹 74">
+                        <a:extLst>
+                          <a:ext uri="{FF2B5EF4-FFF2-40B4-BE49-F238E27FC236}">
+                            <a16:creationId xmlns:a16="http://schemas.microsoft.com/office/drawing/2014/main" id="{206291B8-75DB-4ECE-BF7B-6C751F8D3498}"/>
+                          </a:ext>
+                        </a:extLst>
+                      </p:cNvPr>
+                      <p:cNvGrpSpPr/>
+                      <p:nvPr/>
+                    </p:nvGrpSpPr>
+                    <p:grpSpPr>
+                      <a:xfrm>
+                        <a:off x="3070372" y="1676749"/>
+                        <a:ext cx="436226" cy="386943"/>
+                        <a:chOff x="7935987" y="2733762"/>
+                        <a:chExt cx="536894" cy="445666"/>
+                      </a:xfrm>
+                    </p:grpSpPr>
+                    <p:sp>
+                      <p:nvSpPr>
+                        <p:cNvPr id="85" name="타원 84">
+                          <a:extLst>
+                            <a:ext uri="{FF2B5EF4-FFF2-40B4-BE49-F238E27FC236}">
+                              <a16:creationId xmlns:a16="http://schemas.microsoft.com/office/drawing/2014/main" id="{05A79280-51D9-4465-AFA7-6D9B069EFD5E}"/>
+                            </a:ext>
+                          </a:extLst>
+                        </p:cNvPr>
+                        <p:cNvSpPr/>
+                        <p:nvPr/>
+                      </p:nvSpPr>
+                      <p:spPr>
+                        <a:xfrm>
+                          <a:off x="7935987" y="2733762"/>
+                          <a:ext cx="473978" cy="445666"/>
+                        </a:xfrm>
+                        <a:prstGeom prst="ellipse">
+                          <a:avLst/>
+                        </a:prstGeom>
+                        <a:solidFill>
+                          <a:schemeClr val="bg1"/>
+                        </a:solidFill>
+                      </p:spPr>
+                      <p:style>
+                        <a:lnRef idx="2">
+                          <a:schemeClr val="accent1">
+                            <a:shade val="50000"/>
+                          </a:schemeClr>
+                        </a:lnRef>
+                        <a:fillRef idx="1">
+                          <a:schemeClr val="accent1"/>
+                        </a:fillRef>
+                        <a:effectRef idx="0">
+                          <a:schemeClr val="accent1"/>
+                        </a:effectRef>
+                        <a:fontRef idx="minor">
+                          <a:schemeClr val="lt1"/>
+                        </a:fontRef>
+                      </p:style>
+                      <p:txBody>
+                        <a:bodyPr rtlCol="0" anchor="ctr"/>
+                        <a:lstStyle/>
+                        <a:p>
+                          <a:pPr algn="ctr"/>
+                          <a:endParaRPr lang="ko-KR" altLang="en-US"/>
+                        </a:p>
+                      </p:txBody>
+                    </p:sp>
+                    <p:sp>
+                      <p:nvSpPr>
+                        <p:cNvPr id="86" name="TextBox 85">
+                          <a:extLst>
+                            <a:ext uri="{FF2B5EF4-FFF2-40B4-BE49-F238E27FC236}">
+                              <a16:creationId xmlns:a16="http://schemas.microsoft.com/office/drawing/2014/main" id="{229882DA-6AEB-4091-8F0F-B73527CB151C}"/>
+                            </a:ext>
+                          </a:extLst>
+                        </p:cNvPr>
+                        <p:cNvSpPr txBox="1"/>
+                        <p:nvPr/>
+                      </p:nvSpPr>
+                      <p:spPr>
+                        <a:xfrm>
+                          <a:off x="7998903" y="2733763"/>
+                          <a:ext cx="473978" cy="389933"/>
+                        </a:xfrm>
+                        <a:prstGeom prst="rect">
+                          <a:avLst/>
+                        </a:prstGeom>
+                        <a:noFill/>
+                      </p:spPr>
+                      <p:txBody>
+                        <a:bodyPr wrap="square" rtlCol="0">
+                          <a:spAutoFit/>
+                        </a:bodyPr>
+                        <a:lstStyle/>
+                        <a:p>
+                          <a:r>
+                            <a:rPr lang="ko-KR" altLang="en-US" sz="1600" dirty="0"/>
+                            <a:t>𝝈</a:t>
+                          </a:r>
+                        </a:p>
+                      </p:txBody>
+                    </p:sp>
+                  </p:grpSp>
+                  <p:grpSp>
+                    <p:nvGrpSpPr>
+                      <p:cNvPr id="76" name="그룹 75">
+                        <a:extLst>
+                          <a:ext uri="{FF2B5EF4-FFF2-40B4-BE49-F238E27FC236}">
+                            <a16:creationId xmlns:a16="http://schemas.microsoft.com/office/drawing/2014/main" id="{2FAC03CF-76D6-438D-B19B-F27E880CFBB4}"/>
+                          </a:ext>
+                        </a:extLst>
+                      </p:cNvPr>
+                      <p:cNvGrpSpPr/>
+                      <p:nvPr/>
+                    </p:nvGrpSpPr>
+                    <p:grpSpPr>
+                      <a:xfrm>
+                        <a:off x="3070985" y="2220984"/>
+                        <a:ext cx="436226" cy="386943"/>
+                        <a:chOff x="7935987" y="2733762"/>
+                        <a:chExt cx="536894" cy="445666"/>
+                      </a:xfrm>
+                    </p:grpSpPr>
+                    <p:sp>
+                      <p:nvSpPr>
+                        <p:cNvPr id="83" name="타원 82">
+                          <a:extLst>
+                            <a:ext uri="{FF2B5EF4-FFF2-40B4-BE49-F238E27FC236}">
+                              <a16:creationId xmlns:a16="http://schemas.microsoft.com/office/drawing/2014/main" id="{21F6B954-E744-49D8-85B7-223C5A4619CC}"/>
+                            </a:ext>
+                          </a:extLst>
+                        </p:cNvPr>
+                        <p:cNvSpPr/>
+                        <p:nvPr/>
+                      </p:nvSpPr>
+                      <p:spPr>
+                        <a:xfrm>
+                          <a:off x="7935987" y="2733762"/>
+                          <a:ext cx="473978" cy="445666"/>
+                        </a:xfrm>
+                        <a:prstGeom prst="ellipse">
+                          <a:avLst/>
+                        </a:prstGeom>
+                        <a:solidFill>
+                          <a:schemeClr val="bg1"/>
+                        </a:solidFill>
+                      </p:spPr>
+                      <p:style>
+                        <a:lnRef idx="2">
+                          <a:schemeClr val="accent1">
+                            <a:shade val="50000"/>
+                          </a:schemeClr>
+                        </a:lnRef>
+                        <a:fillRef idx="1">
+                          <a:schemeClr val="accent1"/>
+                        </a:fillRef>
+                        <a:effectRef idx="0">
+                          <a:schemeClr val="accent1"/>
+                        </a:effectRef>
+                        <a:fontRef idx="minor">
+                          <a:schemeClr val="lt1"/>
+                        </a:fontRef>
+                      </p:style>
+                      <p:txBody>
+                        <a:bodyPr rtlCol="0" anchor="ctr"/>
+                        <a:lstStyle/>
+                        <a:p>
+                          <a:pPr algn="ctr"/>
+                          <a:endParaRPr lang="ko-KR" altLang="en-US"/>
+                        </a:p>
+                      </p:txBody>
+                    </p:sp>
+                    <p:sp>
+                      <p:nvSpPr>
+                        <p:cNvPr id="84" name="TextBox 83">
+                          <a:extLst>
+                            <a:ext uri="{FF2B5EF4-FFF2-40B4-BE49-F238E27FC236}">
+                              <a16:creationId xmlns:a16="http://schemas.microsoft.com/office/drawing/2014/main" id="{04F96EE4-F034-4D56-99FA-848F33E06EA2}"/>
+                            </a:ext>
+                          </a:extLst>
+                        </p:cNvPr>
+                        <p:cNvSpPr txBox="1"/>
+                        <p:nvPr/>
+                      </p:nvSpPr>
+                      <p:spPr>
+                        <a:xfrm>
+                          <a:off x="7998903" y="2733763"/>
+                          <a:ext cx="473978" cy="389933"/>
+                        </a:xfrm>
+                        <a:prstGeom prst="rect">
+                          <a:avLst/>
+                        </a:prstGeom>
+                        <a:noFill/>
+                      </p:spPr>
+                      <p:txBody>
+                        <a:bodyPr wrap="square" rtlCol="0">
+                          <a:spAutoFit/>
+                        </a:bodyPr>
+                        <a:lstStyle/>
+                        <a:p>
+                          <a:r>
+                            <a:rPr lang="ko-KR" altLang="en-US" sz="1600" dirty="0"/>
+                            <a:t>𝝈</a:t>
+                          </a:r>
+                        </a:p>
+                      </p:txBody>
+                    </p:sp>
+                  </p:grpSp>
+                  <p:grpSp>
+                    <p:nvGrpSpPr>
+                      <p:cNvPr id="77" name="그룹 76">
+                        <a:extLst>
+                          <a:ext uri="{FF2B5EF4-FFF2-40B4-BE49-F238E27FC236}">
+                            <a16:creationId xmlns:a16="http://schemas.microsoft.com/office/drawing/2014/main" id="{C4EABF8A-7CA0-48E2-8106-1E9A9D1559E4}"/>
+                          </a:ext>
+                        </a:extLst>
+                      </p:cNvPr>
+                      <p:cNvGrpSpPr/>
+                      <p:nvPr/>
+                    </p:nvGrpSpPr>
+                    <p:grpSpPr>
+                      <a:xfrm>
+                        <a:off x="3062767" y="2716832"/>
+                        <a:ext cx="502553" cy="386943"/>
+                        <a:chOff x="7926623" y="2733762"/>
+                        <a:chExt cx="618527" cy="445666"/>
+                      </a:xfrm>
+                    </p:grpSpPr>
+                    <p:sp>
+                      <p:nvSpPr>
+                        <p:cNvPr id="81" name="타원 80">
+                          <a:extLst>
+                            <a:ext uri="{FF2B5EF4-FFF2-40B4-BE49-F238E27FC236}">
+                              <a16:creationId xmlns:a16="http://schemas.microsoft.com/office/drawing/2014/main" id="{C839CDEE-76B6-4DB9-8546-4855A5658C1F}"/>
+                            </a:ext>
+                          </a:extLst>
+                        </p:cNvPr>
+                        <p:cNvSpPr/>
+                        <p:nvPr/>
+                      </p:nvSpPr>
+                      <p:spPr>
+                        <a:xfrm>
+                          <a:off x="7935987" y="2733762"/>
+                          <a:ext cx="473978" cy="445666"/>
+                        </a:xfrm>
+                        <a:prstGeom prst="ellipse">
+                          <a:avLst/>
+                        </a:prstGeom>
+                        <a:solidFill>
+                          <a:schemeClr val="bg1"/>
+                        </a:solidFill>
+                      </p:spPr>
+                      <p:style>
+                        <a:lnRef idx="2">
+                          <a:schemeClr val="accent1">
+                            <a:shade val="50000"/>
+                          </a:schemeClr>
+                        </a:lnRef>
+                        <a:fillRef idx="1">
+                          <a:schemeClr val="accent1"/>
+                        </a:fillRef>
+                        <a:effectRef idx="0">
+                          <a:schemeClr val="accent1"/>
+                        </a:effectRef>
+                        <a:fontRef idx="minor">
+                          <a:schemeClr val="lt1"/>
+                        </a:fontRef>
+                      </p:style>
+                      <p:txBody>
+                        <a:bodyPr rtlCol="0" anchor="ctr"/>
+                        <a:lstStyle/>
+                        <a:p>
+                          <a:pPr algn="ctr"/>
+                          <a:endParaRPr lang="ko-KR" altLang="en-US"/>
+                        </a:p>
+                      </p:txBody>
+                    </p:sp>
+                    <p:sp>
+                      <p:nvSpPr>
+                        <p:cNvPr id="82" name="TextBox 81">
+                          <a:extLst>
+                            <a:ext uri="{FF2B5EF4-FFF2-40B4-BE49-F238E27FC236}">
+                              <a16:creationId xmlns:a16="http://schemas.microsoft.com/office/drawing/2014/main" id="{4BD50222-5F76-4632-BE26-0257F5D85AAF}"/>
+                            </a:ext>
+                          </a:extLst>
+                        </p:cNvPr>
+                        <p:cNvSpPr txBox="1"/>
+                        <p:nvPr/>
+                      </p:nvSpPr>
+                      <p:spPr>
+                        <a:xfrm>
+                          <a:off x="7926623" y="2827885"/>
+                          <a:ext cx="618527" cy="265863"/>
+                        </a:xfrm>
+                        <a:prstGeom prst="rect">
+                          <a:avLst/>
+                        </a:prstGeom>
+                        <a:noFill/>
+                      </p:spPr>
+                      <p:txBody>
+                        <a:bodyPr wrap="square" rtlCol="0">
+                          <a:spAutoFit/>
+                        </a:bodyPr>
+                        <a:lstStyle/>
+                        <a:p>
+                          <a:r>
+                            <a:rPr lang="en-US" altLang="ko-KR" sz="900" b="1" dirty="0"/>
+                            <a:t>tanh</a:t>
+                          </a:r>
+                          <a:endParaRPr lang="ko-KR" altLang="en-US" sz="900" b="1" dirty="0"/>
+                        </a:p>
+                      </p:txBody>
+                    </p:sp>
+                  </p:grpSp>
+                  <p:grpSp>
+                    <p:nvGrpSpPr>
+                      <p:cNvPr id="78" name="그룹 77">
+                        <a:extLst>
+                          <a:ext uri="{FF2B5EF4-FFF2-40B4-BE49-F238E27FC236}">
+                            <a16:creationId xmlns:a16="http://schemas.microsoft.com/office/drawing/2014/main" id="{4FE4E10D-61D3-4AD6-8527-BD6458546638}"/>
+                          </a:ext>
+                        </a:extLst>
+                      </p:cNvPr>
+                      <p:cNvGrpSpPr/>
+                      <p:nvPr/>
+                    </p:nvGrpSpPr>
+                    <p:grpSpPr>
+                      <a:xfrm>
+                        <a:off x="3070372" y="3196927"/>
+                        <a:ext cx="436226" cy="386943"/>
+                        <a:chOff x="7935987" y="2733762"/>
+                        <a:chExt cx="536894" cy="445666"/>
+                      </a:xfrm>
+                    </p:grpSpPr>
+                    <p:sp>
+                      <p:nvSpPr>
+                        <p:cNvPr id="79" name="타원 78">
+                          <a:extLst>
+                            <a:ext uri="{FF2B5EF4-FFF2-40B4-BE49-F238E27FC236}">
+                              <a16:creationId xmlns:a16="http://schemas.microsoft.com/office/drawing/2014/main" id="{208C0AE6-C108-43FD-A3F9-92C20B3907B6}"/>
+                            </a:ext>
+                          </a:extLst>
+                        </p:cNvPr>
+                        <p:cNvSpPr/>
+                        <p:nvPr/>
+                      </p:nvSpPr>
+                      <p:spPr>
+                        <a:xfrm>
+                          <a:off x="7935987" y="2733762"/>
+                          <a:ext cx="473978" cy="445666"/>
+                        </a:xfrm>
+                        <a:prstGeom prst="ellipse">
+                          <a:avLst/>
+                        </a:prstGeom>
+                        <a:solidFill>
+                          <a:schemeClr val="bg1"/>
+                        </a:solidFill>
+                      </p:spPr>
+                      <p:style>
+                        <a:lnRef idx="2">
+                          <a:schemeClr val="accent1">
+                            <a:shade val="50000"/>
+                          </a:schemeClr>
+                        </a:lnRef>
+                        <a:fillRef idx="1">
+                          <a:schemeClr val="accent1"/>
+                        </a:fillRef>
+                        <a:effectRef idx="0">
+                          <a:schemeClr val="accent1"/>
+                        </a:effectRef>
+                        <a:fontRef idx="minor">
+                          <a:schemeClr val="lt1"/>
+                        </a:fontRef>
+                      </p:style>
+                      <p:txBody>
+                        <a:bodyPr rtlCol="0" anchor="ctr"/>
+                        <a:lstStyle/>
+                        <a:p>
+                          <a:pPr algn="ctr"/>
+                          <a:endParaRPr lang="ko-KR" altLang="en-US"/>
+                        </a:p>
+                      </p:txBody>
+                    </p:sp>
+                    <p:sp>
+                      <p:nvSpPr>
+                        <p:cNvPr id="80" name="TextBox 79">
+                          <a:extLst>
+                            <a:ext uri="{FF2B5EF4-FFF2-40B4-BE49-F238E27FC236}">
+                              <a16:creationId xmlns:a16="http://schemas.microsoft.com/office/drawing/2014/main" id="{3767DD92-0606-4772-81BE-5CB5EDBA5526}"/>
+                            </a:ext>
+                          </a:extLst>
+                        </p:cNvPr>
+                        <p:cNvSpPr txBox="1"/>
+                        <p:nvPr/>
+                      </p:nvSpPr>
+                      <p:spPr>
+                        <a:xfrm>
+                          <a:off x="7998903" y="2733763"/>
+                          <a:ext cx="473978" cy="389933"/>
+                        </a:xfrm>
+                        <a:prstGeom prst="rect">
+                          <a:avLst/>
+                        </a:prstGeom>
+                        <a:noFill/>
+                      </p:spPr>
+                      <p:txBody>
+                        <a:bodyPr wrap="square" rtlCol="0">
+                          <a:spAutoFit/>
+                        </a:bodyPr>
+                        <a:lstStyle/>
+                        <a:p>
+                          <a:r>
+                            <a:rPr lang="ko-KR" altLang="en-US" sz="1600" dirty="0"/>
+                            <a:t>𝝈</a:t>
+                          </a:r>
+                        </a:p>
+                      </p:txBody>
+                    </p:sp>
+                  </p:grpSp>
+                </p:grpSp>
+                <p:grpSp>
+                  <p:nvGrpSpPr>
+                    <p:cNvPr id="60" name="그룹 59">
+                      <a:extLst>
+                        <a:ext uri="{FF2B5EF4-FFF2-40B4-BE49-F238E27FC236}">
+                          <a16:creationId xmlns:a16="http://schemas.microsoft.com/office/drawing/2014/main" id="{FC74D6AB-1914-4B06-9AA1-0CD5C991C027}"/>
+                        </a:ext>
+                      </a:extLst>
+                    </p:cNvPr>
+                    <p:cNvGrpSpPr/>
+                    <p:nvPr/>
+                  </p:nvGrpSpPr>
+                  <p:grpSpPr>
+                    <a:xfrm>
+                      <a:off x="5299446" y="1714423"/>
+                      <a:ext cx="289171" cy="284098"/>
+                      <a:chOff x="8897005" y="2198561"/>
+                      <a:chExt cx="385107" cy="392587"/>
+                    </a:xfrm>
+                  </p:grpSpPr>
+                  <p:sp>
+                    <p:nvSpPr>
+                      <p:cNvPr id="73" name="타원 72">
+                        <a:extLst>
+                          <a:ext uri="{FF2B5EF4-FFF2-40B4-BE49-F238E27FC236}">
+                            <a16:creationId xmlns:a16="http://schemas.microsoft.com/office/drawing/2014/main" id="{56660010-2CA9-4A4C-85F9-F844DFDBB206}"/>
+                          </a:ext>
+                        </a:extLst>
+                      </p:cNvPr>
+                      <p:cNvSpPr/>
+                      <p:nvPr/>
+                    </p:nvSpPr>
+                    <p:spPr>
+                      <a:xfrm>
+                        <a:off x="8897005" y="2204205"/>
+                        <a:ext cx="385107" cy="386943"/>
+                      </a:xfrm>
+                      <a:prstGeom prst="ellipse">
+                        <a:avLst/>
+                      </a:prstGeom>
+                      <a:solidFill>
+                        <a:schemeClr val="accent4"/>
+                      </a:solidFill>
+                      <a:ln>
+                        <a:solidFill>
+                          <a:schemeClr val="tx1"/>
+                        </a:solidFill>
+                      </a:ln>
+                    </p:spPr>
+                    <p:style>
+                      <a:lnRef idx="2">
+                        <a:schemeClr val="accent1">
+                          <a:shade val="50000"/>
+                        </a:schemeClr>
+                      </a:lnRef>
+                      <a:fillRef idx="1">
+                        <a:schemeClr val="accent1"/>
+                      </a:fillRef>
+                      <a:effectRef idx="0">
+                        <a:schemeClr val="accent1"/>
+                      </a:effectRef>
+                      <a:fontRef idx="minor">
+                        <a:schemeClr val="lt1"/>
+                      </a:fontRef>
+                    </p:style>
+                    <p:txBody>
+                      <a:bodyPr rtlCol="0" anchor="ctr"/>
+                      <a:lstStyle/>
+                      <a:p>
+                        <a:pPr algn="ctr"/>
+                        <a:endParaRPr lang="ko-KR" altLang="en-US" dirty="0"/>
+                      </a:p>
+                    </p:txBody>
+                  </p:sp>
+                  <p:sp>
+                    <p:nvSpPr>
+                      <p:cNvPr id="74" name="TextBox 73">
+                        <a:extLst>
+                          <a:ext uri="{FF2B5EF4-FFF2-40B4-BE49-F238E27FC236}">
+                            <a16:creationId xmlns:a16="http://schemas.microsoft.com/office/drawing/2014/main" id="{3B6470F4-92FA-441A-BBF2-EDBF66CD1B89}"/>
+                          </a:ext>
+                        </a:extLst>
+                      </p:cNvPr>
+                      <p:cNvSpPr txBox="1"/>
+                      <p:nvPr/>
+                    </p:nvSpPr>
+                    <p:spPr>
+                      <a:xfrm>
+                        <a:off x="8905071" y="2198561"/>
+                        <a:ext cx="325784" cy="382774"/>
+                      </a:xfrm>
+                      <a:prstGeom prst="rect">
+                        <a:avLst/>
+                      </a:prstGeom>
+                      <a:noFill/>
+                    </p:spPr>
+                    <p:txBody>
+                      <a:bodyPr wrap="square" rtlCol="0">
+                        <a:spAutoFit/>
+                      </a:bodyPr>
+                      <a:lstStyle/>
+                      <a:p>
+                        <a:r>
+                          <a:rPr lang="en-US" altLang="ko-KR" sz="1200" dirty="0"/>
+                          <a:t>X</a:t>
+                        </a:r>
+                        <a:endParaRPr lang="ko-KR" altLang="en-US" sz="1200" dirty="0"/>
+                      </a:p>
+                    </p:txBody>
+                  </p:sp>
+                </p:grpSp>
+                <p:grpSp>
+                  <p:nvGrpSpPr>
+                    <p:cNvPr id="61" name="그룹 60">
+                      <a:extLst>
+                        <a:ext uri="{FF2B5EF4-FFF2-40B4-BE49-F238E27FC236}">
+                          <a16:creationId xmlns:a16="http://schemas.microsoft.com/office/drawing/2014/main" id="{0BFFB70E-172E-430C-B2EF-CC1A9F67CC91}"/>
+                        </a:ext>
+                      </a:extLst>
+                    </p:cNvPr>
+                    <p:cNvGrpSpPr/>
+                    <p:nvPr/>
+                  </p:nvGrpSpPr>
+                  <p:grpSpPr>
+                    <a:xfrm>
+                      <a:off x="4786918" y="2451141"/>
+                      <a:ext cx="289170" cy="280015"/>
+                      <a:chOff x="8897005" y="2204204"/>
+                      <a:chExt cx="385107" cy="386944"/>
+                    </a:xfrm>
+                  </p:grpSpPr>
+                  <p:sp>
+                    <p:nvSpPr>
+                      <p:cNvPr id="71" name="타원 70">
+                        <a:extLst>
+                          <a:ext uri="{FF2B5EF4-FFF2-40B4-BE49-F238E27FC236}">
+                            <a16:creationId xmlns:a16="http://schemas.microsoft.com/office/drawing/2014/main" id="{962E9849-EAF6-4DB6-AA87-C5DE48F344F4}"/>
+                          </a:ext>
+                        </a:extLst>
+                      </p:cNvPr>
+                      <p:cNvSpPr/>
+                      <p:nvPr/>
+                    </p:nvSpPr>
+                    <p:spPr>
+                      <a:xfrm>
+                        <a:off x="8897005" y="2204205"/>
+                        <a:ext cx="385107" cy="386943"/>
+                      </a:xfrm>
+                      <a:prstGeom prst="ellipse">
+                        <a:avLst/>
+                      </a:prstGeom>
+                      <a:solidFill>
+                        <a:schemeClr val="accent4"/>
+                      </a:solidFill>
+                      <a:ln>
+                        <a:solidFill>
+                          <a:schemeClr val="tx1"/>
+                        </a:solidFill>
+                      </a:ln>
+                    </p:spPr>
+                    <p:style>
+                      <a:lnRef idx="2">
+                        <a:schemeClr val="accent1">
+                          <a:shade val="50000"/>
+                        </a:schemeClr>
+                      </a:lnRef>
+                      <a:fillRef idx="1">
+                        <a:schemeClr val="accent1"/>
+                      </a:fillRef>
+                      <a:effectRef idx="0">
+                        <a:schemeClr val="accent1"/>
+                      </a:effectRef>
+                      <a:fontRef idx="minor">
+                        <a:schemeClr val="lt1"/>
+                      </a:fontRef>
+                    </p:style>
+                    <p:txBody>
+                      <a:bodyPr rtlCol="0" anchor="ctr"/>
+                      <a:lstStyle/>
+                      <a:p>
+                        <a:pPr algn="ctr"/>
+                        <a:endParaRPr lang="ko-KR" altLang="en-US" dirty="0"/>
+                      </a:p>
+                    </p:txBody>
+                  </p:sp>
+                  <p:sp>
+                    <p:nvSpPr>
+                      <p:cNvPr id="72" name="TextBox 71">
+                        <a:extLst>
+                          <a:ext uri="{FF2B5EF4-FFF2-40B4-BE49-F238E27FC236}">
+                            <a16:creationId xmlns:a16="http://schemas.microsoft.com/office/drawing/2014/main" id="{604B043F-2D00-40D5-BA8D-850DD6F64EFB}"/>
+                          </a:ext>
+                        </a:extLst>
+                      </p:cNvPr>
+                      <p:cNvSpPr txBox="1"/>
+                      <p:nvPr/>
+                    </p:nvSpPr>
+                    <p:spPr>
+                      <a:xfrm>
+                        <a:off x="8897005" y="2204204"/>
+                        <a:ext cx="385107" cy="382776"/>
+                      </a:xfrm>
+                      <a:prstGeom prst="rect">
+                        <a:avLst/>
+                      </a:prstGeom>
+                      <a:noFill/>
+                    </p:spPr>
+                    <p:txBody>
+                      <a:bodyPr wrap="square" rtlCol="0">
+                        <a:spAutoFit/>
+                      </a:bodyPr>
+                      <a:lstStyle/>
+                      <a:p>
+                        <a:r>
+                          <a:rPr lang="en-US" altLang="ko-KR" sz="1200" dirty="0"/>
+                          <a:t>X</a:t>
+                        </a:r>
+                        <a:endParaRPr lang="ko-KR" altLang="en-US" sz="1200" dirty="0"/>
+                      </a:p>
+                    </p:txBody>
+                  </p:sp>
+                </p:grpSp>
+                <p:grpSp>
+                  <p:nvGrpSpPr>
+                    <p:cNvPr id="62" name="그룹 61">
+                      <a:extLst>
+                        <a:ext uri="{FF2B5EF4-FFF2-40B4-BE49-F238E27FC236}">
+                          <a16:creationId xmlns:a16="http://schemas.microsoft.com/office/drawing/2014/main" id="{0929FD4E-CC86-4873-9F3A-8CCEA646AA72}"/>
+                        </a:ext>
+                      </a:extLst>
+                    </p:cNvPr>
+                    <p:cNvGrpSpPr/>
+                    <p:nvPr/>
+                  </p:nvGrpSpPr>
+                  <p:grpSpPr>
+                    <a:xfrm>
+                      <a:off x="6852785" y="3236398"/>
+                      <a:ext cx="289170" cy="281521"/>
+                      <a:chOff x="8807627" y="2200042"/>
+                      <a:chExt cx="385107" cy="389025"/>
+                    </a:xfrm>
+                  </p:grpSpPr>
+                  <p:sp>
+                    <p:nvSpPr>
+                      <p:cNvPr id="69" name="타원 68">
+                        <a:extLst>
+                          <a:ext uri="{FF2B5EF4-FFF2-40B4-BE49-F238E27FC236}">
+                            <a16:creationId xmlns:a16="http://schemas.microsoft.com/office/drawing/2014/main" id="{D6C0EF91-469F-4B1A-A72A-71CB368C859C}"/>
+                          </a:ext>
+                        </a:extLst>
+                      </p:cNvPr>
+                      <p:cNvSpPr/>
+                      <p:nvPr/>
+                    </p:nvSpPr>
+                    <p:spPr>
+                      <a:xfrm>
+                        <a:off x="8807627" y="2202124"/>
+                        <a:ext cx="385107" cy="386943"/>
+                      </a:xfrm>
+                      <a:prstGeom prst="ellipse">
+                        <a:avLst/>
+                      </a:prstGeom>
+                      <a:solidFill>
+                        <a:schemeClr val="accent4"/>
+                      </a:solidFill>
+                      <a:ln>
+                        <a:solidFill>
+                          <a:schemeClr val="tx1"/>
+                        </a:solidFill>
+                      </a:ln>
+                    </p:spPr>
+                    <p:style>
+                      <a:lnRef idx="2">
+                        <a:schemeClr val="accent1">
+                          <a:shade val="50000"/>
+                        </a:schemeClr>
+                      </a:lnRef>
+                      <a:fillRef idx="1">
+                        <a:schemeClr val="accent1"/>
+                      </a:fillRef>
+                      <a:effectRef idx="0">
+                        <a:schemeClr val="accent1"/>
+                      </a:effectRef>
+                      <a:fontRef idx="minor">
+                        <a:schemeClr val="lt1"/>
+                      </a:fontRef>
+                    </p:style>
+                    <p:txBody>
+                      <a:bodyPr rtlCol="0" anchor="ctr"/>
+                      <a:lstStyle/>
+                      <a:p>
+                        <a:pPr algn="ctr"/>
+                        <a:endParaRPr lang="ko-KR" altLang="en-US" dirty="0"/>
+                      </a:p>
+                    </p:txBody>
+                  </p:sp>
+                  <p:sp>
+                    <p:nvSpPr>
+                      <p:cNvPr id="70" name="TextBox 69">
+                        <a:extLst>
+                          <a:ext uri="{FF2B5EF4-FFF2-40B4-BE49-F238E27FC236}">
+                            <a16:creationId xmlns:a16="http://schemas.microsoft.com/office/drawing/2014/main" id="{F1CCB8F8-F0F3-45D3-A745-E184CC0D27D4}"/>
+                          </a:ext>
+                        </a:extLst>
+                      </p:cNvPr>
+                      <p:cNvSpPr txBox="1"/>
+                      <p:nvPr/>
+                    </p:nvSpPr>
+                    <p:spPr>
+                      <a:xfrm>
+                        <a:off x="8828620" y="2200042"/>
+                        <a:ext cx="197055" cy="386942"/>
+                      </a:xfrm>
+                      <a:prstGeom prst="rect">
+                        <a:avLst/>
+                      </a:prstGeom>
+                      <a:noFill/>
+                    </p:spPr>
+                    <p:txBody>
+                      <a:bodyPr wrap="square" rtlCol="0">
+                        <a:spAutoFit/>
+                      </a:bodyPr>
+                      <a:lstStyle/>
+                      <a:p>
+                        <a:r>
+                          <a:rPr lang="en-US" altLang="ko-KR" sz="1200" dirty="0"/>
+                          <a:t>X</a:t>
+                        </a:r>
+                        <a:endParaRPr lang="ko-KR" altLang="en-US" sz="1200" dirty="0"/>
+                      </a:p>
+                    </p:txBody>
+                  </p:sp>
+                </p:grpSp>
+                <p:sp>
+                  <p:nvSpPr>
+                    <p:cNvPr id="63" name="타원 62">
+                      <a:extLst>
+                        <a:ext uri="{FF2B5EF4-FFF2-40B4-BE49-F238E27FC236}">
+                          <a16:creationId xmlns:a16="http://schemas.microsoft.com/office/drawing/2014/main" id="{CF8FFCDD-EF0F-4170-94DC-240FD4806D65}"/>
+                        </a:ext>
+                      </a:extLst>
+                    </p:cNvPr>
+                    <p:cNvSpPr/>
+                    <p:nvPr/>
+                  </p:nvSpPr>
+                  <p:spPr>
+                    <a:xfrm>
+                      <a:off x="6823960" y="2446826"/>
+                      <a:ext cx="385107" cy="386943"/>
+                    </a:xfrm>
+                    <a:prstGeom prst="ellipse">
+                      <a:avLst/>
+                    </a:prstGeom>
+                    <a:solidFill>
+                      <a:schemeClr val="bg1"/>
+                    </a:solidFill>
+                  </p:spPr>
+                  <p:style>
+                    <a:lnRef idx="2">
+                      <a:schemeClr val="accent1">
+                        <a:shade val="50000"/>
+                      </a:schemeClr>
+                    </a:lnRef>
+                    <a:fillRef idx="1">
+                      <a:schemeClr val="accent1"/>
+                    </a:fillRef>
+                    <a:effectRef idx="0">
+                      <a:schemeClr val="accent1"/>
+                    </a:effectRef>
+                    <a:fontRef idx="minor">
+                      <a:schemeClr val="lt1"/>
+                    </a:fontRef>
+                  </p:style>
+                  <p:txBody>
+                    <a:bodyPr rtlCol="0" anchor="ctr"/>
+                    <a:lstStyle/>
+                    <a:p>
+                      <a:pPr algn="ctr"/>
+                      <a:endParaRPr lang="ko-KR" altLang="en-US"/>
+                    </a:p>
+                  </p:txBody>
+                </p:sp>
+                <p:sp>
+                  <p:nvSpPr>
+                    <p:cNvPr id="64" name="TextBox 63">
+                      <a:extLst>
+                        <a:ext uri="{FF2B5EF4-FFF2-40B4-BE49-F238E27FC236}">
+                          <a16:creationId xmlns:a16="http://schemas.microsoft.com/office/drawing/2014/main" id="{5D64F30C-B20C-4723-9E95-1E140FA1C4EA}"/>
+                        </a:ext>
+                      </a:extLst>
+                    </p:cNvPr>
+                    <p:cNvSpPr txBox="1"/>
+                    <p:nvPr/>
+                  </p:nvSpPr>
+                  <p:spPr>
+                    <a:xfrm>
+                      <a:off x="6816352" y="2528547"/>
+                      <a:ext cx="502553" cy="230832"/>
+                    </a:xfrm>
+                    <a:prstGeom prst="rect">
+                      <a:avLst/>
+                    </a:prstGeom>
+                    <a:noFill/>
+                  </p:spPr>
+                  <p:txBody>
+                    <a:bodyPr wrap="square" rtlCol="0">
+                      <a:spAutoFit/>
+                    </a:bodyPr>
+                    <a:lstStyle/>
+                    <a:p>
+                      <a:r>
+                        <a:rPr lang="en-US" altLang="ko-KR" sz="900" b="1" dirty="0"/>
+                        <a:t>tanh</a:t>
+                      </a:r>
+                      <a:endParaRPr lang="ko-KR" altLang="en-US" sz="900" b="1" dirty="0"/>
+                    </a:p>
+                  </p:txBody>
+                </p:sp>
+                <p:sp>
+                  <p:nvSpPr>
+                    <p:cNvPr id="65" name="사각형: 둥근 모서리 64">
+                      <a:extLst>
+                        <a:ext uri="{FF2B5EF4-FFF2-40B4-BE49-F238E27FC236}">
+                          <a16:creationId xmlns:a16="http://schemas.microsoft.com/office/drawing/2014/main" id="{BA0184D2-ED80-4FCA-B19A-99104B873BE6}"/>
+                        </a:ext>
+                      </a:extLst>
+                    </p:cNvPr>
+                    <p:cNvSpPr/>
+                    <p:nvPr/>
+                  </p:nvSpPr>
+                  <p:spPr>
+                    <a:xfrm>
+                      <a:off x="6546729" y="1600622"/>
+                      <a:ext cx="939567" cy="536896"/>
+                    </a:xfrm>
+                    <a:prstGeom prst="roundRect">
+                      <a:avLst/>
+                    </a:prstGeom>
+                    <a:solidFill>
+                      <a:schemeClr val="accent5">
+                        <a:lumMod val="20000"/>
+                        <a:lumOff val="80000"/>
+                      </a:schemeClr>
+                    </a:solidFill>
+                  </p:spPr>
+                  <p:style>
+                    <a:lnRef idx="2">
+                      <a:schemeClr val="accent1">
+                        <a:shade val="50000"/>
+                      </a:schemeClr>
+                    </a:lnRef>
+                    <a:fillRef idx="1">
+                      <a:schemeClr val="accent1"/>
+                    </a:fillRef>
+                    <a:effectRef idx="0">
+                      <a:schemeClr val="accent1"/>
+                    </a:effectRef>
+                    <a:fontRef idx="minor">
+                      <a:schemeClr val="lt1"/>
+                    </a:fontRef>
+                  </p:style>
+                  <p:txBody>
+                    <a:bodyPr rtlCol="0" anchor="ctr"/>
+                    <a:lstStyle/>
+                    <a:p>
+                      <a:pPr algn="ctr"/>
+                      <a:r>
+                        <a:rPr lang="en-US" altLang="ko-KR" sz="1100" dirty="0">
+                          <a:solidFill>
+                            <a:schemeClr val="tx1"/>
+                          </a:solidFill>
+                        </a:rPr>
+                        <a:t>Memory</a:t>
+                      </a:r>
+                    </a:p>
+                    <a:p>
+                      <a:pPr algn="ctr"/>
+                      <a:r>
+                        <a:rPr lang="en-US" altLang="ko-KR" sz="1100" dirty="0">
+                          <a:solidFill>
+                            <a:schemeClr val="tx1"/>
+                          </a:solidFill>
+                        </a:rPr>
+                        <a:t>cell</a:t>
+                      </a:r>
+                    </a:p>
+                  </p:txBody>
+                </p:sp>
+                <p:grpSp>
+                  <p:nvGrpSpPr>
+                    <p:cNvPr id="66" name="그룹 65">
+                      <a:extLst>
+                        <a:ext uri="{FF2B5EF4-FFF2-40B4-BE49-F238E27FC236}">
+                          <a16:creationId xmlns:a16="http://schemas.microsoft.com/office/drawing/2014/main" id="{B217C808-F189-4938-B366-21FFD7F8786D}"/>
+                        </a:ext>
+                      </a:extLst>
+                    </p:cNvPr>
+                    <p:cNvGrpSpPr/>
+                    <p:nvPr/>
+                  </p:nvGrpSpPr>
+                  <p:grpSpPr>
+                    <a:xfrm>
+                      <a:off x="5830905" y="2454294"/>
+                      <a:ext cx="289170" cy="305085"/>
+                      <a:chOff x="9634863" y="2423055"/>
+                      <a:chExt cx="289170" cy="305085"/>
+                    </a:xfrm>
+                  </p:grpSpPr>
+                  <p:sp>
+                    <p:nvSpPr>
+                      <p:cNvPr id="67" name="타원 66">
+                        <a:extLst>
+                          <a:ext uri="{FF2B5EF4-FFF2-40B4-BE49-F238E27FC236}">
+                            <a16:creationId xmlns:a16="http://schemas.microsoft.com/office/drawing/2014/main" id="{A9304C35-35BB-4131-84E9-E10CA465EAA9}"/>
+                          </a:ext>
+                        </a:extLst>
+                      </p:cNvPr>
+                      <p:cNvSpPr/>
+                      <p:nvPr/>
+                    </p:nvSpPr>
+                    <p:spPr>
+                      <a:xfrm>
+                        <a:off x="9634863" y="2448126"/>
+                        <a:ext cx="289170" cy="280014"/>
+                      </a:xfrm>
+                      <a:prstGeom prst="ellipse">
+                        <a:avLst/>
+                      </a:prstGeom>
+                      <a:solidFill>
+                        <a:schemeClr val="accent6">
+                          <a:lumMod val="40000"/>
+                          <a:lumOff val="60000"/>
+                        </a:schemeClr>
+                      </a:solidFill>
+                      <a:ln>
+                        <a:solidFill>
+                          <a:schemeClr val="tx1"/>
+                        </a:solidFill>
+                      </a:ln>
+                    </p:spPr>
+                    <p:style>
+                      <a:lnRef idx="2">
+                        <a:schemeClr val="accent1">
+                          <a:shade val="50000"/>
+                        </a:schemeClr>
+                      </a:lnRef>
+                      <a:fillRef idx="1">
+                        <a:schemeClr val="accent1"/>
+                      </a:fillRef>
+                      <a:effectRef idx="0">
+                        <a:schemeClr val="accent1"/>
+                      </a:effectRef>
+                      <a:fontRef idx="minor">
+                        <a:schemeClr val="lt1"/>
+                      </a:fontRef>
+                    </p:style>
+                    <p:txBody>
+                      <a:bodyPr rtlCol="0" anchor="ctr"/>
+                      <a:lstStyle/>
+                      <a:p>
+                        <a:pPr algn="ctr"/>
+                        <a:endParaRPr lang="ko-KR" altLang="en-US" dirty="0"/>
+                      </a:p>
+                    </p:txBody>
+                  </p:sp>
+                  <p:sp>
+                    <p:nvSpPr>
+                      <p:cNvPr id="68" name="TextBox 67">
+                        <a:extLst>
+                          <a:ext uri="{FF2B5EF4-FFF2-40B4-BE49-F238E27FC236}">
+                            <a16:creationId xmlns:a16="http://schemas.microsoft.com/office/drawing/2014/main" id="{22545D98-5EAF-4D9E-AA88-3B48654C8E5E}"/>
+                          </a:ext>
+                        </a:extLst>
+                      </p:cNvPr>
+                      <p:cNvSpPr txBox="1"/>
+                      <p:nvPr/>
+                    </p:nvSpPr>
+                    <p:spPr>
+                      <a:xfrm>
+                        <a:off x="9634863" y="2423055"/>
+                        <a:ext cx="289170" cy="276999"/>
+                      </a:xfrm>
+                      <a:prstGeom prst="rect">
+                        <a:avLst/>
+                      </a:prstGeom>
+                      <a:noFill/>
+                    </p:spPr>
+                    <p:txBody>
+                      <a:bodyPr wrap="square" rtlCol="0">
+                        <a:spAutoFit/>
+                      </a:bodyPr>
+                      <a:lstStyle/>
+                      <a:p>
+                        <a:r>
+                          <a:rPr lang="en-US" altLang="ko-KR" sz="1200" b="1" dirty="0"/>
+                          <a:t>+</a:t>
+                        </a:r>
+                        <a:endParaRPr lang="ko-KR" altLang="en-US" sz="1200" b="1" dirty="0"/>
+                      </a:p>
+                    </p:txBody>
+                  </p:sp>
+                </p:grpSp>
+              </p:grpSp>
+              <p:cxnSp>
+                <p:nvCxnSpPr>
+                  <p:cNvPr id="49" name="직선 화살표 연결선 48">
+                    <a:extLst>
+                      <a:ext uri="{FF2B5EF4-FFF2-40B4-BE49-F238E27FC236}">
+                        <a16:creationId xmlns:a16="http://schemas.microsoft.com/office/drawing/2014/main" id="{F46B954D-CF71-48A9-B9AF-C538A1000CA1}"/>
+                      </a:ext>
+                    </a:extLst>
+                  </p:cNvPr>
+                  <p:cNvCxnSpPr>
+                    <a:cxnSpLocks/>
+                    <a:endCxn id="74" idx="1"/>
+                  </p:cNvCxnSpPr>
+                  <p:nvPr/>
+                </p:nvCxnSpPr>
+                <p:spPr>
+                  <a:xfrm>
+                    <a:off x="4342812" y="2595246"/>
+                    <a:ext cx="820078" cy="29462"/>
+                  </a:xfrm>
+                  <a:prstGeom prst="straightConnector1">
+                    <a:avLst/>
+                  </a:prstGeom>
+                  <a:ln>
+                    <a:solidFill>
+                      <a:schemeClr val="tx1"/>
+                    </a:solidFill>
+                    <a:tailEnd type="triangle"/>
+                  </a:ln>
+                </p:spPr>
+                <p:style>
+                  <a:lnRef idx="1">
+                    <a:schemeClr val="accent1"/>
+                  </a:lnRef>
+                  <a:fillRef idx="0">
+                    <a:schemeClr val="accent1"/>
+                  </a:fillRef>
+                  <a:effectRef idx="0">
+                    <a:schemeClr val="accent1"/>
+                  </a:effectRef>
+                  <a:fontRef idx="minor">
+                    <a:schemeClr val="tx1"/>
+                  </a:fontRef>
+                </p:style>
+              </p:cxnSp>
+              <p:cxnSp>
+                <p:nvCxnSpPr>
+                  <p:cNvPr id="50" name="직선 화살표 연결선 49">
+                    <a:extLst>
+                      <a:ext uri="{FF2B5EF4-FFF2-40B4-BE49-F238E27FC236}">
+                        <a16:creationId xmlns:a16="http://schemas.microsoft.com/office/drawing/2014/main" id="{F946E6E6-05E2-409F-99CD-6554C95B5F8A}"/>
+                      </a:ext>
+                    </a:extLst>
+                  </p:cNvPr>
+                  <p:cNvCxnSpPr>
+                    <a:cxnSpLocks/>
+                    <a:endCxn id="72" idx="1"/>
+                  </p:cNvCxnSpPr>
+                  <p:nvPr/>
+                </p:nvCxnSpPr>
+                <p:spPr>
+                  <a:xfrm>
+                    <a:off x="4336871" y="3127974"/>
+                    <a:ext cx="307434" cy="233453"/>
+                  </a:xfrm>
+                  <a:prstGeom prst="straightConnector1">
+                    <a:avLst/>
+                  </a:prstGeom>
+                  <a:ln>
+                    <a:solidFill>
+                      <a:schemeClr val="tx1"/>
+                    </a:solidFill>
+                    <a:tailEnd type="triangle"/>
+                  </a:ln>
+                </p:spPr>
+                <p:style>
+                  <a:lnRef idx="1">
+                    <a:schemeClr val="accent1"/>
+                  </a:lnRef>
+                  <a:fillRef idx="0">
+                    <a:schemeClr val="accent1"/>
+                  </a:fillRef>
+                  <a:effectRef idx="0">
+                    <a:schemeClr val="accent1"/>
+                  </a:effectRef>
+                  <a:fontRef idx="minor">
+                    <a:schemeClr val="tx1"/>
+                  </a:fontRef>
+                </p:style>
+              </p:cxnSp>
+              <p:cxnSp>
+                <p:nvCxnSpPr>
+                  <p:cNvPr id="51" name="직선 화살표 연결선 50">
+                    <a:extLst>
+                      <a:ext uri="{FF2B5EF4-FFF2-40B4-BE49-F238E27FC236}">
+                        <a16:creationId xmlns:a16="http://schemas.microsoft.com/office/drawing/2014/main" id="{51D1371F-74BB-476B-93C6-9B83831CEDB0}"/>
+                      </a:ext>
+                    </a:extLst>
+                  </p:cNvPr>
+                  <p:cNvCxnSpPr>
+                    <a:cxnSpLocks/>
+                    <a:endCxn id="72" idx="1"/>
+                  </p:cNvCxnSpPr>
+                  <p:nvPr/>
+                </p:nvCxnSpPr>
+                <p:spPr>
+                  <a:xfrm flipV="1">
+                    <a:off x="4344712" y="3361427"/>
+                    <a:ext cx="299593" cy="310782"/>
+                  </a:xfrm>
+                  <a:prstGeom prst="straightConnector1">
+                    <a:avLst/>
+                  </a:prstGeom>
+                  <a:ln>
+                    <a:solidFill>
+                      <a:schemeClr val="tx1"/>
+                    </a:solidFill>
+                    <a:tailEnd type="triangle"/>
+                  </a:ln>
+                </p:spPr>
+                <p:style>
+                  <a:lnRef idx="1">
+                    <a:schemeClr val="accent1"/>
+                  </a:lnRef>
+                  <a:fillRef idx="0">
+                    <a:schemeClr val="accent1"/>
+                  </a:fillRef>
+                  <a:effectRef idx="0">
+                    <a:schemeClr val="accent1"/>
+                  </a:effectRef>
+                  <a:fontRef idx="minor">
+                    <a:schemeClr val="tx1"/>
+                  </a:fontRef>
+                </p:style>
+              </p:cxnSp>
+              <p:cxnSp>
+                <p:nvCxnSpPr>
+                  <p:cNvPr id="52" name="직선 화살표 연결선 51">
+                    <a:extLst>
+                      <a:ext uri="{FF2B5EF4-FFF2-40B4-BE49-F238E27FC236}">
+                        <a16:creationId xmlns:a16="http://schemas.microsoft.com/office/drawing/2014/main" id="{4A5ED436-A2C5-40C2-BE91-6BA67A3F4D0D}"/>
+                      </a:ext>
+                    </a:extLst>
+                  </p:cNvPr>
+                  <p:cNvCxnSpPr>
+                    <a:cxnSpLocks/>
+                  </p:cNvCxnSpPr>
+                  <p:nvPr/>
+                </p:nvCxnSpPr>
+                <p:spPr>
+                  <a:xfrm>
+                    <a:off x="4350769" y="4139531"/>
+                    <a:ext cx="2330578" cy="0"/>
+                  </a:xfrm>
+                  <a:prstGeom prst="straightConnector1">
+                    <a:avLst/>
+                  </a:prstGeom>
+                  <a:ln>
+                    <a:solidFill>
+                      <a:schemeClr val="tx1"/>
+                    </a:solidFill>
+                    <a:tailEnd type="triangle"/>
+                  </a:ln>
+                </p:spPr>
+                <p:style>
+                  <a:lnRef idx="1">
+                    <a:schemeClr val="accent1"/>
+                  </a:lnRef>
+                  <a:fillRef idx="0">
+                    <a:schemeClr val="accent1"/>
+                  </a:fillRef>
+                  <a:effectRef idx="0">
+                    <a:schemeClr val="accent1"/>
+                  </a:effectRef>
+                  <a:fontRef idx="minor">
+                    <a:schemeClr val="tx1"/>
+                  </a:fontRef>
+                </p:style>
+              </p:cxnSp>
+              <p:cxnSp>
+                <p:nvCxnSpPr>
+                  <p:cNvPr id="53" name="직선 화살표 연결선 52">
+                    <a:extLst>
+                      <a:ext uri="{FF2B5EF4-FFF2-40B4-BE49-F238E27FC236}">
+                        <a16:creationId xmlns:a16="http://schemas.microsoft.com/office/drawing/2014/main" id="{17F7E504-8B01-42A9-AB44-5ECE3E7DC63C}"/>
+                      </a:ext>
+                    </a:extLst>
+                  </p:cNvPr>
+                  <p:cNvCxnSpPr>
+                    <a:cxnSpLocks/>
+                    <a:stCxn id="71" idx="6"/>
+                    <a:endCxn id="68" idx="1"/>
+                  </p:cNvCxnSpPr>
+                  <p:nvPr/>
+                </p:nvCxnSpPr>
+                <p:spPr>
+                  <a:xfrm>
+                    <a:off x="4933475" y="3362935"/>
+                    <a:ext cx="754817" cy="1645"/>
+                  </a:xfrm>
+                  <a:prstGeom prst="straightConnector1">
+                    <a:avLst/>
+                  </a:prstGeom>
+                  <a:ln>
+                    <a:solidFill>
+                      <a:schemeClr val="tx1"/>
+                    </a:solidFill>
+                    <a:tailEnd type="triangle"/>
+                  </a:ln>
+                </p:spPr>
+                <p:style>
+                  <a:lnRef idx="1">
+                    <a:schemeClr val="accent1"/>
+                  </a:lnRef>
+                  <a:fillRef idx="0">
+                    <a:schemeClr val="accent1"/>
+                  </a:fillRef>
+                  <a:effectRef idx="0">
+                    <a:schemeClr val="accent1"/>
+                  </a:effectRef>
+                  <a:fontRef idx="minor">
+                    <a:schemeClr val="tx1"/>
+                  </a:fontRef>
+                </p:style>
+              </p:cxnSp>
+              <p:cxnSp>
+                <p:nvCxnSpPr>
+                  <p:cNvPr id="54" name="직선 화살표 연결선 53">
+                    <a:extLst>
+                      <a:ext uri="{FF2B5EF4-FFF2-40B4-BE49-F238E27FC236}">
+                        <a16:creationId xmlns:a16="http://schemas.microsoft.com/office/drawing/2014/main" id="{CBD99234-18E7-43FB-A556-AF0352962B4D}"/>
+                      </a:ext>
+                    </a:extLst>
+                  </p:cNvPr>
+                  <p:cNvCxnSpPr>
+                    <a:cxnSpLocks/>
+                  </p:cNvCxnSpPr>
+                  <p:nvPr/>
+                </p:nvCxnSpPr>
+                <p:spPr>
+                  <a:xfrm>
+                    <a:off x="5394858" y="2755711"/>
+                    <a:ext cx="345487" cy="493627"/>
+                  </a:xfrm>
+                  <a:prstGeom prst="straightConnector1">
+                    <a:avLst/>
+                  </a:prstGeom>
+                  <a:ln>
+                    <a:solidFill>
+                      <a:schemeClr val="tx1"/>
+                    </a:solidFill>
+                    <a:tailEnd type="triangle"/>
+                  </a:ln>
+                </p:spPr>
+                <p:style>
+                  <a:lnRef idx="1">
+                    <a:schemeClr val="accent1"/>
+                  </a:lnRef>
+                  <a:fillRef idx="0">
+                    <a:schemeClr val="accent1"/>
+                  </a:fillRef>
+                  <a:effectRef idx="0">
+                    <a:schemeClr val="accent1"/>
+                  </a:effectRef>
+                  <a:fontRef idx="minor">
+                    <a:schemeClr val="tx1"/>
+                  </a:fontRef>
+                </p:style>
+              </p:cxnSp>
+              <p:cxnSp>
+                <p:nvCxnSpPr>
+                  <p:cNvPr id="55" name="직선 화살표 연결선 54">
+                    <a:extLst>
+                      <a:ext uri="{FF2B5EF4-FFF2-40B4-BE49-F238E27FC236}">
+                        <a16:creationId xmlns:a16="http://schemas.microsoft.com/office/drawing/2014/main" id="{B8E52C0C-642C-4D7D-8AA8-193B4CB3B166}"/>
+                      </a:ext>
+                    </a:extLst>
+                  </p:cNvPr>
+                  <p:cNvCxnSpPr>
+                    <a:cxnSpLocks/>
+                  </p:cNvCxnSpPr>
+                  <p:nvPr/>
+                </p:nvCxnSpPr>
+                <p:spPr>
+                  <a:xfrm flipV="1">
+                    <a:off x="5975054" y="2880690"/>
+                    <a:ext cx="429062" cy="455227"/>
+                  </a:xfrm>
+                  <a:prstGeom prst="straightConnector1">
+                    <a:avLst/>
+                  </a:prstGeom>
+                  <a:ln>
+                    <a:solidFill>
+                      <a:schemeClr val="tx1"/>
+                    </a:solidFill>
+                    <a:tailEnd type="triangle"/>
+                  </a:ln>
+                </p:spPr>
+                <p:style>
+                  <a:lnRef idx="1">
+                    <a:schemeClr val="accent1"/>
+                  </a:lnRef>
+                  <a:fillRef idx="0">
+                    <a:schemeClr val="accent1"/>
+                  </a:fillRef>
+                  <a:effectRef idx="0">
+                    <a:schemeClr val="accent1"/>
+                  </a:effectRef>
+                  <a:fontRef idx="minor">
+                    <a:schemeClr val="tx1"/>
+                  </a:fontRef>
+                </p:style>
+              </p:cxnSp>
+              <p:cxnSp>
+                <p:nvCxnSpPr>
+                  <p:cNvPr id="56" name="직선 화살표 연결선 55">
+                    <a:extLst>
+                      <a:ext uri="{FF2B5EF4-FFF2-40B4-BE49-F238E27FC236}">
+                        <a16:creationId xmlns:a16="http://schemas.microsoft.com/office/drawing/2014/main" id="{444FFF01-2181-4CC8-8018-F6CB4D69FF33}"/>
+                      </a:ext>
+                    </a:extLst>
+                  </p:cNvPr>
+                  <p:cNvCxnSpPr>
+                    <a:cxnSpLocks/>
+                    <a:stCxn id="65" idx="2"/>
+                    <a:endCxn id="63" idx="0"/>
+                  </p:cNvCxnSpPr>
+                  <p:nvPr/>
+                </p:nvCxnSpPr>
+                <p:spPr>
+                  <a:xfrm>
+                    <a:off x="6873900" y="2909304"/>
+                    <a:ext cx="1" cy="309308"/>
+                  </a:xfrm>
+                  <a:prstGeom prst="straightConnector1">
+                    <a:avLst/>
+                  </a:prstGeom>
+                  <a:ln>
+                    <a:solidFill>
+                      <a:schemeClr val="tx1"/>
+                    </a:solidFill>
+                    <a:tailEnd type="triangle"/>
+                  </a:ln>
+                </p:spPr>
+                <p:style>
+                  <a:lnRef idx="1">
+                    <a:schemeClr val="accent1"/>
+                  </a:lnRef>
+                  <a:fillRef idx="0">
+                    <a:schemeClr val="accent1"/>
+                  </a:fillRef>
+                  <a:effectRef idx="0">
+                    <a:schemeClr val="accent1"/>
+                  </a:effectRef>
+                  <a:fontRef idx="minor">
+                    <a:schemeClr val="tx1"/>
+                  </a:fontRef>
+                </p:style>
+              </p:cxnSp>
+              <p:cxnSp>
+                <p:nvCxnSpPr>
+                  <p:cNvPr id="57" name="직선 화살표 연결선 56">
+                    <a:extLst>
+                      <a:ext uri="{FF2B5EF4-FFF2-40B4-BE49-F238E27FC236}">
+                        <a16:creationId xmlns:a16="http://schemas.microsoft.com/office/drawing/2014/main" id="{0392D40E-D088-4BE5-8D59-F710EAD62B73}"/>
+                      </a:ext>
+                    </a:extLst>
+                  </p:cNvPr>
+                  <p:cNvCxnSpPr>
+                    <a:cxnSpLocks/>
+                    <a:endCxn id="69" idx="0"/>
+                  </p:cNvCxnSpPr>
+                  <p:nvPr/>
+                </p:nvCxnSpPr>
+                <p:spPr>
+                  <a:xfrm>
+                    <a:off x="6854757" y="3612886"/>
+                    <a:ext cx="0" cy="396805"/>
+                  </a:xfrm>
+                  <a:prstGeom prst="straightConnector1">
+                    <a:avLst/>
+                  </a:prstGeom>
+                  <a:ln>
+                    <a:solidFill>
+                      <a:schemeClr val="tx1"/>
+                    </a:solidFill>
+                    <a:tailEnd type="triangle"/>
+                  </a:ln>
+                </p:spPr>
+                <p:style>
+                  <a:lnRef idx="1">
+                    <a:schemeClr val="accent1"/>
+                  </a:lnRef>
+                  <a:fillRef idx="0">
+                    <a:schemeClr val="accent1"/>
+                  </a:fillRef>
+                  <a:effectRef idx="0">
+                    <a:schemeClr val="accent1"/>
+                  </a:effectRef>
+                  <a:fontRef idx="minor">
+                    <a:schemeClr val="tx1"/>
+                  </a:fontRef>
+                </p:style>
+              </p:cxnSp>
+            </p:grpSp>
+            <p:cxnSp>
+              <p:nvCxnSpPr>
+                <p:cNvPr id="47" name="직선 화살표 연결선 46">
+                  <a:extLst>
+                    <a:ext uri="{FF2B5EF4-FFF2-40B4-BE49-F238E27FC236}">
+                      <a16:creationId xmlns:a16="http://schemas.microsoft.com/office/drawing/2014/main" id="{BA6D6E5A-0A23-40FC-B254-E88880F3ABF1}"/>
+                    </a:ext>
+                  </a:extLst>
+                </p:cNvPr>
+                <p:cNvCxnSpPr>
+                  <a:cxnSpLocks/>
+                </p:cNvCxnSpPr>
+                <p:nvPr/>
+              </p:nvCxnSpPr>
+              <p:spPr>
+                <a:xfrm>
+                  <a:off x="7022992" y="4139531"/>
+                  <a:ext cx="987205" cy="0"/>
+                </a:xfrm>
+                <a:prstGeom prst="straightConnector1">
+                  <a:avLst/>
+                </a:prstGeom>
+                <a:ln w="38100">
+                  <a:solidFill>
+                    <a:schemeClr val="tx1"/>
+                  </a:solidFill>
+                  <a:tailEnd type="triangle"/>
+                </a:ln>
+              </p:spPr>
+              <p:style>
+                <a:lnRef idx="1">
+                  <a:schemeClr val="accent1"/>
+                </a:lnRef>
+                <a:fillRef idx="0">
+                  <a:schemeClr val="accent1"/>
+                </a:fillRef>
+                <a:effectRef idx="0">
+                  <a:schemeClr val="accent1"/>
+                </a:effectRef>
+                <a:fontRef idx="minor">
+                  <a:schemeClr val="tx1"/>
+                </a:fontRef>
+              </p:style>
+            </p:cxnSp>
+          </p:grpSp>
+          <p:sp>
+            <p:nvSpPr>
+              <p:cNvPr id="45" name="TextBox 44">
+                <a:extLst>
+                  <a:ext uri="{FF2B5EF4-FFF2-40B4-BE49-F238E27FC236}">
+                    <a16:creationId xmlns:a16="http://schemas.microsoft.com/office/drawing/2014/main" id="{02D32308-627A-4614-9617-3F1D08A0B60A}"/>
+                  </a:ext>
+                </a:extLst>
+              </p:cNvPr>
+              <p:cNvSpPr txBox="1"/>
+              <p:nvPr/>
+            </p:nvSpPr>
+            <p:spPr>
+              <a:xfrm>
+                <a:off x="7757291" y="1513326"/>
+                <a:ext cx="1702965" cy="369332"/>
+              </a:xfrm>
+              <a:prstGeom prst="rect">
+                <a:avLst/>
+              </a:prstGeom>
+              <a:noFill/>
+            </p:spPr>
+            <p:txBody>
+              <a:bodyPr wrap="square" rtlCol="0">
+                <a:spAutoFit/>
+              </a:bodyPr>
+              <a:lstStyle/>
+              <a:p>
+                <a:r>
+                  <a:rPr lang="en-US" altLang="ko-KR" i="1" dirty="0">
+                    <a:solidFill>
+                      <a:schemeClr val="accent1">
+                        <a:lumMod val="75000"/>
+                      </a:schemeClr>
+                    </a:solidFill>
+                  </a:rPr>
+                  <a:t>LSTM Layer</a:t>
+                </a:r>
+                <a:endParaRPr lang="ko-KR" altLang="en-US" i="1" dirty="0">
+                  <a:solidFill>
+                    <a:schemeClr val="accent1">
+                      <a:lumMod val="75000"/>
+                    </a:schemeClr>
+                  </a:solidFill>
+                </a:endParaRPr>
+              </a:p>
+            </p:txBody>
+          </p:sp>
+        </p:grpSp>
+        <p:cxnSp>
+          <p:nvCxnSpPr>
+            <p:cNvPr id="43" name="직선 화살표 연결선 42">
+              <a:extLst>
+                <a:ext uri="{FF2B5EF4-FFF2-40B4-BE49-F238E27FC236}">
+                  <a16:creationId xmlns:a16="http://schemas.microsoft.com/office/drawing/2014/main" id="{CF9623CE-1146-4E89-8C3B-C1282C12213A}"/>
+                </a:ext>
+              </a:extLst>
+            </p:cNvPr>
+            <p:cNvCxnSpPr>
+              <a:cxnSpLocks/>
+            </p:cNvCxnSpPr>
+            <p:nvPr/>
+          </p:nvCxnSpPr>
+          <p:spPr>
+            <a:xfrm>
+              <a:off x="4633073" y="2232316"/>
+              <a:ext cx="576490" cy="0"/>
+            </a:xfrm>
+            <a:prstGeom prst="straightConnector1">
+              <a:avLst/>
+            </a:prstGeom>
+            <a:ln w="38100">
+              <a:solidFill>
+                <a:schemeClr val="tx1"/>
+              </a:solidFill>
+              <a:tailEnd type="triangle"/>
+            </a:ln>
+          </p:spPr>
+          <p:style>
+            <a:lnRef idx="1">
+              <a:schemeClr val="accent1"/>
+            </a:lnRef>
+            <a:fillRef idx="0">
+              <a:schemeClr val="accent1"/>
+            </a:fillRef>
+            <a:effectRef idx="0">
+              <a:schemeClr val="accent1"/>
+            </a:effectRef>
+            <a:fontRef idx="minor">
+              <a:schemeClr val="tx1"/>
+            </a:fontRef>
+          </p:style>
+        </p:cxnSp>
+      </p:grpSp>
+      <p:grpSp>
+        <p:nvGrpSpPr>
+          <p:cNvPr id="7" name="그룹 6">
             <a:extLst>
               <a:ext uri="{FF2B5EF4-FFF2-40B4-BE49-F238E27FC236}">
-                <a16:creationId xmlns:a16="http://schemas.microsoft.com/office/drawing/2014/main" id="{6D1FAFE1-D451-4CE3-A110-20EE4706C4D4}"/>
+                <a16:creationId xmlns:a16="http://schemas.microsoft.com/office/drawing/2014/main" id="{D36E48CF-178D-433C-A817-3F2034345F1D}"/>
               </a:ext>
             </a:extLst>
           </p:cNvPr>
-          <p:cNvSpPr>
-            <a:spLocks noGrp="1"/>
-          </p:cNvSpPr>
-          <p:nvPr>
-            <p:ph idx="1"/>
-          </p:nvPr>
-        </p:nvSpPr>
-        <p:spPr/>
-        <p:txBody>
-          <a:bodyPr/>
-          <a:lstStyle/>
-          <a:p>
-            <a:endParaRPr lang="ko-KR" altLang="en-US" dirty="0"/>
-          </a:p>
-        </p:txBody>
-      </p:sp>
+          <p:cNvGrpSpPr/>
+          <p:nvPr/>
+        </p:nvGrpSpPr>
+        <p:grpSpPr>
+          <a:xfrm>
+            <a:off x="1226515" y="516059"/>
+            <a:ext cx="3631360" cy="3873623"/>
+            <a:chOff x="1614498" y="796667"/>
+            <a:chExt cx="3631360" cy="3873623"/>
+          </a:xfrm>
+        </p:grpSpPr>
+        <p:sp>
+          <p:nvSpPr>
+            <p:cNvPr id="22" name="TextBox 21">
+              <a:extLst>
+                <a:ext uri="{FF2B5EF4-FFF2-40B4-BE49-F238E27FC236}">
+                  <a16:creationId xmlns:a16="http://schemas.microsoft.com/office/drawing/2014/main" id="{E5E5063C-A7A3-4882-A58B-449A51AA737B}"/>
+                </a:ext>
+              </a:extLst>
+            </p:cNvPr>
+            <p:cNvSpPr txBox="1"/>
+            <p:nvPr/>
+          </p:nvSpPr>
+          <p:spPr>
+            <a:xfrm>
+              <a:off x="1889790" y="796667"/>
+              <a:ext cx="2413889" cy="707886"/>
+            </a:xfrm>
+            <a:prstGeom prst="rect">
+              <a:avLst/>
+            </a:prstGeom>
+            <a:noFill/>
+          </p:spPr>
+          <p:txBody>
+            <a:bodyPr wrap="square" rtlCol="0">
+              <a:spAutoFit/>
+            </a:bodyPr>
+            <a:lstStyle/>
+            <a:p>
+              <a:pPr>
+                <a:lnSpc>
+                  <a:spcPct val="150000"/>
+                </a:lnSpc>
+              </a:pPr>
+              <a:r>
+                <a:rPr lang="en-US" altLang="ko-KR" sz="2000" dirty="0"/>
+                <a:t>       Input</a:t>
+              </a:r>
+              <a:endParaRPr lang="en-US" altLang="ko-KR" sz="2000" i="1" dirty="0">
+                <a:solidFill>
+                  <a:schemeClr val="accent1">
+                    <a:lumMod val="75000"/>
+                  </a:schemeClr>
+                </a:solidFill>
+              </a:endParaRPr>
+            </a:p>
+            <a:p>
+              <a:r>
+                <a:rPr lang="en-US" altLang="ko-KR" sz="1000" dirty="0"/>
+                <a:t>(batch_size,  </a:t>
+              </a:r>
+              <a:r>
+                <a:rPr lang="en-US" altLang="ko-KR" sz="1000" dirty="0" err="1"/>
+                <a:t>input_dim</a:t>
+              </a:r>
+              <a:r>
+                <a:rPr lang="en-US" altLang="ko-KR" sz="1000" dirty="0"/>
+                <a:t>, timesteps)</a:t>
+              </a:r>
+              <a:endParaRPr lang="ko-KR" altLang="en-US" sz="1000" dirty="0"/>
+            </a:p>
+          </p:txBody>
+        </p:sp>
+        <p:grpSp>
+          <p:nvGrpSpPr>
+            <p:cNvPr id="23" name="그룹 22">
+              <a:extLst>
+                <a:ext uri="{FF2B5EF4-FFF2-40B4-BE49-F238E27FC236}">
+                  <a16:creationId xmlns:a16="http://schemas.microsoft.com/office/drawing/2014/main" id="{E6FCEDCF-2679-41BC-BC6F-1A43A079AE3E}"/>
+                </a:ext>
+              </a:extLst>
+            </p:cNvPr>
+            <p:cNvGrpSpPr/>
+            <p:nvPr/>
+          </p:nvGrpSpPr>
+          <p:grpSpPr>
+            <a:xfrm>
+              <a:off x="1614498" y="1542333"/>
+              <a:ext cx="3631360" cy="3127957"/>
+              <a:chOff x="1823311" y="1631495"/>
+              <a:chExt cx="3631360" cy="3127957"/>
+            </a:xfrm>
+          </p:grpSpPr>
+          <p:grpSp>
+            <p:nvGrpSpPr>
+              <p:cNvPr id="24" name="그룹 23">
+                <a:extLst>
+                  <a:ext uri="{FF2B5EF4-FFF2-40B4-BE49-F238E27FC236}">
+                    <a16:creationId xmlns:a16="http://schemas.microsoft.com/office/drawing/2014/main" id="{9EFBAE83-E9DD-46CE-9DE7-E278BEDD62D7}"/>
+                  </a:ext>
+                </a:extLst>
+              </p:cNvPr>
+              <p:cNvGrpSpPr/>
+              <p:nvPr/>
+            </p:nvGrpSpPr>
+            <p:grpSpPr>
+              <a:xfrm>
+                <a:off x="1823311" y="1631495"/>
+                <a:ext cx="2196926" cy="2598857"/>
+                <a:chOff x="1150443" y="2154698"/>
+                <a:chExt cx="2500099" cy="3305038"/>
+              </a:xfrm>
+            </p:grpSpPr>
+            <p:sp>
+              <p:nvSpPr>
+                <p:cNvPr id="38" name="정육면체 37">
+                  <a:extLst>
+                    <a:ext uri="{FF2B5EF4-FFF2-40B4-BE49-F238E27FC236}">
+                      <a16:creationId xmlns:a16="http://schemas.microsoft.com/office/drawing/2014/main" id="{FB2D7A25-B4DC-4325-A172-FB50ED635A56}"/>
+                    </a:ext>
+                  </a:extLst>
+                </p:cNvPr>
+                <p:cNvSpPr/>
+                <p:nvPr/>
+              </p:nvSpPr>
+              <p:spPr>
+                <a:xfrm>
+                  <a:off x="1150443" y="2154698"/>
+                  <a:ext cx="1272178" cy="3287743"/>
+                </a:xfrm>
+                <a:prstGeom prst="cube">
+                  <a:avLst>
+                    <a:gd name="adj" fmla="val 74470"/>
+                  </a:avLst>
+                </a:prstGeom>
+                <a:solidFill>
+                  <a:schemeClr val="bg1"/>
+                </a:solidFill>
+                <a:ln>
+                  <a:solidFill>
+                    <a:schemeClr val="accent3">
+                      <a:lumMod val="60000"/>
+                      <a:lumOff val="40000"/>
+                    </a:schemeClr>
+                  </a:solidFill>
+                </a:ln>
+              </p:spPr>
+              <p:style>
+                <a:lnRef idx="2">
+                  <a:schemeClr val="accent1">
+                    <a:shade val="50000"/>
+                  </a:schemeClr>
+                </a:lnRef>
+                <a:fillRef idx="1">
+                  <a:schemeClr val="accent1"/>
+                </a:fillRef>
+                <a:effectRef idx="0">
+                  <a:schemeClr val="accent1"/>
+                </a:effectRef>
+                <a:fontRef idx="minor">
+                  <a:schemeClr val="lt1"/>
+                </a:fontRef>
+              </p:style>
+              <p:txBody>
+                <a:bodyPr rtlCol="0" anchor="ctr"/>
+                <a:lstStyle/>
+                <a:p>
+                  <a:pPr algn="ctr"/>
+                  <a:endParaRPr lang="ko-KR" altLang="en-US"/>
+                </a:p>
+              </p:txBody>
+            </p:sp>
+            <p:sp>
+              <p:nvSpPr>
+                <p:cNvPr id="39" name="정육면체 38">
+                  <a:extLst>
+                    <a:ext uri="{FF2B5EF4-FFF2-40B4-BE49-F238E27FC236}">
+                      <a16:creationId xmlns:a16="http://schemas.microsoft.com/office/drawing/2014/main" id="{E21AE6E5-88FE-4974-9E3C-646A73848F08}"/>
+                    </a:ext>
+                  </a:extLst>
+                </p:cNvPr>
+                <p:cNvSpPr/>
+                <p:nvPr/>
+              </p:nvSpPr>
+              <p:spPr>
+                <a:xfrm>
+                  <a:off x="1538058" y="2171994"/>
+                  <a:ext cx="1272178" cy="3287742"/>
+                </a:xfrm>
+                <a:prstGeom prst="cube">
+                  <a:avLst>
+                    <a:gd name="adj" fmla="val 74470"/>
+                  </a:avLst>
+                </a:prstGeom>
+                <a:solidFill>
+                  <a:schemeClr val="bg1"/>
+                </a:solidFill>
+                <a:ln>
+                  <a:solidFill>
+                    <a:schemeClr val="accent3">
+                      <a:lumMod val="60000"/>
+                      <a:lumOff val="40000"/>
+                    </a:schemeClr>
+                  </a:solidFill>
+                </a:ln>
+              </p:spPr>
+              <p:style>
+                <a:lnRef idx="2">
+                  <a:schemeClr val="accent1">
+                    <a:shade val="50000"/>
+                  </a:schemeClr>
+                </a:lnRef>
+                <a:fillRef idx="1">
+                  <a:schemeClr val="accent1"/>
+                </a:fillRef>
+                <a:effectRef idx="0">
+                  <a:schemeClr val="accent1"/>
+                </a:effectRef>
+                <a:fontRef idx="minor">
+                  <a:schemeClr val="lt1"/>
+                </a:fontRef>
+              </p:style>
+              <p:txBody>
+                <a:bodyPr rtlCol="0" anchor="ctr"/>
+                <a:lstStyle/>
+                <a:p>
+                  <a:pPr algn="ctr"/>
+                  <a:endParaRPr lang="ko-KR" altLang="en-US"/>
+                </a:p>
+              </p:txBody>
+            </p:sp>
+            <p:sp>
+              <p:nvSpPr>
+                <p:cNvPr id="40" name="정육면체 39">
+                  <a:extLst>
+                    <a:ext uri="{FF2B5EF4-FFF2-40B4-BE49-F238E27FC236}">
+                      <a16:creationId xmlns:a16="http://schemas.microsoft.com/office/drawing/2014/main" id="{A60677F8-D62B-4F59-B0E2-23DBDA96EDE8}"/>
+                    </a:ext>
+                  </a:extLst>
+                </p:cNvPr>
+                <p:cNvSpPr/>
+                <p:nvPr/>
+              </p:nvSpPr>
+              <p:spPr>
+                <a:xfrm>
+                  <a:off x="1959942" y="2171994"/>
+                  <a:ext cx="1272178" cy="3287742"/>
+                </a:xfrm>
+                <a:prstGeom prst="cube">
+                  <a:avLst>
+                    <a:gd name="adj" fmla="val 74470"/>
+                  </a:avLst>
+                </a:prstGeom>
+                <a:solidFill>
+                  <a:schemeClr val="bg1"/>
+                </a:solidFill>
+                <a:ln>
+                  <a:solidFill>
+                    <a:schemeClr val="accent3">
+                      <a:lumMod val="60000"/>
+                      <a:lumOff val="40000"/>
+                    </a:schemeClr>
+                  </a:solidFill>
+                </a:ln>
+              </p:spPr>
+              <p:style>
+                <a:lnRef idx="2">
+                  <a:schemeClr val="accent1">
+                    <a:shade val="50000"/>
+                  </a:schemeClr>
+                </a:lnRef>
+                <a:fillRef idx="1">
+                  <a:schemeClr val="accent1"/>
+                </a:fillRef>
+                <a:effectRef idx="0">
+                  <a:schemeClr val="accent1"/>
+                </a:effectRef>
+                <a:fontRef idx="minor">
+                  <a:schemeClr val="lt1"/>
+                </a:fontRef>
+              </p:style>
+              <p:txBody>
+                <a:bodyPr rtlCol="0" anchor="ctr"/>
+                <a:lstStyle/>
+                <a:p>
+                  <a:pPr algn="ctr"/>
+                  <a:endParaRPr lang="ko-KR" altLang="en-US"/>
+                </a:p>
+              </p:txBody>
+            </p:sp>
+            <p:sp>
+              <p:nvSpPr>
+                <p:cNvPr id="41" name="정육면체 40">
+                  <a:extLst>
+                    <a:ext uri="{FF2B5EF4-FFF2-40B4-BE49-F238E27FC236}">
+                      <a16:creationId xmlns:a16="http://schemas.microsoft.com/office/drawing/2014/main" id="{26BEFC56-3145-438E-9FEE-5DCBDB6AF188}"/>
+                    </a:ext>
+                  </a:extLst>
+                </p:cNvPr>
+                <p:cNvSpPr/>
+                <p:nvPr/>
+              </p:nvSpPr>
+              <p:spPr>
+                <a:xfrm>
+                  <a:off x="2378364" y="2154698"/>
+                  <a:ext cx="1272178" cy="3287742"/>
+                </a:xfrm>
+                <a:prstGeom prst="cube">
+                  <a:avLst>
+                    <a:gd name="adj" fmla="val 74470"/>
+                  </a:avLst>
+                </a:prstGeom>
+                <a:solidFill>
+                  <a:schemeClr val="bg1"/>
+                </a:solidFill>
+                <a:ln>
+                  <a:solidFill>
+                    <a:schemeClr val="accent3">
+                      <a:lumMod val="60000"/>
+                      <a:lumOff val="40000"/>
+                    </a:schemeClr>
+                  </a:solidFill>
+                </a:ln>
+              </p:spPr>
+              <p:style>
+                <a:lnRef idx="2">
+                  <a:schemeClr val="accent1">
+                    <a:shade val="50000"/>
+                  </a:schemeClr>
+                </a:lnRef>
+                <a:fillRef idx="1">
+                  <a:schemeClr val="accent1"/>
+                </a:fillRef>
+                <a:effectRef idx="0">
+                  <a:schemeClr val="accent1"/>
+                </a:effectRef>
+                <a:fontRef idx="minor">
+                  <a:schemeClr val="lt1"/>
+                </a:fontRef>
+              </p:style>
+              <p:txBody>
+                <a:bodyPr rtlCol="0" anchor="ctr"/>
+                <a:lstStyle/>
+                <a:p>
+                  <a:pPr algn="ctr"/>
+                  <a:endParaRPr lang="ko-KR" altLang="en-US"/>
+                </a:p>
+              </p:txBody>
+            </p:sp>
+          </p:grpSp>
+          <p:sp>
+            <p:nvSpPr>
+              <p:cNvPr id="25" name="왼쪽 중괄호 24">
+                <a:extLst>
+                  <a:ext uri="{FF2B5EF4-FFF2-40B4-BE49-F238E27FC236}">
+                    <a16:creationId xmlns:a16="http://schemas.microsoft.com/office/drawing/2014/main" id="{8DCE7F02-54EA-4800-B65B-EF36485D754A}"/>
+                  </a:ext>
+                </a:extLst>
+              </p:cNvPr>
+              <p:cNvSpPr/>
+              <p:nvPr/>
+            </p:nvSpPr>
+            <p:spPr>
+              <a:xfrm rot="16200000">
+                <a:off x="2421614" y="3810467"/>
+                <a:ext cx="226064" cy="1117908"/>
+              </a:xfrm>
+              <a:prstGeom prst="leftBrace">
+                <a:avLst/>
+              </a:prstGeom>
+              <a:ln>
+                <a:solidFill>
+                  <a:schemeClr val="bg2">
+                    <a:lumMod val="50000"/>
+                  </a:schemeClr>
+                </a:solidFill>
+              </a:ln>
+            </p:spPr>
+            <p:style>
+              <a:lnRef idx="1">
+                <a:schemeClr val="accent1"/>
+              </a:lnRef>
+              <a:fillRef idx="0">
+                <a:schemeClr val="accent1"/>
+              </a:fillRef>
+              <a:effectRef idx="0">
+                <a:schemeClr val="accent1"/>
+              </a:effectRef>
+              <a:fontRef idx="minor">
+                <a:schemeClr val="tx1"/>
+              </a:fontRef>
+            </p:style>
+            <p:txBody>
+              <a:bodyPr rtlCol="0" anchor="ctr"/>
+              <a:lstStyle/>
+              <a:p>
+                <a:pPr algn="ctr"/>
+                <a:endParaRPr lang="ko-KR" altLang="en-US"/>
+              </a:p>
+            </p:txBody>
+          </p:sp>
+          <p:sp>
+            <p:nvSpPr>
+              <p:cNvPr id="26" name="TextBox 25">
+                <a:extLst>
+                  <a:ext uri="{FF2B5EF4-FFF2-40B4-BE49-F238E27FC236}">
+                    <a16:creationId xmlns:a16="http://schemas.microsoft.com/office/drawing/2014/main" id="{10C81340-322B-4CA4-B286-EF62B68C3A25}"/>
+                  </a:ext>
+                </a:extLst>
+              </p:cNvPr>
+              <p:cNvSpPr txBox="1"/>
+              <p:nvPr/>
+            </p:nvSpPr>
+            <p:spPr>
+              <a:xfrm>
+                <a:off x="2059582" y="4482453"/>
+                <a:ext cx="1117908" cy="276999"/>
+              </a:xfrm>
+              <a:prstGeom prst="rect">
+                <a:avLst/>
+              </a:prstGeom>
+              <a:noFill/>
+            </p:spPr>
+            <p:txBody>
+              <a:bodyPr wrap="square">
+                <a:spAutoFit/>
+              </a:bodyPr>
+              <a:lstStyle/>
+              <a:p>
+                <a:r>
+                  <a:rPr lang="en-US" altLang="ko-KR" sz="1200" dirty="0">
+                    <a:solidFill>
+                      <a:schemeClr val="tx1">
+                        <a:lumMod val="50000"/>
+                        <a:lumOff val="50000"/>
+                      </a:schemeClr>
+                    </a:solidFill>
+                  </a:rPr>
+                  <a:t>batch_size</a:t>
+                </a:r>
+                <a:endParaRPr lang="ko-KR" altLang="en-US" sz="1200" dirty="0">
+                  <a:solidFill>
+                    <a:schemeClr val="tx1">
+                      <a:lumMod val="50000"/>
+                      <a:lumOff val="50000"/>
+                    </a:schemeClr>
+                  </a:solidFill>
+                </a:endParaRPr>
+              </a:p>
+            </p:txBody>
+          </p:sp>
+          <p:cxnSp>
+            <p:nvCxnSpPr>
+              <p:cNvPr id="27" name="직선 연결선 26">
+                <a:extLst>
+                  <a:ext uri="{FF2B5EF4-FFF2-40B4-BE49-F238E27FC236}">
+                    <a16:creationId xmlns:a16="http://schemas.microsoft.com/office/drawing/2014/main" id="{B0A58CF9-44DF-4CA5-B565-9916B71386B7}"/>
+                  </a:ext>
+                </a:extLst>
+              </p:cNvPr>
+              <p:cNvCxnSpPr>
+                <a:cxnSpLocks/>
+              </p:cNvCxnSpPr>
+              <p:nvPr/>
+            </p:nvCxnSpPr>
+            <p:spPr>
+              <a:xfrm flipV="1">
+                <a:off x="2006600" y="2271424"/>
+                <a:ext cx="1368425" cy="6452"/>
+              </a:xfrm>
+              <a:prstGeom prst="line">
+                <a:avLst/>
+              </a:prstGeom>
+              <a:ln>
+                <a:solidFill>
+                  <a:schemeClr val="bg1">
+                    <a:lumMod val="65000"/>
+                  </a:schemeClr>
+                </a:solidFill>
+              </a:ln>
+            </p:spPr>
+            <p:style>
+              <a:lnRef idx="1">
+                <a:schemeClr val="accent1"/>
+              </a:lnRef>
+              <a:fillRef idx="0">
+                <a:schemeClr val="accent1"/>
+              </a:fillRef>
+              <a:effectRef idx="0">
+                <a:schemeClr val="accent1"/>
+              </a:effectRef>
+              <a:fontRef idx="minor">
+                <a:schemeClr val="tx1"/>
+              </a:fontRef>
+            </p:style>
+          </p:cxnSp>
+          <p:cxnSp>
+            <p:nvCxnSpPr>
+              <p:cNvPr id="28" name="직선 연결선 27">
+                <a:extLst>
+                  <a:ext uri="{FF2B5EF4-FFF2-40B4-BE49-F238E27FC236}">
+                    <a16:creationId xmlns:a16="http://schemas.microsoft.com/office/drawing/2014/main" id="{DD60957E-F069-49F2-A737-8AC91ABEDD0E}"/>
+                  </a:ext>
+                </a:extLst>
+              </p:cNvPr>
+              <p:cNvCxnSpPr>
+                <a:cxnSpLocks/>
+              </p:cNvCxnSpPr>
+              <p:nvPr/>
+            </p:nvCxnSpPr>
+            <p:spPr>
+              <a:xfrm flipH="1">
+                <a:off x="3350427" y="2277875"/>
+                <a:ext cx="24598" cy="1770250"/>
+              </a:xfrm>
+              <a:prstGeom prst="line">
+                <a:avLst/>
+              </a:prstGeom>
+              <a:ln>
+                <a:solidFill>
+                  <a:schemeClr val="bg1">
+                    <a:lumMod val="65000"/>
+                  </a:schemeClr>
+                </a:solidFill>
+              </a:ln>
+            </p:spPr>
+            <p:style>
+              <a:lnRef idx="1">
+                <a:schemeClr val="accent1"/>
+              </a:lnRef>
+              <a:fillRef idx="0">
+                <a:schemeClr val="accent1"/>
+              </a:fillRef>
+              <a:effectRef idx="0">
+                <a:schemeClr val="accent1"/>
+              </a:effectRef>
+              <a:fontRef idx="minor">
+                <a:schemeClr val="tx1"/>
+              </a:fontRef>
+            </p:style>
+          </p:cxnSp>
+          <p:grpSp>
+            <p:nvGrpSpPr>
+              <p:cNvPr id="29" name="그룹 28">
+                <a:extLst>
+                  <a:ext uri="{FF2B5EF4-FFF2-40B4-BE49-F238E27FC236}">
+                    <a16:creationId xmlns:a16="http://schemas.microsoft.com/office/drawing/2014/main" id="{AE7636F7-23E6-403F-A62B-0351D7FC57F4}"/>
+                  </a:ext>
+                </a:extLst>
+              </p:cNvPr>
+              <p:cNvGrpSpPr/>
+              <p:nvPr/>
+            </p:nvGrpSpPr>
+            <p:grpSpPr>
+              <a:xfrm>
+                <a:off x="2138863" y="2135027"/>
+                <a:ext cx="1384513" cy="1740687"/>
+                <a:chOff x="2128091" y="2430275"/>
+                <a:chExt cx="1384513" cy="1740687"/>
+              </a:xfrm>
+            </p:grpSpPr>
+            <p:cxnSp>
+              <p:nvCxnSpPr>
+                <p:cNvPr id="36" name="직선 연결선 35">
+                  <a:extLst>
+                    <a:ext uri="{FF2B5EF4-FFF2-40B4-BE49-F238E27FC236}">
+                      <a16:creationId xmlns:a16="http://schemas.microsoft.com/office/drawing/2014/main" id="{5C68E1B6-A679-4B43-8B69-0D9C95520BAA}"/>
+                    </a:ext>
+                  </a:extLst>
+                </p:cNvPr>
+                <p:cNvCxnSpPr>
+                  <a:cxnSpLocks/>
+                </p:cNvCxnSpPr>
+                <p:nvPr/>
+              </p:nvCxnSpPr>
+              <p:spPr>
+                <a:xfrm>
+                  <a:off x="2128091" y="2430276"/>
+                  <a:ext cx="1382345" cy="0"/>
+                </a:xfrm>
+                <a:prstGeom prst="line">
+                  <a:avLst/>
+                </a:prstGeom>
+                <a:ln>
+                  <a:solidFill>
+                    <a:schemeClr val="bg1">
+                      <a:lumMod val="65000"/>
+                    </a:schemeClr>
+                  </a:solidFill>
+                </a:ln>
+              </p:spPr>
+              <p:style>
+                <a:lnRef idx="1">
+                  <a:schemeClr val="accent1"/>
+                </a:lnRef>
+                <a:fillRef idx="0">
+                  <a:schemeClr val="accent1"/>
+                </a:fillRef>
+                <a:effectRef idx="0">
+                  <a:schemeClr val="accent1"/>
+                </a:effectRef>
+                <a:fontRef idx="minor">
+                  <a:schemeClr val="tx1"/>
+                </a:fontRef>
+              </p:style>
+            </p:cxnSp>
+            <p:cxnSp>
+              <p:nvCxnSpPr>
+                <p:cNvPr id="37" name="직선 연결선 36">
+                  <a:extLst>
+                    <a:ext uri="{FF2B5EF4-FFF2-40B4-BE49-F238E27FC236}">
+                      <a16:creationId xmlns:a16="http://schemas.microsoft.com/office/drawing/2014/main" id="{73338B70-6956-4AB8-BE96-0E97F4A64FE6}"/>
+                    </a:ext>
+                  </a:extLst>
+                </p:cNvPr>
+                <p:cNvCxnSpPr>
+                  <a:cxnSpLocks/>
+                </p:cNvCxnSpPr>
+                <p:nvPr/>
+              </p:nvCxnSpPr>
+              <p:spPr>
+                <a:xfrm>
+                  <a:off x="3502827" y="2430275"/>
+                  <a:ext cx="9777" cy="1740687"/>
+                </a:xfrm>
+                <a:prstGeom prst="line">
+                  <a:avLst/>
+                </a:prstGeom>
+                <a:ln>
+                  <a:solidFill>
+                    <a:schemeClr val="bg1">
+                      <a:lumMod val="65000"/>
+                    </a:schemeClr>
+                  </a:solidFill>
+                </a:ln>
+              </p:spPr>
+              <p:style>
+                <a:lnRef idx="1">
+                  <a:schemeClr val="accent1"/>
+                </a:lnRef>
+                <a:fillRef idx="0">
+                  <a:schemeClr val="accent1"/>
+                </a:fillRef>
+                <a:effectRef idx="0">
+                  <a:schemeClr val="accent1"/>
+                </a:effectRef>
+                <a:fontRef idx="minor">
+                  <a:schemeClr val="tx1"/>
+                </a:fontRef>
+              </p:style>
+            </p:cxnSp>
+          </p:grpSp>
+          <p:cxnSp>
+            <p:nvCxnSpPr>
+              <p:cNvPr id="30" name="직선 연결선 29">
+                <a:extLst>
+                  <a:ext uri="{FF2B5EF4-FFF2-40B4-BE49-F238E27FC236}">
+                    <a16:creationId xmlns:a16="http://schemas.microsoft.com/office/drawing/2014/main" id="{B4746F70-F2F0-465F-9360-8729D6E18D9B}"/>
+                  </a:ext>
+                </a:extLst>
+              </p:cNvPr>
+              <p:cNvCxnSpPr>
+                <a:cxnSpLocks/>
+              </p:cNvCxnSpPr>
+              <p:nvPr/>
+            </p:nvCxnSpPr>
+            <p:spPr>
+              <a:xfrm>
+                <a:off x="2306921" y="1962288"/>
+                <a:ext cx="1355706" cy="14247"/>
+              </a:xfrm>
+              <a:prstGeom prst="line">
+                <a:avLst/>
+              </a:prstGeom>
+              <a:ln>
+                <a:solidFill>
+                  <a:schemeClr val="bg1">
+                    <a:lumMod val="65000"/>
+                  </a:schemeClr>
+                </a:solidFill>
+              </a:ln>
+            </p:spPr>
+            <p:style>
+              <a:lnRef idx="1">
+                <a:schemeClr val="accent1"/>
+              </a:lnRef>
+              <a:fillRef idx="0">
+                <a:schemeClr val="accent1"/>
+              </a:fillRef>
+              <a:effectRef idx="0">
+                <a:schemeClr val="accent1"/>
+              </a:effectRef>
+              <a:fontRef idx="minor">
+                <a:schemeClr val="tx1"/>
+              </a:fontRef>
+            </p:style>
+          </p:cxnSp>
+          <p:cxnSp>
+            <p:nvCxnSpPr>
+              <p:cNvPr id="31" name="직선 연결선 30">
+                <a:extLst>
+                  <a:ext uri="{FF2B5EF4-FFF2-40B4-BE49-F238E27FC236}">
+                    <a16:creationId xmlns:a16="http://schemas.microsoft.com/office/drawing/2014/main" id="{16571820-EF30-4AD2-9F5D-8BABB85C76D3}"/>
+                  </a:ext>
+                </a:extLst>
+              </p:cNvPr>
+              <p:cNvCxnSpPr>
+                <a:cxnSpLocks/>
+              </p:cNvCxnSpPr>
+              <p:nvPr/>
+            </p:nvCxnSpPr>
+            <p:spPr>
+              <a:xfrm>
+                <a:off x="3662627" y="1976535"/>
+                <a:ext cx="0" cy="1757265"/>
+              </a:xfrm>
+              <a:prstGeom prst="line">
+                <a:avLst/>
+              </a:prstGeom>
+              <a:ln>
+                <a:solidFill>
+                  <a:schemeClr val="bg1">
+                    <a:lumMod val="65000"/>
+                  </a:schemeClr>
+                </a:solidFill>
+              </a:ln>
+            </p:spPr>
+            <p:style>
+              <a:lnRef idx="1">
+                <a:schemeClr val="accent1"/>
+              </a:lnRef>
+              <a:fillRef idx="0">
+                <a:schemeClr val="accent1"/>
+              </a:fillRef>
+              <a:effectRef idx="0">
+                <a:schemeClr val="accent1"/>
+              </a:effectRef>
+              <a:fontRef idx="minor">
+                <a:schemeClr val="tx1"/>
+              </a:fontRef>
+            </p:style>
+          </p:cxnSp>
+          <p:sp>
+            <p:nvSpPr>
+              <p:cNvPr id="32" name="왼쪽 중괄호 31">
+                <a:extLst>
+                  <a:ext uri="{FF2B5EF4-FFF2-40B4-BE49-F238E27FC236}">
+                    <a16:creationId xmlns:a16="http://schemas.microsoft.com/office/drawing/2014/main" id="{FBEA1945-4B6F-4334-BC26-94F207B9B9BA}"/>
+                  </a:ext>
+                </a:extLst>
+              </p:cNvPr>
+              <p:cNvSpPr/>
+              <p:nvPr/>
+            </p:nvSpPr>
+            <p:spPr>
+              <a:xfrm rot="13384039">
+                <a:off x="3632970" y="3392978"/>
+                <a:ext cx="226065" cy="1044251"/>
+              </a:xfrm>
+              <a:prstGeom prst="leftBrace">
+                <a:avLst>
+                  <a:gd name="adj1" fmla="val 8333"/>
+                  <a:gd name="adj2" fmla="val 43433"/>
+                </a:avLst>
+              </a:prstGeom>
+              <a:ln>
+                <a:solidFill>
+                  <a:schemeClr val="bg2">
+                    <a:lumMod val="50000"/>
+                  </a:schemeClr>
+                </a:solidFill>
+              </a:ln>
+            </p:spPr>
+            <p:style>
+              <a:lnRef idx="1">
+                <a:schemeClr val="accent1"/>
+              </a:lnRef>
+              <a:fillRef idx="0">
+                <a:schemeClr val="accent1"/>
+              </a:fillRef>
+              <a:effectRef idx="0">
+                <a:schemeClr val="accent1"/>
+              </a:effectRef>
+              <a:fontRef idx="minor">
+                <a:schemeClr val="tx1"/>
+              </a:fontRef>
+            </p:style>
+            <p:txBody>
+              <a:bodyPr rtlCol="0" anchor="ctr"/>
+              <a:lstStyle/>
+              <a:p>
+                <a:pPr algn="ctr"/>
+                <a:endParaRPr lang="ko-KR" altLang="en-US"/>
+              </a:p>
+            </p:txBody>
+          </p:sp>
+          <p:sp>
+            <p:nvSpPr>
+              <p:cNvPr id="33" name="TextBox 32">
+                <a:extLst>
+                  <a:ext uri="{FF2B5EF4-FFF2-40B4-BE49-F238E27FC236}">
+                    <a16:creationId xmlns:a16="http://schemas.microsoft.com/office/drawing/2014/main" id="{AA8CA660-873A-4DCC-B857-52C4FA99503B}"/>
+                  </a:ext>
+                </a:extLst>
+              </p:cNvPr>
+              <p:cNvSpPr txBox="1"/>
+              <p:nvPr/>
+            </p:nvSpPr>
+            <p:spPr>
+              <a:xfrm rot="18722307">
+                <a:off x="3368760" y="3870205"/>
+                <a:ext cx="1117908" cy="276999"/>
+              </a:xfrm>
+              <a:prstGeom prst="rect">
+                <a:avLst/>
+              </a:prstGeom>
+              <a:noFill/>
+            </p:spPr>
+            <p:txBody>
+              <a:bodyPr wrap="square">
+                <a:spAutoFit/>
+              </a:bodyPr>
+              <a:lstStyle/>
+              <a:p>
+                <a:r>
+                  <a:rPr lang="en-US" altLang="ko-KR" sz="1200" dirty="0" err="1">
+                    <a:solidFill>
+                      <a:schemeClr val="tx1">
+                        <a:lumMod val="50000"/>
+                        <a:lumOff val="50000"/>
+                      </a:schemeClr>
+                    </a:solidFill>
+                  </a:rPr>
+                  <a:t>Input_dim</a:t>
+                </a:r>
+                <a:endParaRPr lang="ko-KR" altLang="en-US" sz="1200" dirty="0">
+                  <a:solidFill>
+                    <a:schemeClr val="tx1">
+                      <a:lumMod val="50000"/>
+                      <a:lumOff val="50000"/>
+                    </a:schemeClr>
+                  </a:solidFill>
+                </a:endParaRPr>
+              </a:p>
+            </p:txBody>
+          </p:sp>
+          <p:sp>
+            <p:nvSpPr>
+              <p:cNvPr id="34" name="왼쪽 중괄호 33">
+                <a:extLst>
+                  <a:ext uri="{FF2B5EF4-FFF2-40B4-BE49-F238E27FC236}">
+                    <a16:creationId xmlns:a16="http://schemas.microsoft.com/office/drawing/2014/main" id="{684EF372-F0D9-41E3-8E3C-AF5541F23B2C}"/>
+                  </a:ext>
+                </a:extLst>
+              </p:cNvPr>
+              <p:cNvSpPr/>
+              <p:nvPr/>
+            </p:nvSpPr>
+            <p:spPr>
+              <a:xfrm rot="10800000">
+                <a:off x="4079062" y="1693122"/>
+                <a:ext cx="251644" cy="1583165"/>
+              </a:xfrm>
+              <a:prstGeom prst="leftBrace">
+                <a:avLst>
+                  <a:gd name="adj1" fmla="val 8333"/>
+                  <a:gd name="adj2" fmla="val 43914"/>
+                </a:avLst>
+              </a:prstGeom>
+              <a:ln>
+                <a:solidFill>
+                  <a:schemeClr val="bg2">
+                    <a:lumMod val="50000"/>
+                  </a:schemeClr>
+                </a:solidFill>
+              </a:ln>
+            </p:spPr>
+            <p:style>
+              <a:lnRef idx="1">
+                <a:schemeClr val="accent1"/>
+              </a:lnRef>
+              <a:fillRef idx="0">
+                <a:schemeClr val="accent1"/>
+              </a:fillRef>
+              <a:effectRef idx="0">
+                <a:schemeClr val="accent1"/>
+              </a:effectRef>
+              <a:fontRef idx="minor">
+                <a:schemeClr val="tx1"/>
+              </a:fontRef>
+            </p:style>
+            <p:txBody>
+              <a:bodyPr rtlCol="0" anchor="ctr"/>
+              <a:lstStyle/>
+              <a:p>
+                <a:pPr algn="ctr"/>
+                <a:endParaRPr lang="ko-KR" altLang="en-US" dirty="0"/>
+              </a:p>
+            </p:txBody>
+          </p:sp>
+          <p:sp>
+            <p:nvSpPr>
+              <p:cNvPr id="35" name="TextBox 34">
+                <a:extLst>
+                  <a:ext uri="{FF2B5EF4-FFF2-40B4-BE49-F238E27FC236}">
+                    <a16:creationId xmlns:a16="http://schemas.microsoft.com/office/drawing/2014/main" id="{E5238068-8AB3-4FC0-B418-316FD09CC435}"/>
+                  </a:ext>
+                </a:extLst>
+              </p:cNvPr>
+              <p:cNvSpPr txBox="1"/>
+              <p:nvPr/>
+            </p:nvSpPr>
+            <p:spPr>
+              <a:xfrm>
+                <a:off x="4336763" y="2429482"/>
+                <a:ext cx="1117908" cy="276999"/>
+              </a:xfrm>
+              <a:prstGeom prst="rect">
+                <a:avLst/>
+              </a:prstGeom>
+              <a:noFill/>
+            </p:spPr>
+            <p:txBody>
+              <a:bodyPr wrap="square">
+                <a:spAutoFit/>
+              </a:bodyPr>
+              <a:lstStyle/>
+              <a:p>
+                <a:r>
+                  <a:rPr lang="en-US" altLang="ko-KR" sz="1200" dirty="0">
+                    <a:solidFill>
+                      <a:schemeClr val="tx1">
+                        <a:lumMod val="50000"/>
+                        <a:lumOff val="50000"/>
+                      </a:schemeClr>
+                    </a:solidFill>
+                  </a:rPr>
+                  <a:t>timesteps</a:t>
+                </a:r>
+                <a:endParaRPr lang="ko-KR" altLang="en-US" sz="1200" dirty="0">
+                  <a:solidFill>
+                    <a:schemeClr val="tx1">
+                      <a:lumMod val="50000"/>
+                      <a:lumOff val="50000"/>
+                    </a:schemeClr>
+                  </a:solidFill>
+                </a:endParaRPr>
+              </a:p>
+            </p:txBody>
+          </p:sp>
+        </p:grpSp>
+      </p:grpSp>
+      <p:grpSp>
+        <p:nvGrpSpPr>
+          <p:cNvPr id="8" name="그룹 7">
+            <a:extLst>
+              <a:ext uri="{FF2B5EF4-FFF2-40B4-BE49-F238E27FC236}">
+                <a16:creationId xmlns:a16="http://schemas.microsoft.com/office/drawing/2014/main" id="{E5D8FC1D-074A-4CB3-ABC0-05BFDCEF22A2}"/>
+              </a:ext>
+            </a:extLst>
+          </p:cNvPr>
+          <p:cNvGrpSpPr/>
+          <p:nvPr/>
+        </p:nvGrpSpPr>
+        <p:grpSpPr>
+          <a:xfrm>
+            <a:off x="7109724" y="3738041"/>
+            <a:ext cx="3467061" cy="2018591"/>
+            <a:chOff x="7109724" y="3738041"/>
+            <a:chExt cx="3467061" cy="2018591"/>
+          </a:xfrm>
+        </p:grpSpPr>
+        <p:sp>
+          <p:nvSpPr>
+            <p:cNvPr id="10" name="TextBox 9">
+              <a:extLst>
+                <a:ext uri="{FF2B5EF4-FFF2-40B4-BE49-F238E27FC236}">
+                  <a16:creationId xmlns:a16="http://schemas.microsoft.com/office/drawing/2014/main" id="{EB10D6F1-6A5C-4D5D-927B-AA323068EAAC}"/>
+                </a:ext>
+              </a:extLst>
+            </p:cNvPr>
+            <p:cNvSpPr txBox="1"/>
+            <p:nvPr/>
+          </p:nvSpPr>
+          <p:spPr>
+            <a:xfrm>
+              <a:off x="7783809" y="3738041"/>
+              <a:ext cx="2712394" cy="553998"/>
+            </a:xfrm>
+            <a:prstGeom prst="rect">
+              <a:avLst/>
+            </a:prstGeom>
+            <a:noFill/>
+          </p:spPr>
+          <p:txBody>
+            <a:bodyPr wrap="square" rtlCol="0">
+              <a:spAutoFit/>
+            </a:bodyPr>
+            <a:lstStyle/>
+            <a:p>
+              <a:r>
+                <a:rPr lang="en-US" altLang="ko-KR" dirty="0"/>
+                <a:t>     </a:t>
+              </a:r>
+              <a:r>
+                <a:rPr lang="en-US" altLang="ko-KR" sz="2000" dirty="0"/>
+                <a:t>Output</a:t>
+              </a:r>
+            </a:p>
+            <a:p>
+              <a:r>
+                <a:rPr lang="en-US" altLang="ko-KR" sz="1000" dirty="0"/>
+                <a:t>(batch_size, </a:t>
+              </a:r>
+              <a:r>
+                <a:rPr lang="en-US" altLang="ko-KR" sz="1000" dirty="0" err="1"/>
+                <a:t>output_dim</a:t>
+              </a:r>
+              <a:r>
+                <a:rPr lang="en-US" altLang="ko-KR" sz="1000" dirty="0"/>
+                <a:t>)</a:t>
+              </a:r>
+              <a:r>
+                <a:rPr lang="en-US" altLang="ko-KR" sz="1000" i="1" dirty="0">
+                  <a:solidFill>
+                    <a:schemeClr val="accent1">
+                      <a:lumMod val="75000"/>
+                    </a:schemeClr>
+                  </a:solidFill>
+                </a:rPr>
+                <a:t> </a:t>
+              </a:r>
+              <a:endParaRPr lang="ko-KR" altLang="en-US" sz="1000" i="1" dirty="0">
+                <a:solidFill>
+                  <a:schemeClr val="accent1">
+                    <a:lumMod val="75000"/>
+                  </a:schemeClr>
+                </a:solidFill>
+              </a:endParaRPr>
+            </a:p>
+          </p:txBody>
+        </p:sp>
+        <p:grpSp>
+          <p:nvGrpSpPr>
+            <p:cNvPr id="11" name="그룹 10">
+              <a:extLst>
+                <a:ext uri="{FF2B5EF4-FFF2-40B4-BE49-F238E27FC236}">
+                  <a16:creationId xmlns:a16="http://schemas.microsoft.com/office/drawing/2014/main" id="{D461EB73-29C6-4239-9F84-CB5D5B8C12B3}"/>
+                </a:ext>
+              </a:extLst>
+            </p:cNvPr>
+            <p:cNvGrpSpPr/>
+            <p:nvPr/>
+          </p:nvGrpSpPr>
+          <p:grpSpPr>
+            <a:xfrm>
+              <a:off x="7109724" y="4302749"/>
+              <a:ext cx="2657701" cy="909332"/>
+              <a:chOff x="6643136" y="4302749"/>
+              <a:chExt cx="2657701" cy="909332"/>
+            </a:xfrm>
+          </p:grpSpPr>
+          <p:sp>
+            <p:nvSpPr>
+              <p:cNvPr id="16" name="정육면체 15">
+                <a:extLst>
+                  <a:ext uri="{FF2B5EF4-FFF2-40B4-BE49-F238E27FC236}">
+                    <a16:creationId xmlns:a16="http://schemas.microsoft.com/office/drawing/2014/main" id="{4CF2C965-7070-4331-8AC5-D4C3E6B2B9F0}"/>
+                  </a:ext>
+                </a:extLst>
+              </p:cNvPr>
+              <p:cNvSpPr/>
+              <p:nvPr/>
+            </p:nvSpPr>
+            <p:spPr>
+              <a:xfrm>
+                <a:off x="6643136" y="4302749"/>
+                <a:ext cx="954310" cy="909332"/>
+              </a:xfrm>
+              <a:prstGeom prst="cube">
+                <a:avLst>
+                  <a:gd name="adj" fmla="val 74470"/>
+                </a:avLst>
+              </a:prstGeom>
+              <a:solidFill>
+                <a:schemeClr val="bg1"/>
+              </a:solidFill>
+              <a:ln>
+                <a:solidFill>
+                  <a:schemeClr val="accent3">
+                    <a:lumMod val="60000"/>
+                    <a:lumOff val="40000"/>
+                  </a:schemeClr>
+                </a:solidFill>
+              </a:ln>
+            </p:spPr>
+            <p:style>
+              <a:lnRef idx="2">
+                <a:schemeClr val="accent1">
+                  <a:shade val="50000"/>
+                </a:schemeClr>
+              </a:lnRef>
+              <a:fillRef idx="1">
+                <a:schemeClr val="accent1"/>
+              </a:fillRef>
+              <a:effectRef idx="0">
+                <a:schemeClr val="accent1"/>
+              </a:effectRef>
+              <a:fontRef idx="minor">
+                <a:schemeClr val="lt1"/>
+              </a:fontRef>
+            </p:style>
+            <p:txBody>
+              <a:bodyPr rtlCol="0" anchor="ctr"/>
+              <a:lstStyle/>
+              <a:p>
+                <a:pPr algn="ctr"/>
+                <a:endParaRPr lang="ko-KR" altLang="en-US"/>
+              </a:p>
+            </p:txBody>
+          </p:sp>
+          <p:sp>
+            <p:nvSpPr>
+              <p:cNvPr id="17" name="정육면체 16">
+                <a:extLst>
+                  <a:ext uri="{FF2B5EF4-FFF2-40B4-BE49-F238E27FC236}">
+                    <a16:creationId xmlns:a16="http://schemas.microsoft.com/office/drawing/2014/main" id="{FFCD7C73-3255-459F-A60C-74DE5E10D1C4}"/>
+                  </a:ext>
+                </a:extLst>
+              </p:cNvPr>
+              <p:cNvSpPr/>
+              <p:nvPr/>
+            </p:nvSpPr>
+            <p:spPr>
+              <a:xfrm>
+                <a:off x="6968365" y="4302749"/>
+                <a:ext cx="954310" cy="909332"/>
+              </a:xfrm>
+              <a:prstGeom prst="cube">
+                <a:avLst>
+                  <a:gd name="adj" fmla="val 74470"/>
+                </a:avLst>
+              </a:prstGeom>
+              <a:solidFill>
+                <a:schemeClr val="bg1"/>
+              </a:solidFill>
+              <a:ln>
+                <a:solidFill>
+                  <a:schemeClr val="accent3">
+                    <a:lumMod val="60000"/>
+                    <a:lumOff val="40000"/>
+                  </a:schemeClr>
+                </a:solidFill>
+              </a:ln>
+            </p:spPr>
+            <p:style>
+              <a:lnRef idx="2">
+                <a:schemeClr val="accent1">
+                  <a:shade val="50000"/>
+                </a:schemeClr>
+              </a:lnRef>
+              <a:fillRef idx="1">
+                <a:schemeClr val="accent1"/>
+              </a:fillRef>
+              <a:effectRef idx="0">
+                <a:schemeClr val="accent1"/>
+              </a:effectRef>
+              <a:fontRef idx="minor">
+                <a:schemeClr val="lt1"/>
+              </a:fontRef>
+            </p:style>
+            <p:txBody>
+              <a:bodyPr rtlCol="0" anchor="ctr"/>
+              <a:lstStyle/>
+              <a:p>
+                <a:pPr algn="ctr"/>
+                <a:endParaRPr lang="ko-KR" altLang="en-US"/>
+              </a:p>
+            </p:txBody>
+          </p:sp>
+          <p:sp>
+            <p:nvSpPr>
+              <p:cNvPr id="18" name="정육면체 17">
+                <a:extLst>
+                  <a:ext uri="{FF2B5EF4-FFF2-40B4-BE49-F238E27FC236}">
+                    <a16:creationId xmlns:a16="http://schemas.microsoft.com/office/drawing/2014/main" id="{B35A8309-22C1-4F26-A194-1937325D3E44}"/>
+                  </a:ext>
+                </a:extLst>
+              </p:cNvPr>
+              <p:cNvSpPr/>
+              <p:nvPr/>
+            </p:nvSpPr>
+            <p:spPr>
+              <a:xfrm>
+                <a:off x="7324829" y="4302749"/>
+                <a:ext cx="954310" cy="909332"/>
+              </a:xfrm>
+              <a:prstGeom prst="cube">
+                <a:avLst>
+                  <a:gd name="adj" fmla="val 74470"/>
+                </a:avLst>
+              </a:prstGeom>
+              <a:solidFill>
+                <a:schemeClr val="bg1"/>
+              </a:solidFill>
+              <a:ln>
+                <a:solidFill>
+                  <a:schemeClr val="accent3">
+                    <a:lumMod val="60000"/>
+                    <a:lumOff val="40000"/>
+                  </a:schemeClr>
+                </a:solidFill>
+              </a:ln>
+            </p:spPr>
+            <p:style>
+              <a:lnRef idx="2">
+                <a:schemeClr val="accent1">
+                  <a:shade val="50000"/>
+                </a:schemeClr>
+              </a:lnRef>
+              <a:fillRef idx="1">
+                <a:schemeClr val="accent1"/>
+              </a:fillRef>
+              <a:effectRef idx="0">
+                <a:schemeClr val="accent1"/>
+              </a:effectRef>
+              <a:fontRef idx="minor">
+                <a:schemeClr val="lt1"/>
+              </a:fontRef>
+            </p:style>
+            <p:txBody>
+              <a:bodyPr rtlCol="0" anchor="ctr"/>
+              <a:lstStyle/>
+              <a:p>
+                <a:pPr algn="ctr"/>
+                <a:endParaRPr lang="ko-KR" altLang="en-US"/>
+              </a:p>
+            </p:txBody>
+          </p:sp>
+          <p:sp>
+            <p:nvSpPr>
+              <p:cNvPr id="19" name="정육면체 18">
+                <a:extLst>
+                  <a:ext uri="{FF2B5EF4-FFF2-40B4-BE49-F238E27FC236}">
+                    <a16:creationId xmlns:a16="http://schemas.microsoft.com/office/drawing/2014/main" id="{45092B42-2D66-4169-A285-8A54C4AC0BED}"/>
+                  </a:ext>
+                </a:extLst>
+              </p:cNvPr>
+              <p:cNvSpPr/>
+              <p:nvPr/>
+            </p:nvSpPr>
+            <p:spPr>
+              <a:xfrm>
+                <a:off x="7664834" y="4302749"/>
+                <a:ext cx="954310" cy="909332"/>
+              </a:xfrm>
+              <a:prstGeom prst="cube">
+                <a:avLst>
+                  <a:gd name="adj" fmla="val 74470"/>
+                </a:avLst>
+              </a:prstGeom>
+              <a:solidFill>
+                <a:schemeClr val="bg1"/>
+              </a:solidFill>
+              <a:ln>
+                <a:solidFill>
+                  <a:schemeClr val="accent3">
+                    <a:lumMod val="60000"/>
+                    <a:lumOff val="40000"/>
+                  </a:schemeClr>
+                </a:solidFill>
+              </a:ln>
+            </p:spPr>
+            <p:style>
+              <a:lnRef idx="2">
+                <a:schemeClr val="accent1">
+                  <a:shade val="50000"/>
+                </a:schemeClr>
+              </a:lnRef>
+              <a:fillRef idx="1">
+                <a:schemeClr val="accent1"/>
+              </a:fillRef>
+              <a:effectRef idx="0">
+                <a:schemeClr val="accent1"/>
+              </a:effectRef>
+              <a:fontRef idx="minor">
+                <a:schemeClr val="lt1"/>
+              </a:fontRef>
+            </p:style>
+            <p:txBody>
+              <a:bodyPr rtlCol="0" anchor="ctr"/>
+              <a:lstStyle/>
+              <a:p>
+                <a:pPr algn="ctr"/>
+                <a:endParaRPr lang="ko-KR" altLang="en-US"/>
+              </a:p>
+            </p:txBody>
+          </p:sp>
+          <p:sp>
+            <p:nvSpPr>
+              <p:cNvPr id="20" name="정육면체 19">
+                <a:extLst>
+                  <a:ext uri="{FF2B5EF4-FFF2-40B4-BE49-F238E27FC236}">
+                    <a16:creationId xmlns:a16="http://schemas.microsoft.com/office/drawing/2014/main" id="{0AF16A8C-5723-45DC-8D71-B099E6C4C2EB}"/>
+                  </a:ext>
+                </a:extLst>
+              </p:cNvPr>
+              <p:cNvSpPr/>
+              <p:nvPr/>
+            </p:nvSpPr>
+            <p:spPr>
+              <a:xfrm>
+                <a:off x="7990063" y="4302749"/>
+                <a:ext cx="954310" cy="909332"/>
+              </a:xfrm>
+              <a:prstGeom prst="cube">
+                <a:avLst>
+                  <a:gd name="adj" fmla="val 74470"/>
+                </a:avLst>
+              </a:prstGeom>
+              <a:solidFill>
+                <a:schemeClr val="bg1"/>
+              </a:solidFill>
+              <a:ln>
+                <a:solidFill>
+                  <a:schemeClr val="accent3">
+                    <a:lumMod val="60000"/>
+                    <a:lumOff val="40000"/>
+                  </a:schemeClr>
+                </a:solidFill>
+              </a:ln>
+            </p:spPr>
+            <p:style>
+              <a:lnRef idx="2">
+                <a:schemeClr val="accent1">
+                  <a:shade val="50000"/>
+                </a:schemeClr>
+              </a:lnRef>
+              <a:fillRef idx="1">
+                <a:schemeClr val="accent1"/>
+              </a:fillRef>
+              <a:effectRef idx="0">
+                <a:schemeClr val="accent1"/>
+              </a:effectRef>
+              <a:fontRef idx="minor">
+                <a:schemeClr val="lt1"/>
+              </a:fontRef>
+            </p:style>
+            <p:txBody>
+              <a:bodyPr rtlCol="0" anchor="ctr"/>
+              <a:lstStyle/>
+              <a:p>
+                <a:pPr algn="ctr"/>
+                <a:endParaRPr lang="ko-KR" altLang="en-US"/>
+              </a:p>
+            </p:txBody>
+          </p:sp>
+          <p:sp>
+            <p:nvSpPr>
+              <p:cNvPr id="21" name="정육면체 20">
+                <a:extLst>
+                  <a:ext uri="{FF2B5EF4-FFF2-40B4-BE49-F238E27FC236}">
+                    <a16:creationId xmlns:a16="http://schemas.microsoft.com/office/drawing/2014/main" id="{170B56EE-3F32-4094-A1B2-CCE70359A5AE}"/>
+                  </a:ext>
+                </a:extLst>
+              </p:cNvPr>
+              <p:cNvSpPr/>
+              <p:nvPr/>
+            </p:nvSpPr>
+            <p:spPr>
+              <a:xfrm>
+                <a:off x="8346527" y="4302749"/>
+                <a:ext cx="954310" cy="909332"/>
+              </a:xfrm>
+              <a:prstGeom prst="cube">
+                <a:avLst>
+                  <a:gd name="adj" fmla="val 74470"/>
+                </a:avLst>
+              </a:prstGeom>
+              <a:solidFill>
+                <a:schemeClr val="bg1"/>
+              </a:solidFill>
+              <a:ln>
+                <a:solidFill>
+                  <a:schemeClr val="accent3">
+                    <a:lumMod val="60000"/>
+                    <a:lumOff val="40000"/>
+                  </a:schemeClr>
+                </a:solidFill>
+              </a:ln>
+            </p:spPr>
+            <p:style>
+              <a:lnRef idx="2">
+                <a:schemeClr val="accent1">
+                  <a:shade val="50000"/>
+                </a:schemeClr>
+              </a:lnRef>
+              <a:fillRef idx="1">
+                <a:schemeClr val="accent1"/>
+              </a:fillRef>
+              <a:effectRef idx="0">
+                <a:schemeClr val="accent1"/>
+              </a:effectRef>
+              <a:fontRef idx="minor">
+                <a:schemeClr val="lt1"/>
+              </a:fontRef>
+            </p:style>
+            <p:txBody>
+              <a:bodyPr rtlCol="0" anchor="ctr"/>
+              <a:lstStyle/>
+              <a:p>
+                <a:pPr algn="ctr"/>
+                <a:endParaRPr lang="ko-KR" altLang="en-US"/>
+              </a:p>
+            </p:txBody>
+          </p:sp>
+        </p:grpSp>
+        <p:sp>
+          <p:nvSpPr>
+            <p:cNvPr id="12" name="왼쪽 중괄호 11">
+              <a:extLst>
+                <a:ext uri="{FF2B5EF4-FFF2-40B4-BE49-F238E27FC236}">
+                  <a16:creationId xmlns:a16="http://schemas.microsoft.com/office/drawing/2014/main" id="{8E35EF64-4E62-4B0A-AFB5-1A3C91A20BAC}"/>
+                </a:ext>
+              </a:extLst>
+            </p:cNvPr>
+            <p:cNvSpPr/>
+            <p:nvPr/>
+          </p:nvSpPr>
+          <p:spPr>
+            <a:xfrm rot="16200000">
+              <a:off x="7982899" y="4435414"/>
+              <a:ext cx="226064" cy="1862374"/>
+            </a:xfrm>
+            <a:prstGeom prst="leftBrace">
+              <a:avLst/>
+            </a:prstGeom>
+            <a:ln>
+              <a:solidFill>
+                <a:schemeClr val="bg2">
+                  <a:lumMod val="50000"/>
+                </a:schemeClr>
+              </a:solidFill>
+            </a:ln>
+          </p:spPr>
+          <p:style>
+            <a:lnRef idx="1">
+              <a:schemeClr val="accent1"/>
+            </a:lnRef>
+            <a:fillRef idx="0">
+              <a:schemeClr val="accent1"/>
+            </a:fillRef>
+            <a:effectRef idx="0">
+              <a:schemeClr val="accent1"/>
+            </a:effectRef>
+            <a:fontRef idx="minor">
+              <a:schemeClr val="tx1"/>
+            </a:fontRef>
+          </p:style>
+          <p:txBody>
+            <a:bodyPr rtlCol="0" anchor="ctr"/>
+            <a:lstStyle/>
+            <a:p>
+              <a:pPr algn="ctr"/>
+              <a:endParaRPr lang="ko-KR" altLang="en-US"/>
+            </a:p>
+          </p:txBody>
+        </p:sp>
+        <p:sp>
+          <p:nvSpPr>
+            <p:cNvPr id="13" name="TextBox 12">
+              <a:extLst>
+                <a:ext uri="{FF2B5EF4-FFF2-40B4-BE49-F238E27FC236}">
+                  <a16:creationId xmlns:a16="http://schemas.microsoft.com/office/drawing/2014/main" id="{CC48F6D1-E9E0-479D-9794-2FF9FDCA3CF5}"/>
+                </a:ext>
+              </a:extLst>
+            </p:cNvPr>
+            <p:cNvSpPr txBox="1"/>
+            <p:nvPr/>
+          </p:nvSpPr>
+          <p:spPr>
+            <a:xfrm>
+              <a:off x="7572468" y="5479633"/>
+              <a:ext cx="1117908" cy="276999"/>
+            </a:xfrm>
+            <a:prstGeom prst="rect">
+              <a:avLst/>
+            </a:prstGeom>
+            <a:noFill/>
+          </p:spPr>
+          <p:txBody>
+            <a:bodyPr wrap="square">
+              <a:spAutoFit/>
+            </a:bodyPr>
+            <a:lstStyle/>
+            <a:p>
+              <a:r>
+                <a:rPr lang="en-US" altLang="ko-KR" sz="1200" dirty="0">
+                  <a:solidFill>
+                    <a:schemeClr val="tx1">
+                      <a:lumMod val="50000"/>
+                      <a:lumOff val="50000"/>
+                    </a:schemeClr>
+                  </a:solidFill>
+                </a:rPr>
+                <a:t>batch_size</a:t>
+              </a:r>
+              <a:endParaRPr lang="ko-KR" altLang="en-US" sz="1200" dirty="0">
+                <a:solidFill>
+                  <a:schemeClr val="tx1">
+                    <a:lumMod val="50000"/>
+                    <a:lumOff val="50000"/>
+                  </a:schemeClr>
+                </a:solidFill>
+              </a:endParaRPr>
+            </a:p>
+          </p:txBody>
+        </p:sp>
+        <p:sp>
+          <p:nvSpPr>
+            <p:cNvPr id="14" name="왼쪽 중괄호 13">
+              <a:extLst>
+                <a:ext uri="{FF2B5EF4-FFF2-40B4-BE49-F238E27FC236}">
+                  <a16:creationId xmlns:a16="http://schemas.microsoft.com/office/drawing/2014/main" id="{ACED6041-EDB4-4CF8-8902-86691CC22EA5}"/>
+                </a:ext>
+              </a:extLst>
+            </p:cNvPr>
+            <p:cNvSpPr/>
+            <p:nvPr/>
+          </p:nvSpPr>
+          <p:spPr>
+            <a:xfrm rot="13412710">
+              <a:off x="9451452" y="4620229"/>
+              <a:ext cx="196579" cy="786926"/>
+            </a:xfrm>
+            <a:prstGeom prst="leftBrace">
+              <a:avLst>
+                <a:gd name="adj1" fmla="val 8333"/>
+                <a:gd name="adj2" fmla="val 43433"/>
+              </a:avLst>
+            </a:prstGeom>
+            <a:ln>
+              <a:solidFill>
+                <a:schemeClr val="bg2">
+                  <a:lumMod val="50000"/>
+                </a:schemeClr>
+              </a:solidFill>
+            </a:ln>
+          </p:spPr>
+          <p:style>
+            <a:lnRef idx="1">
+              <a:schemeClr val="accent1"/>
+            </a:lnRef>
+            <a:fillRef idx="0">
+              <a:schemeClr val="accent1"/>
+            </a:fillRef>
+            <a:effectRef idx="0">
+              <a:schemeClr val="accent1"/>
+            </a:effectRef>
+            <a:fontRef idx="minor">
+              <a:schemeClr val="tx1"/>
+            </a:fontRef>
+          </p:style>
+          <p:txBody>
+            <a:bodyPr rtlCol="0" anchor="ctr"/>
+            <a:lstStyle/>
+            <a:p>
+              <a:pPr algn="ctr"/>
+              <a:endParaRPr lang="ko-KR" altLang="en-US"/>
+            </a:p>
+          </p:txBody>
+        </p:sp>
+        <p:sp>
+          <p:nvSpPr>
+            <p:cNvPr id="15" name="TextBox 14">
+              <a:extLst>
+                <a:ext uri="{FF2B5EF4-FFF2-40B4-BE49-F238E27FC236}">
+                  <a16:creationId xmlns:a16="http://schemas.microsoft.com/office/drawing/2014/main" id="{698B13DE-2ECB-45AD-A2BE-93FB0559F305}"/>
+                </a:ext>
+              </a:extLst>
+            </p:cNvPr>
+            <p:cNvSpPr txBox="1"/>
+            <p:nvPr/>
+          </p:nvSpPr>
+          <p:spPr>
+            <a:xfrm>
+              <a:off x="9458877" y="5115068"/>
+              <a:ext cx="1117908" cy="276999"/>
+            </a:xfrm>
+            <a:prstGeom prst="rect">
+              <a:avLst/>
+            </a:prstGeom>
+            <a:noFill/>
+          </p:spPr>
+          <p:txBody>
+            <a:bodyPr wrap="square">
+              <a:spAutoFit/>
+            </a:bodyPr>
+            <a:lstStyle/>
+            <a:p>
+              <a:r>
+                <a:rPr lang="en-US" altLang="ko-KR" sz="1200" dirty="0" err="1">
+                  <a:solidFill>
+                    <a:schemeClr val="tx1">
+                      <a:lumMod val="50000"/>
+                      <a:lumOff val="50000"/>
+                    </a:schemeClr>
+                  </a:solidFill>
+                </a:rPr>
+                <a:t>Output_dim</a:t>
+              </a:r>
+              <a:endParaRPr lang="ko-KR" altLang="en-US" sz="1200" dirty="0">
+                <a:solidFill>
+                  <a:schemeClr val="tx1">
+                    <a:lumMod val="50000"/>
+                    <a:lumOff val="50000"/>
+                  </a:schemeClr>
+                </a:solidFill>
+              </a:endParaRPr>
+            </a:p>
+          </p:txBody>
+        </p:sp>
+      </p:grpSp>
+      <p:cxnSp>
+        <p:nvCxnSpPr>
+          <p:cNvPr id="9" name="직선 연결선 8">
+            <a:extLst>
+              <a:ext uri="{FF2B5EF4-FFF2-40B4-BE49-F238E27FC236}">
+                <a16:creationId xmlns:a16="http://schemas.microsoft.com/office/drawing/2014/main" id="{789FE70E-ED3A-40F1-B14F-874E63EADA7D}"/>
+              </a:ext>
+            </a:extLst>
+          </p:cNvPr>
+          <p:cNvCxnSpPr>
+            <a:cxnSpLocks/>
+            <a:endCxn id="65" idx="1"/>
+          </p:cNvCxnSpPr>
+          <p:nvPr/>
+        </p:nvCxnSpPr>
+        <p:spPr>
+          <a:xfrm>
+            <a:off x="7222476" y="1596053"/>
+            <a:ext cx="938868" cy="8977"/>
+          </a:xfrm>
+          <a:prstGeom prst="line">
+            <a:avLst/>
+          </a:prstGeom>
+          <a:ln w="9525" cap="flat" cmpd="sng" algn="ctr">
+            <a:solidFill>
+              <a:schemeClr val="accent3"/>
+            </a:solidFill>
+            <a:prstDash val="dash"/>
+            <a:round/>
+            <a:headEnd type="none" w="med" len="med"/>
+            <a:tailEnd type="none" w="med" len="med"/>
+          </a:ln>
+        </p:spPr>
+        <p:style>
+          <a:lnRef idx="0">
+            <a:scrgbClr r="0" g="0" b="0"/>
+          </a:lnRef>
+          <a:fillRef idx="0">
+            <a:scrgbClr r="0" g="0" b="0"/>
+          </a:fillRef>
+          <a:effectRef idx="0">
+            <a:scrgbClr r="0" g="0" b="0"/>
+          </a:effectRef>
+          <a:fontRef idx="minor">
+            <a:schemeClr val="tx1"/>
+          </a:fontRef>
+        </p:style>
+      </p:cxnSp>
       <p:pic>
         <p:nvPicPr>
-          <p:cNvPr id="4" name="그림 3">
+          <p:cNvPr id="88" name="그림 87">
             <a:extLst>
               <a:ext uri="{FF2B5EF4-FFF2-40B4-BE49-F238E27FC236}">
-                <a16:creationId xmlns:a16="http://schemas.microsoft.com/office/drawing/2014/main" id="{D3412F07-970B-4300-BCEC-D266F729DD3F}"/>
+                <a16:creationId xmlns:a16="http://schemas.microsoft.com/office/drawing/2014/main" id="{3698DC03-1D93-4DE0-9DC0-4571CC999648}"/>
               </a:ext>
             </a:extLst>
           </p:cNvPr>
@@ -4072,15 +9350,16 @@
           </p:cNvPicPr>
           <p:nvPr/>
         </p:nvPicPr>
-        <p:blipFill rotWithShape="1">
+        <p:blipFill>
           <a:blip r:embed="rId2"/>
-          <a:srcRect l="44124" t="1394" r="8594" b="33488"/>
-          <a:stretch/>
+          <a:stretch>
+            <a:fillRect/>
+          </a:stretch>
         </p:blipFill>
         <p:spPr>
           <a:xfrm>
-            <a:off x="2499918" y="1367407"/>
-            <a:ext cx="2466365" cy="1988190"/>
+            <a:off x="5641620" y="6362528"/>
+            <a:ext cx="5630061" cy="3277057"/>
           </a:xfrm>
           <a:prstGeom prst="rect">
             <a:avLst/>

--- a/data_academy_vibration_model_des.pptx
+++ b/data_academy_vibration_model_des.pptx
@@ -260,7 +260,7 @@
           <a:p>
             <a:fld id="{4D76C6F1-D568-4AFF-9C57-1707EBA41C65}" type="datetimeFigureOut">
               <a:rPr lang="ko-KR" altLang="en-US" smtClean="0"/>
-              <a:t>2021-08-11</a:t>
+              <a:t>2021-08-12</a:t>
             </a:fld>
             <a:endParaRPr lang="ko-KR" altLang="en-US"/>
           </a:p>
@@ -458,7 +458,7 @@
           <a:p>
             <a:fld id="{4D76C6F1-D568-4AFF-9C57-1707EBA41C65}" type="datetimeFigureOut">
               <a:rPr lang="ko-KR" altLang="en-US" smtClean="0"/>
-              <a:t>2021-08-11</a:t>
+              <a:t>2021-08-12</a:t>
             </a:fld>
             <a:endParaRPr lang="ko-KR" altLang="en-US"/>
           </a:p>
@@ -666,7 +666,7 @@
           <a:p>
             <a:fld id="{4D76C6F1-D568-4AFF-9C57-1707EBA41C65}" type="datetimeFigureOut">
               <a:rPr lang="ko-KR" altLang="en-US" smtClean="0"/>
-              <a:t>2021-08-11</a:t>
+              <a:t>2021-08-12</a:t>
             </a:fld>
             <a:endParaRPr lang="ko-KR" altLang="en-US"/>
           </a:p>
@@ -864,7 +864,7 @@
           <a:p>
             <a:fld id="{4D76C6F1-D568-4AFF-9C57-1707EBA41C65}" type="datetimeFigureOut">
               <a:rPr lang="ko-KR" altLang="en-US" smtClean="0"/>
-              <a:t>2021-08-11</a:t>
+              <a:t>2021-08-12</a:t>
             </a:fld>
             <a:endParaRPr lang="ko-KR" altLang="en-US"/>
           </a:p>
@@ -1139,7 +1139,7 @@
           <a:p>
             <a:fld id="{4D76C6F1-D568-4AFF-9C57-1707EBA41C65}" type="datetimeFigureOut">
               <a:rPr lang="ko-KR" altLang="en-US" smtClean="0"/>
-              <a:t>2021-08-11</a:t>
+              <a:t>2021-08-12</a:t>
             </a:fld>
             <a:endParaRPr lang="ko-KR" altLang="en-US"/>
           </a:p>
@@ -1404,7 +1404,7 @@
           <a:p>
             <a:fld id="{4D76C6F1-D568-4AFF-9C57-1707EBA41C65}" type="datetimeFigureOut">
               <a:rPr lang="ko-KR" altLang="en-US" smtClean="0"/>
-              <a:t>2021-08-11</a:t>
+              <a:t>2021-08-12</a:t>
             </a:fld>
             <a:endParaRPr lang="ko-KR" altLang="en-US"/>
           </a:p>
@@ -1816,7 +1816,7 @@
           <a:p>
             <a:fld id="{4D76C6F1-D568-4AFF-9C57-1707EBA41C65}" type="datetimeFigureOut">
               <a:rPr lang="ko-KR" altLang="en-US" smtClean="0"/>
-              <a:t>2021-08-11</a:t>
+              <a:t>2021-08-12</a:t>
             </a:fld>
             <a:endParaRPr lang="ko-KR" altLang="en-US"/>
           </a:p>
@@ -1957,7 +1957,7 @@
           <a:p>
             <a:fld id="{4D76C6F1-D568-4AFF-9C57-1707EBA41C65}" type="datetimeFigureOut">
               <a:rPr lang="ko-KR" altLang="en-US" smtClean="0"/>
-              <a:t>2021-08-11</a:t>
+              <a:t>2021-08-12</a:t>
             </a:fld>
             <a:endParaRPr lang="ko-KR" altLang="en-US"/>
           </a:p>
@@ -2070,7 +2070,7 @@
           <a:p>
             <a:fld id="{4D76C6F1-D568-4AFF-9C57-1707EBA41C65}" type="datetimeFigureOut">
               <a:rPr lang="ko-KR" altLang="en-US" smtClean="0"/>
-              <a:t>2021-08-11</a:t>
+              <a:t>2021-08-12</a:t>
             </a:fld>
             <a:endParaRPr lang="ko-KR" altLang="en-US"/>
           </a:p>
@@ -2381,7 +2381,7 @@
           <a:p>
             <a:fld id="{4D76C6F1-D568-4AFF-9C57-1707EBA41C65}" type="datetimeFigureOut">
               <a:rPr lang="ko-KR" altLang="en-US" smtClean="0"/>
-              <a:t>2021-08-11</a:t>
+              <a:t>2021-08-12</a:t>
             </a:fld>
             <a:endParaRPr lang="ko-KR" altLang="en-US"/>
           </a:p>
@@ -2669,7 +2669,7 @@
           <a:p>
             <a:fld id="{4D76C6F1-D568-4AFF-9C57-1707EBA41C65}" type="datetimeFigureOut">
               <a:rPr lang="ko-KR" altLang="en-US" smtClean="0"/>
-              <a:t>2021-08-11</a:t>
+              <a:t>2021-08-12</a:t>
             </a:fld>
             <a:endParaRPr lang="ko-KR" altLang="en-US"/>
           </a:p>
@@ -2910,7 +2910,7 @@
           <a:p>
             <a:fld id="{4D76C6F1-D568-4AFF-9C57-1707EBA41C65}" type="datetimeFigureOut">
               <a:rPr lang="ko-KR" altLang="en-US" smtClean="0"/>
-              <a:t>2021-08-11</a:t>
+              <a:t>2021-08-12</a:t>
             </a:fld>
             <a:endParaRPr lang="ko-KR" altLang="en-US"/>
           </a:p>
@@ -3327,12 +3327,68 @@
           <a:chExt cx="0" cy="0"/>
         </a:xfrm>
       </p:grpSpPr>
+      <p:sp>
+        <p:nvSpPr>
+          <p:cNvPr id="64" name="사각형: 둥근 모서리 63">
+            <a:extLst>
+              <a:ext uri="{FF2B5EF4-FFF2-40B4-BE49-F238E27FC236}">
+                <a16:creationId xmlns:a16="http://schemas.microsoft.com/office/drawing/2014/main" id="{0FD69136-6C4F-4F0C-A00B-D71E7C0E3196}"/>
+              </a:ext>
+            </a:extLst>
+          </p:cNvPr>
+          <p:cNvSpPr/>
+          <p:nvPr/>
+        </p:nvSpPr>
+        <p:spPr>
+          <a:xfrm>
+            <a:off x="682540" y="1793906"/>
+            <a:ext cx="10798259" cy="4427910"/>
+          </a:xfrm>
+          <a:prstGeom prst="roundRect">
+            <a:avLst>
+              <a:gd name="adj" fmla="val 6859"/>
+            </a:avLst>
+          </a:prstGeom>
+          <a:noFill/>
+          <a:ln>
+            <a:solidFill>
+              <a:schemeClr val="accent4">
+                <a:lumMod val="75000"/>
+              </a:schemeClr>
+            </a:solidFill>
+          </a:ln>
+        </p:spPr>
+        <p:style>
+          <a:lnRef idx="2">
+            <a:schemeClr val="accent1">
+              <a:shade val="50000"/>
+            </a:schemeClr>
+          </a:lnRef>
+          <a:fillRef idx="1">
+            <a:schemeClr val="accent1"/>
+          </a:fillRef>
+          <a:effectRef idx="0">
+            <a:schemeClr val="accent1"/>
+          </a:effectRef>
+          <a:fontRef idx="minor">
+            <a:schemeClr val="lt1"/>
+          </a:fontRef>
+        </p:style>
+        <p:txBody>
+          <a:bodyPr rtlCol="0" anchor="ctr"/>
+          <a:lstStyle/>
+          <a:p>
+            <a:pPr algn="ctr"/>
+            <a:endParaRPr lang="ko-KR" altLang="en-US"/>
+          </a:p>
+        </p:txBody>
+      </p:sp>
       <p:grpSp>
         <p:nvGrpSpPr>
-          <p:cNvPr id="107" name="그룹 106">
+          <p:cNvPr id="65" name="그룹 64">
             <a:extLst>
               <a:ext uri="{FF2B5EF4-FFF2-40B4-BE49-F238E27FC236}">
-                <a16:creationId xmlns:a16="http://schemas.microsoft.com/office/drawing/2014/main" id="{B7E5202B-0533-4DD8-B8CA-4D85E696553A}"/>
+                <a16:creationId xmlns:a16="http://schemas.microsoft.com/office/drawing/2014/main" id="{543387E4-C494-4867-B740-5A4FC7F9E24C}"/>
               </a:ext>
             </a:extLst>
           </p:cNvPr>
@@ -3341,18 +3397,18 @@
         </p:nvGrpSpPr>
         <p:grpSpPr>
           <a:xfrm>
-            <a:off x="3706471" y="2952843"/>
-            <a:ext cx="5027690" cy="2670220"/>
-            <a:chOff x="3764096" y="2869805"/>
-            <a:chExt cx="5036350" cy="2696225"/>
+            <a:off x="3941354" y="2952377"/>
+            <a:ext cx="4585552" cy="2691294"/>
+            <a:chOff x="3999383" y="2869335"/>
+            <a:chExt cx="4593450" cy="2717505"/>
           </a:xfrm>
         </p:grpSpPr>
         <p:grpSp>
           <p:nvGrpSpPr>
-            <p:cNvPr id="13" name="그룹 12">
+            <p:cNvPr id="67" name="그룹 66">
               <a:extLst>
                 <a:ext uri="{FF2B5EF4-FFF2-40B4-BE49-F238E27FC236}">
-                  <a16:creationId xmlns:a16="http://schemas.microsoft.com/office/drawing/2014/main" id="{2445E9AA-4121-4BCC-AFB0-E462F21897F9}"/>
+                  <a16:creationId xmlns:a16="http://schemas.microsoft.com/office/drawing/2014/main" id="{DDEE84C5-85AB-4A96-8D97-5D3B5CB39809}"/>
                 </a:ext>
               </a:extLst>
             </p:cNvPr>
@@ -3361,10 +3417,10 @@
           </p:nvGrpSpPr>
           <p:grpSpPr>
             <a:xfrm>
-              <a:off x="3838078" y="2869805"/>
-              <a:ext cx="4869049" cy="2696225"/>
-              <a:chOff x="1421932" y="2260835"/>
-              <a:chExt cx="4858631" cy="2143388"/>
+              <a:off x="4198694" y="2869335"/>
+              <a:ext cx="4229652" cy="2717505"/>
+              <a:chOff x="1781778" y="2260462"/>
+              <a:chExt cx="4220602" cy="2160305"/>
             </a:xfrm>
             <a:solidFill>
               <a:schemeClr val="bg1"/>
@@ -3372,10 +3428,10 @@
           </p:grpSpPr>
           <p:grpSp>
             <p:nvGrpSpPr>
-              <p:cNvPr id="9" name="그룹 8">
+              <p:cNvPr id="72" name="그룹 71">
                 <a:extLst>
                   <a:ext uri="{FF2B5EF4-FFF2-40B4-BE49-F238E27FC236}">
-                    <a16:creationId xmlns:a16="http://schemas.microsoft.com/office/drawing/2014/main" id="{657185F3-94AF-4D22-917E-79FB2D08FC00}"/>
+                    <a16:creationId xmlns:a16="http://schemas.microsoft.com/office/drawing/2014/main" id="{A5879FE8-9F40-41D3-B98F-3853FDA991C8}"/>
                   </a:ext>
                 </a:extLst>
               </p:cNvPr>
@@ -3384,19 +3440,19 @@
             </p:nvGrpSpPr>
             <p:grpSpPr>
               <a:xfrm>
-                <a:off x="1421932" y="2260835"/>
-                <a:ext cx="4858631" cy="2143388"/>
-                <a:chOff x="1421932" y="2260835"/>
-                <a:chExt cx="4858631" cy="2143388"/>
+                <a:off x="1781778" y="2260462"/>
+                <a:ext cx="4220602" cy="2160305"/>
+                <a:chOff x="1781778" y="2260462"/>
+                <a:chExt cx="4220602" cy="2160305"/>
               </a:xfrm>
               <a:grpFill/>
             </p:grpSpPr>
             <p:sp>
               <p:nvSpPr>
-                <p:cNvPr id="5" name="사각형: 잘린 위쪽 모서리 4">
+                <p:cNvPr id="74" name="사각형: 잘린 위쪽 모서리 73">
                   <a:extLst>
                     <a:ext uri="{FF2B5EF4-FFF2-40B4-BE49-F238E27FC236}">
-                      <a16:creationId xmlns:a16="http://schemas.microsoft.com/office/drawing/2014/main" id="{6284B1B2-6E23-4E37-BD98-99DFD0A0A770}"/>
+                      <a16:creationId xmlns:a16="http://schemas.microsoft.com/office/drawing/2014/main" id="{B5584720-5C20-4BC0-8588-E04E399EBF07}"/>
                     </a:ext>
                   </a:extLst>
                 </p:cNvPr>
@@ -3405,8 +3461,8 @@
               </p:nvSpPr>
               <p:spPr>
                 <a:xfrm rot="5400000">
-                  <a:off x="843092" y="2839675"/>
-                  <a:ext cx="2143388" cy="985707"/>
+                  <a:off x="1093982" y="2965175"/>
+                  <a:ext cx="2143388" cy="767796"/>
                 </a:xfrm>
                 <a:prstGeom prst="snip2SameRect">
                   <a:avLst>
@@ -3441,10 +3497,10 @@
             </p:sp>
             <p:sp>
               <p:nvSpPr>
-                <p:cNvPr id="6" name="사각형: 잘린 위쪽 모서리 5">
+                <p:cNvPr id="75" name="사각형: 잘린 위쪽 모서리 74">
                   <a:extLst>
                     <a:ext uri="{FF2B5EF4-FFF2-40B4-BE49-F238E27FC236}">
-                      <a16:creationId xmlns:a16="http://schemas.microsoft.com/office/drawing/2014/main" id="{AB08929F-0442-44EE-9030-F3495ABE4F3B}"/>
+                      <a16:creationId xmlns:a16="http://schemas.microsoft.com/office/drawing/2014/main" id="{DBBC0E1A-C140-4EBF-9696-47764A3CABC2}"/>
                     </a:ext>
                   </a:extLst>
                 </p:cNvPr>
@@ -3489,10 +3545,10 @@
             </p:sp>
             <p:sp>
               <p:nvSpPr>
-                <p:cNvPr id="7" name="사각형: 잘린 위쪽 모서리 6">
+                <p:cNvPr id="76" name="사각형: 잘린 위쪽 모서리 75">
                   <a:extLst>
                     <a:ext uri="{FF2B5EF4-FFF2-40B4-BE49-F238E27FC236}">
-                      <a16:creationId xmlns:a16="http://schemas.microsoft.com/office/drawing/2014/main" id="{B4533D6E-8E2A-454C-962F-806A01FB6840}"/>
+                      <a16:creationId xmlns:a16="http://schemas.microsoft.com/office/drawing/2014/main" id="{98A0FE9F-72F9-4BD9-8387-B6A69CDDACC6}"/>
                     </a:ext>
                   </a:extLst>
                 </p:cNvPr>
@@ -3501,8 +3557,8 @@
               </p:nvSpPr>
               <p:spPr>
                 <a:xfrm rot="16200000">
-                  <a:off x="4716016" y="2839675"/>
-                  <a:ext cx="2143388" cy="985707"/>
+                  <a:off x="4500384" y="2901854"/>
+                  <a:ext cx="2143388" cy="860604"/>
                 </a:xfrm>
                 <a:prstGeom prst="snip2SameRect">
                   <a:avLst>
@@ -3537,10 +3593,10 @@
             </p:sp>
             <p:sp>
               <p:nvSpPr>
-                <p:cNvPr id="8" name="사각형: 잘린 위쪽 모서리 7">
+                <p:cNvPr id="77" name="사각형: 잘린 위쪽 모서리 76">
                   <a:extLst>
                     <a:ext uri="{FF2B5EF4-FFF2-40B4-BE49-F238E27FC236}">
-                      <a16:creationId xmlns:a16="http://schemas.microsoft.com/office/drawing/2014/main" id="{6468520B-9E68-4F86-AE5F-CD40600DFC5E}"/>
+                      <a16:creationId xmlns:a16="http://schemas.microsoft.com/office/drawing/2014/main" id="{1285429A-6129-4E7C-8993-891C75E3A089}"/>
                     </a:ext>
                   </a:extLst>
                 </p:cNvPr>
@@ -3586,10 +3642,10 @@
           </p:grpSp>
           <p:sp>
             <p:nvSpPr>
-              <p:cNvPr id="12" name="직사각형 11">
+              <p:cNvPr id="73" name="직사각형 72">
                 <a:extLst>
                   <a:ext uri="{FF2B5EF4-FFF2-40B4-BE49-F238E27FC236}">
-                    <a16:creationId xmlns:a16="http://schemas.microsoft.com/office/drawing/2014/main" id="{654DF279-941C-4DCE-B138-9ADF674BBF47}"/>
+                    <a16:creationId xmlns:a16="http://schemas.microsoft.com/office/drawing/2014/main" id="{A19CD558-C3A7-4286-B88B-A8049262B445}"/>
                   </a:ext>
                 </a:extLst>
               </p:cNvPr>
@@ -3643,10 +3699,10 @@
         </p:grpSp>
         <p:sp>
           <p:nvSpPr>
-            <p:cNvPr id="103" name="TextBox 102">
+            <p:cNvPr id="68" name="TextBox 67">
               <a:extLst>
                 <a:ext uri="{FF2B5EF4-FFF2-40B4-BE49-F238E27FC236}">
-                  <a16:creationId xmlns:a16="http://schemas.microsoft.com/office/drawing/2014/main" id="{1079EFCE-57D0-42E2-8D4B-BCBF570F0268}"/>
+                  <a16:creationId xmlns:a16="http://schemas.microsoft.com/office/drawing/2014/main" id="{183DC2B1-4F62-46AE-A6C6-2D8B859541F7}"/>
                 </a:ext>
               </a:extLst>
             </p:cNvPr>
@@ -3655,7 +3711,7 @@
           </p:nvSpPr>
           <p:spPr>
             <a:xfrm>
-              <a:off x="3764096" y="3861856"/>
+              <a:off x="3999383" y="4021305"/>
               <a:ext cx="1174458" cy="646331"/>
             </a:xfrm>
             <a:prstGeom prst="rect">
@@ -3687,10 +3743,10 @@
         </p:sp>
         <p:sp>
           <p:nvSpPr>
-            <p:cNvPr id="104" name="TextBox 103">
+            <p:cNvPr id="69" name="TextBox 68">
               <a:extLst>
                 <a:ext uri="{FF2B5EF4-FFF2-40B4-BE49-F238E27FC236}">
-                  <a16:creationId xmlns:a16="http://schemas.microsoft.com/office/drawing/2014/main" id="{9EAF559C-3EF1-47F4-85FF-0996C3E69865}"/>
+                  <a16:creationId xmlns:a16="http://schemas.microsoft.com/office/drawing/2014/main" id="{75D71B9E-9C65-471D-910D-10C6FA9A94BA}"/>
                 </a:ext>
               </a:extLst>
             </p:cNvPr>
@@ -3699,7 +3755,7 @@
           </p:nvSpPr>
           <p:spPr>
             <a:xfrm>
-              <a:off x="4845235" y="3861856"/>
+              <a:off x="4844973" y="4013441"/>
               <a:ext cx="1174458" cy="523220"/>
             </a:xfrm>
             <a:prstGeom prst="rect">
@@ -3731,10 +3787,10 @@
         </p:sp>
         <p:sp>
           <p:nvSpPr>
-            <p:cNvPr id="105" name="TextBox 104">
+            <p:cNvPr id="70" name="TextBox 69">
               <a:extLst>
                 <a:ext uri="{FF2B5EF4-FFF2-40B4-BE49-F238E27FC236}">
-                  <a16:creationId xmlns:a16="http://schemas.microsoft.com/office/drawing/2014/main" id="{136D49F3-C38F-45C1-97EE-CE22E6890DC7}"/>
+                  <a16:creationId xmlns:a16="http://schemas.microsoft.com/office/drawing/2014/main" id="{2717605A-04A8-47CD-AF5F-6D24E0181942}"/>
                 </a:ext>
               </a:extLst>
             </p:cNvPr>
@@ -3743,7 +3799,7 @@
           </p:nvSpPr>
           <p:spPr>
             <a:xfrm>
-              <a:off x="6477031" y="3826594"/>
+              <a:off x="6484759" y="4011018"/>
               <a:ext cx="1174458" cy="523220"/>
             </a:xfrm>
             <a:prstGeom prst="rect">
@@ -3775,10 +3831,10 @@
         </p:sp>
         <p:sp>
           <p:nvSpPr>
-            <p:cNvPr id="106" name="TextBox 105">
+            <p:cNvPr id="71" name="TextBox 70">
               <a:extLst>
                 <a:ext uri="{FF2B5EF4-FFF2-40B4-BE49-F238E27FC236}">
-                  <a16:creationId xmlns:a16="http://schemas.microsoft.com/office/drawing/2014/main" id="{64A5A500-D337-4955-A963-66367A1625A4}"/>
+                  <a16:creationId xmlns:a16="http://schemas.microsoft.com/office/drawing/2014/main" id="{E47B13BA-971A-4EC3-A509-C3B6AA3D6A1E}"/>
                 </a:ext>
               </a:extLst>
             </p:cNvPr>
@@ -3787,7 +3843,7 @@
           </p:nvSpPr>
           <p:spPr>
             <a:xfrm>
-              <a:off x="7625988" y="3796533"/>
+              <a:off x="7418375" y="3948995"/>
               <a:ext cx="1174458" cy="646331"/>
             </a:xfrm>
             <a:prstGeom prst="rect">
@@ -3820,80 +3876,10 @@
       </p:grpSp>
       <p:pic>
         <p:nvPicPr>
-          <p:cNvPr id="109" name="그림 108">
+          <p:cNvPr id="78" name="그림 77">
             <a:extLst>
               <a:ext uri="{FF2B5EF4-FFF2-40B4-BE49-F238E27FC236}">
-                <a16:creationId xmlns:a16="http://schemas.microsoft.com/office/drawing/2014/main" id="{A936C52A-8879-44CD-BB17-229A55628ECF}"/>
-              </a:ext>
-            </a:extLst>
-          </p:cNvPr>
-          <p:cNvPicPr>
-            <a:picLocks noChangeAspect="1"/>
-          </p:cNvPicPr>
-          <p:nvPr/>
-        </p:nvPicPr>
-        <p:blipFill rotWithShape="1">
-          <a:blip r:embed="rId2">
-            <a:extLst>
-              <a:ext uri="{28A0092B-C50C-407E-A947-70E740481C1C}">
-                <a14:useLocalDpi xmlns:a14="http://schemas.microsoft.com/office/drawing/2010/main" val="0"/>
-              </a:ext>
-            </a:extLst>
-          </a:blip>
-          <a:srcRect l="7205" t="8571" r="8240" b="7090"/>
-          <a:stretch/>
-        </p:blipFill>
-        <p:spPr>
-          <a:xfrm>
-            <a:off x="7714340" y="721360"/>
-            <a:ext cx="3454666" cy="1837746"/>
-          </a:xfrm>
-          <a:prstGeom prst="rect">
-            <a:avLst/>
-          </a:prstGeom>
-        </p:spPr>
-      </p:pic>
-      <p:pic>
-        <p:nvPicPr>
-          <p:cNvPr id="111" name="그림 110">
-            <a:extLst>
-              <a:ext uri="{FF2B5EF4-FFF2-40B4-BE49-F238E27FC236}">
-                <a16:creationId xmlns:a16="http://schemas.microsoft.com/office/drawing/2014/main" id="{3B7807B2-CE7B-4485-83A7-9D9EDA25A2E6}"/>
-              </a:ext>
-            </a:extLst>
-          </p:cNvPr>
-          <p:cNvPicPr>
-            <a:picLocks noChangeAspect="1"/>
-          </p:cNvPicPr>
-          <p:nvPr/>
-        </p:nvPicPr>
-        <p:blipFill rotWithShape="1">
-          <a:blip r:embed="rId3">
-            <a:extLst>
-              <a:ext uri="{28A0092B-C50C-407E-A947-70E740481C1C}">
-                <a14:useLocalDpi xmlns:a14="http://schemas.microsoft.com/office/drawing/2010/main" val="0"/>
-              </a:ext>
-            </a:extLst>
-          </a:blip>
-          <a:srcRect l="7332" t="9047" r="8724" b="3802"/>
-          <a:stretch/>
-        </p:blipFill>
-        <p:spPr>
-          <a:xfrm>
-            <a:off x="942504" y="718990"/>
-            <a:ext cx="3369391" cy="1865672"/>
-          </a:xfrm>
-          <a:prstGeom prst="rect">
-            <a:avLst/>
-          </a:prstGeom>
-        </p:spPr>
-      </p:pic>
-      <p:pic>
-        <p:nvPicPr>
-          <p:cNvPr id="3" name="그림 2">
-            <a:extLst>
-              <a:ext uri="{FF2B5EF4-FFF2-40B4-BE49-F238E27FC236}">
-                <a16:creationId xmlns:a16="http://schemas.microsoft.com/office/drawing/2014/main" id="{98224621-BE3B-454F-B4EB-DC8C0A2161FC}"/>
+                <a16:creationId xmlns:a16="http://schemas.microsoft.com/office/drawing/2014/main" id="{A7692C78-1273-424B-B835-10B9D8658948}"/>
               </a:ext>
             </a:extLst>
           </p:cNvPr>
@@ -3903,14 +3889,14 @@
           <p:nvPr/>
         </p:nvPicPr>
         <p:blipFill>
-          <a:blip r:embed="rId4"/>
+          <a:blip r:embed="rId2"/>
           <a:stretch>
             <a:fillRect/>
           </a:stretch>
         </p:blipFill>
         <p:spPr>
           <a:xfrm>
-            <a:off x="5010993" y="1843539"/>
+            <a:off x="4976779" y="1912259"/>
             <a:ext cx="2700369" cy="1571788"/>
           </a:xfrm>
           <a:prstGeom prst="rect">
@@ -3920,10 +3906,10 @@
       </p:pic>
       <p:grpSp>
         <p:nvGrpSpPr>
-          <p:cNvPr id="22" name="그룹 21">
+          <p:cNvPr id="79" name="그룹 78">
             <a:extLst>
               <a:ext uri="{FF2B5EF4-FFF2-40B4-BE49-F238E27FC236}">
-                <a16:creationId xmlns:a16="http://schemas.microsoft.com/office/drawing/2014/main" id="{42558EB7-6AD3-4214-BC21-161E64DB91E3}"/>
+                <a16:creationId xmlns:a16="http://schemas.microsoft.com/office/drawing/2014/main" id="{9C1351FE-E4CF-4B00-9B58-E3025A9DA691}"/>
               </a:ext>
             </a:extLst>
           </p:cNvPr>
@@ -3932,18 +3918,18 @@
         </p:nvGrpSpPr>
         <p:grpSpPr>
           <a:xfrm>
-            <a:off x="522797" y="2572021"/>
-            <a:ext cx="3631360" cy="3873623"/>
-            <a:chOff x="1614498" y="796667"/>
-            <a:chExt cx="3631360" cy="3873623"/>
+            <a:off x="787593" y="2229483"/>
+            <a:ext cx="3070617" cy="3856639"/>
+            <a:chOff x="1003961" y="813651"/>
+            <a:chExt cx="3070617" cy="3856639"/>
           </a:xfrm>
         </p:grpSpPr>
         <p:sp>
           <p:nvSpPr>
-            <p:cNvPr id="23" name="TextBox 22">
+            <p:cNvPr id="80" name="TextBox 79">
               <a:extLst>
                 <a:ext uri="{FF2B5EF4-FFF2-40B4-BE49-F238E27FC236}">
-                  <a16:creationId xmlns:a16="http://schemas.microsoft.com/office/drawing/2014/main" id="{67358FA8-4144-419C-9B48-02F16DFEF4EB}"/>
+                  <a16:creationId xmlns:a16="http://schemas.microsoft.com/office/drawing/2014/main" id="{A57D637F-1359-4913-9AAA-7B6D92D300F8}"/>
                 </a:ext>
               </a:extLst>
             </p:cNvPr>
@@ -3952,7 +3938,7 @@
           </p:nvSpPr>
           <p:spPr>
             <a:xfrm>
-              <a:off x="1889790" y="796667"/>
+              <a:off x="1660689" y="813651"/>
               <a:ext cx="2413889" cy="707886"/>
             </a:xfrm>
             <a:prstGeom prst="rect">
@@ -3986,15 +3972,7 @@
             <a:p>
               <a:r>
                 <a:rPr lang="en-US" altLang="ko-KR" sz="1000" dirty="0"/>
-                <a:t>(batch_size,  </a:t>
-              </a:r>
-              <a:r>
-                <a:rPr lang="en-US" altLang="ko-KR" sz="1000" dirty="0" err="1"/>
-                <a:t>input_dim</a:t>
-              </a:r>
-              <a:r>
-                <a:rPr lang="en-US" altLang="ko-KR" sz="1000" dirty="0"/>
-                <a:t>, timesteps)</a:t>
+                <a:t>(Batch-size, Input-dim, Timesteps)</a:t>
               </a:r>
               <a:endParaRPr lang="ko-KR" altLang="en-US" sz="1000" dirty="0"/>
             </a:p>
@@ -4002,10 +3980,10 @@
         </p:sp>
         <p:grpSp>
           <p:nvGrpSpPr>
-            <p:cNvPr id="24" name="그룹 23">
+            <p:cNvPr id="81" name="그룹 80">
               <a:extLst>
                 <a:ext uri="{FF2B5EF4-FFF2-40B4-BE49-F238E27FC236}">
-                  <a16:creationId xmlns:a16="http://schemas.microsoft.com/office/drawing/2014/main" id="{4A420FB7-1BA3-4AFC-B3D7-BF0A25644904}"/>
+                  <a16:creationId xmlns:a16="http://schemas.microsoft.com/office/drawing/2014/main" id="{A686C8B7-0AC5-46D2-BEDA-701156C7B3B0}"/>
                 </a:ext>
               </a:extLst>
             </p:cNvPr>
@@ -4014,18 +3992,18 @@
           </p:nvGrpSpPr>
           <p:grpSpPr>
             <a:xfrm>
-              <a:off x="1614498" y="1542333"/>
-              <a:ext cx="3631360" cy="3127957"/>
-              <a:chOff x="1823311" y="1631495"/>
-              <a:chExt cx="3631360" cy="3127957"/>
+              <a:off x="1003961" y="1542333"/>
+              <a:ext cx="2853439" cy="3127957"/>
+              <a:chOff x="1212774" y="1631495"/>
+              <a:chExt cx="2853439" cy="3127957"/>
             </a:xfrm>
           </p:grpSpPr>
           <p:grpSp>
             <p:nvGrpSpPr>
-              <p:cNvPr id="25" name="그룹 24">
+              <p:cNvPr id="82" name="그룹 81">
                 <a:extLst>
                   <a:ext uri="{FF2B5EF4-FFF2-40B4-BE49-F238E27FC236}">
-                    <a16:creationId xmlns:a16="http://schemas.microsoft.com/office/drawing/2014/main" id="{1708E1B3-8FEE-4DD7-8BF8-52FFD1A085C9}"/>
+                    <a16:creationId xmlns:a16="http://schemas.microsoft.com/office/drawing/2014/main" id="{AFD03574-1A8B-4FCE-ACB6-49824CFFF50F}"/>
                   </a:ext>
                 </a:extLst>
               </p:cNvPr>
@@ -4042,10 +4020,10 @@
             </p:grpSpPr>
             <p:sp>
               <p:nvSpPr>
-                <p:cNvPr id="39" name="정육면체 38">
+                <p:cNvPr id="96" name="정육면체 95">
                   <a:extLst>
                     <a:ext uri="{FF2B5EF4-FFF2-40B4-BE49-F238E27FC236}">
-                      <a16:creationId xmlns:a16="http://schemas.microsoft.com/office/drawing/2014/main" id="{4C54220E-55DD-4110-BA2E-E715286EEA95}"/>
+                      <a16:creationId xmlns:a16="http://schemas.microsoft.com/office/drawing/2014/main" id="{5D0380AE-5F6E-4155-8D98-4093C24EDC07}"/>
                     </a:ext>
                   </a:extLst>
                 </p:cNvPr>
@@ -4101,10 +4079,10 @@
             </p:sp>
             <p:sp>
               <p:nvSpPr>
-                <p:cNvPr id="40" name="정육면체 39">
+                <p:cNvPr id="97" name="정육면체 96">
                   <a:extLst>
                     <a:ext uri="{FF2B5EF4-FFF2-40B4-BE49-F238E27FC236}">
-                      <a16:creationId xmlns:a16="http://schemas.microsoft.com/office/drawing/2014/main" id="{BDF442A6-7463-45AE-B83A-0160895043C9}"/>
+                      <a16:creationId xmlns:a16="http://schemas.microsoft.com/office/drawing/2014/main" id="{DE382527-0D4F-4093-9BC3-331A5F629F59}"/>
                     </a:ext>
                   </a:extLst>
                 </p:cNvPr>
@@ -4160,10 +4138,10 @@
             </p:sp>
             <p:sp>
               <p:nvSpPr>
-                <p:cNvPr id="41" name="정육면체 40">
+                <p:cNvPr id="98" name="정육면체 97">
                   <a:extLst>
                     <a:ext uri="{FF2B5EF4-FFF2-40B4-BE49-F238E27FC236}">
-                      <a16:creationId xmlns:a16="http://schemas.microsoft.com/office/drawing/2014/main" id="{5D789C18-745B-42BB-8AB8-F5E62BF4E2D1}"/>
+                      <a16:creationId xmlns:a16="http://schemas.microsoft.com/office/drawing/2014/main" id="{5DD9D650-126E-414B-8770-C66252A41A01}"/>
                     </a:ext>
                   </a:extLst>
                 </p:cNvPr>
@@ -4219,10 +4197,10 @@
             </p:sp>
             <p:sp>
               <p:nvSpPr>
-                <p:cNvPr id="42" name="정육면체 41">
+                <p:cNvPr id="99" name="정육면체 98">
                   <a:extLst>
                     <a:ext uri="{FF2B5EF4-FFF2-40B4-BE49-F238E27FC236}">
-                      <a16:creationId xmlns:a16="http://schemas.microsoft.com/office/drawing/2014/main" id="{05510855-EF13-4189-BA02-E262764E7809}"/>
+                      <a16:creationId xmlns:a16="http://schemas.microsoft.com/office/drawing/2014/main" id="{B305FED4-E106-4A0E-956B-3AD287F6B493}"/>
                     </a:ext>
                   </a:extLst>
                 </p:cNvPr>
@@ -4279,10 +4257,10 @@
           </p:grpSp>
           <p:sp>
             <p:nvSpPr>
-              <p:cNvPr id="26" name="왼쪽 중괄호 25">
+              <p:cNvPr id="83" name="왼쪽 중괄호 82">
                 <a:extLst>
                   <a:ext uri="{FF2B5EF4-FFF2-40B4-BE49-F238E27FC236}">
-                    <a16:creationId xmlns:a16="http://schemas.microsoft.com/office/drawing/2014/main" id="{8687052A-E66F-4C65-A527-B4AA5D7D4064}"/>
+                    <a16:creationId xmlns:a16="http://schemas.microsoft.com/office/drawing/2014/main" id="{FBB5D575-FD54-42A7-9279-ADA07F38C6AC}"/>
                   </a:ext>
                 </a:extLst>
               </p:cNvPr>
@@ -4330,10 +4308,10 @@
           </p:sp>
           <p:sp>
             <p:nvSpPr>
-              <p:cNvPr id="27" name="TextBox 26">
+              <p:cNvPr id="84" name="TextBox 83">
                 <a:extLst>
                   <a:ext uri="{FF2B5EF4-FFF2-40B4-BE49-F238E27FC236}">
-                    <a16:creationId xmlns:a16="http://schemas.microsoft.com/office/drawing/2014/main" id="{38B2A3F8-D7EB-4F38-8983-531DC9B109ED}"/>
+                    <a16:creationId xmlns:a16="http://schemas.microsoft.com/office/drawing/2014/main" id="{28DAB177-4103-404D-A450-2A01809C458F}"/>
                   </a:ext>
                 </a:extLst>
               </p:cNvPr>
@@ -4365,7 +4343,7 @@
                       </a:schemeClr>
                     </a:solidFill>
                   </a:rPr>
-                  <a:t>batch_size</a:t>
+                  <a:t>Batch-size</a:t>
                 </a:r>
                 <a:endParaRPr lang="ko-KR" altLang="en-US" sz="1200" dirty="0">
                   <a:solidFill>
@@ -4380,10 +4358,10 @@
           </p:sp>
           <p:cxnSp>
             <p:nvCxnSpPr>
-              <p:cNvPr id="28" name="직선 연결선 27">
+              <p:cNvPr id="85" name="직선 연결선 84">
                 <a:extLst>
                   <a:ext uri="{FF2B5EF4-FFF2-40B4-BE49-F238E27FC236}">
-                    <a16:creationId xmlns:a16="http://schemas.microsoft.com/office/drawing/2014/main" id="{0E0A4FF3-EF09-4F6C-A8A2-5B159F71B302}"/>
+                    <a16:creationId xmlns:a16="http://schemas.microsoft.com/office/drawing/2014/main" id="{34CD4A15-FCC3-47B8-9ED5-0101DBE13973}"/>
                   </a:ext>
                 </a:extLst>
               </p:cNvPr>
@@ -4425,10 +4403,10 @@
           </p:cxnSp>
           <p:cxnSp>
             <p:nvCxnSpPr>
-              <p:cNvPr id="29" name="직선 연결선 28">
+              <p:cNvPr id="86" name="직선 연결선 85">
                 <a:extLst>
                   <a:ext uri="{FF2B5EF4-FFF2-40B4-BE49-F238E27FC236}">
-                    <a16:creationId xmlns:a16="http://schemas.microsoft.com/office/drawing/2014/main" id="{5175EA4F-0DCC-4E5F-B7E1-B82FCFE8B6CC}"/>
+                    <a16:creationId xmlns:a16="http://schemas.microsoft.com/office/drawing/2014/main" id="{03CDE8E4-02AE-4B58-A4B2-DE8A7561AC2A}"/>
                   </a:ext>
                 </a:extLst>
               </p:cNvPr>
@@ -4470,10 +4448,10 @@
           </p:cxnSp>
           <p:grpSp>
             <p:nvGrpSpPr>
-              <p:cNvPr id="30" name="그룹 29">
+              <p:cNvPr id="87" name="그룹 86">
                 <a:extLst>
                   <a:ext uri="{FF2B5EF4-FFF2-40B4-BE49-F238E27FC236}">
-                    <a16:creationId xmlns:a16="http://schemas.microsoft.com/office/drawing/2014/main" id="{0CE99D19-5EAA-4194-862B-A8C63DE734AF}"/>
+                    <a16:creationId xmlns:a16="http://schemas.microsoft.com/office/drawing/2014/main" id="{E3060F06-4647-4C4B-BE67-42301FFB8183}"/>
                   </a:ext>
                 </a:extLst>
               </p:cNvPr>
@@ -4490,10 +4468,10 @@
             </p:grpSpPr>
             <p:cxnSp>
               <p:nvCxnSpPr>
-                <p:cNvPr id="37" name="직선 연결선 36">
+                <p:cNvPr id="94" name="직선 연결선 93">
                   <a:extLst>
                     <a:ext uri="{FF2B5EF4-FFF2-40B4-BE49-F238E27FC236}">
-                      <a16:creationId xmlns:a16="http://schemas.microsoft.com/office/drawing/2014/main" id="{9A0E67DA-CA60-433F-A360-F14369D91F3C}"/>
+                      <a16:creationId xmlns:a16="http://schemas.microsoft.com/office/drawing/2014/main" id="{22CBC682-DCCA-4642-97E6-F8284F4A6598}"/>
                     </a:ext>
                   </a:extLst>
                 </p:cNvPr>
@@ -4535,10 +4513,10 @@
             </p:cxnSp>
             <p:cxnSp>
               <p:nvCxnSpPr>
-                <p:cNvPr id="38" name="직선 연결선 37">
+                <p:cNvPr id="95" name="직선 연결선 94">
                   <a:extLst>
                     <a:ext uri="{FF2B5EF4-FFF2-40B4-BE49-F238E27FC236}">
-                      <a16:creationId xmlns:a16="http://schemas.microsoft.com/office/drawing/2014/main" id="{C82F5698-EDB1-46DA-9054-F79C327AA0E6}"/>
+                      <a16:creationId xmlns:a16="http://schemas.microsoft.com/office/drawing/2014/main" id="{2B4DEBED-B350-4D10-9FB1-C92D6F5D4175}"/>
                     </a:ext>
                   </a:extLst>
                 </p:cNvPr>
@@ -4581,10 +4559,10 @@
           </p:grpSp>
           <p:cxnSp>
             <p:nvCxnSpPr>
-              <p:cNvPr id="31" name="직선 연결선 30">
+              <p:cNvPr id="88" name="직선 연결선 87">
                 <a:extLst>
                   <a:ext uri="{FF2B5EF4-FFF2-40B4-BE49-F238E27FC236}">
-                    <a16:creationId xmlns:a16="http://schemas.microsoft.com/office/drawing/2014/main" id="{7D28CE28-AF0E-47A3-8CF7-0C087815F543}"/>
+                    <a16:creationId xmlns:a16="http://schemas.microsoft.com/office/drawing/2014/main" id="{BEA7B554-5DFA-4F5B-B52F-DAE69871F548}"/>
                   </a:ext>
                 </a:extLst>
               </p:cNvPr>
@@ -4626,10 +4604,10 @@
           </p:cxnSp>
           <p:cxnSp>
             <p:nvCxnSpPr>
-              <p:cNvPr id="32" name="직선 연결선 31">
+              <p:cNvPr id="89" name="직선 연결선 88">
                 <a:extLst>
                   <a:ext uri="{FF2B5EF4-FFF2-40B4-BE49-F238E27FC236}">
-                    <a16:creationId xmlns:a16="http://schemas.microsoft.com/office/drawing/2014/main" id="{6365B366-172A-42D2-BF94-3652643F4C19}"/>
+                    <a16:creationId xmlns:a16="http://schemas.microsoft.com/office/drawing/2014/main" id="{28320E40-EE8C-46F3-8561-F635CDA5DA86}"/>
                   </a:ext>
                 </a:extLst>
               </p:cNvPr>
@@ -4671,10 +4649,10 @@
           </p:cxnSp>
           <p:sp>
             <p:nvSpPr>
-              <p:cNvPr id="33" name="왼쪽 중괄호 32">
+              <p:cNvPr id="90" name="왼쪽 중괄호 89">
                 <a:extLst>
                   <a:ext uri="{FF2B5EF4-FFF2-40B4-BE49-F238E27FC236}">
-                    <a16:creationId xmlns:a16="http://schemas.microsoft.com/office/drawing/2014/main" id="{1AD025C2-2F2A-4971-8B59-2D9F643D90FB}"/>
+                    <a16:creationId xmlns:a16="http://schemas.microsoft.com/office/drawing/2014/main" id="{5544692F-E58A-4559-A38A-4F09A2AF3DCD}"/>
                   </a:ext>
                 </a:extLst>
               </p:cNvPr>
@@ -4725,10 +4703,10 @@
           </p:sp>
           <p:sp>
             <p:nvSpPr>
-              <p:cNvPr id="34" name="TextBox 33">
+              <p:cNvPr id="91" name="TextBox 90">
                 <a:extLst>
                   <a:ext uri="{FF2B5EF4-FFF2-40B4-BE49-F238E27FC236}">
-                    <a16:creationId xmlns:a16="http://schemas.microsoft.com/office/drawing/2014/main" id="{50B2C6F9-ECC5-4A8A-8352-D4651CF258AE}"/>
+                    <a16:creationId xmlns:a16="http://schemas.microsoft.com/office/drawing/2014/main" id="{10D8FD60-B271-48CB-A85A-262BA83C4809}"/>
                   </a:ext>
                 </a:extLst>
               </p:cNvPr>
@@ -4752,7 +4730,7 @@
               <a:lstStyle/>
               <a:p>
                 <a:r>
-                  <a:rPr lang="en-US" altLang="ko-KR" sz="1200" dirty="0" err="1">
+                  <a:rPr lang="en-US" altLang="ko-KR" sz="1200" dirty="0">
                     <a:solidFill>
                       <a:schemeClr val="tx1">
                         <a:lumMod val="50000"/>
@@ -4760,7 +4738,7 @@
                       </a:schemeClr>
                     </a:solidFill>
                   </a:rPr>
-                  <a:t>Input_dim</a:t>
+                  <a:t>Input-dim</a:t>
                 </a:r>
                 <a:endParaRPr lang="ko-KR" altLang="en-US" sz="1200" dirty="0">
                   <a:solidFill>
@@ -4775,10 +4753,10 @@
           </p:sp>
           <p:sp>
             <p:nvSpPr>
-              <p:cNvPr id="35" name="왼쪽 중괄호 34">
+              <p:cNvPr id="92" name="왼쪽 중괄호 91">
                 <a:extLst>
                   <a:ext uri="{FF2B5EF4-FFF2-40B4-BE49-F238E27FC236}">
-                    <a16:creationId xmlns:a16="http://schemas.microsoft.com/office/drawing/2014/main" id="{DFB7D9DB-E0FD-4D4F-A315-102181413E4B}"/>
+                    <a16:creationId xmlns:a16="http://schemas.microsoft.com/office/drawing/2014/main" id="{4D3DE7D5-A167-4072-B6F0-D27C65D83FE8}"/>
                   </a:ext>
                 </a:extLst>
               </p:cNvPr>
@@ -4786,8 +4764,8 @@
               <p:nvPr/>
             </p:nvSpPr>
             <p:spPr>
-              <a:xfrm rot="10800000">
-                <a:off x="4079062" y="1693122"/>
+              <a:xfrm>
+                <a:off x="1506560" y="2559286"/>
                 <a:ext cx="251644" cy="1583165"/>
               </a:xfrm>
               <a:prstGeom prst="leftBrace">
@@ -4829,10 +4807,10 @@
           </p:sp>
           <p:sp>
             <p:nvSpPr>
-              <p:cNvPr id="36" name="TextBox 35">
+              <p:cNvPr id="93" name="TextBox 92">
                 <a:extLst>
                   <a:ext uri="{FF2B5EF4-FFF2-40B4-BE49-F238E27FC236}">
-                    <a16:creationId xmlns:a16="http://schemas.microsoft.com/office/drawing/2014/main" id="{D0777DF3-B802-438D-848E-3D050DF4A2B4}"/>
+                    <a16:creationId xmlns:a16="http://schemas.microsoft.com/office/drawing/2014/main" id="{83C3DFD4-FF46-4342-A727-89A786084825}"/>
                   </a:ext>
                 </a:extLst>
               </p:cNvPr>
@@ -4840,8 +4818,8 @@
               <p:nvPr/>
             </p:nvSpPr>
             <p:spPr>
-              <a:xfrm>
-                <a:off x="4336763" y="2429482"/>
+              <a:xfrm rot="16200000">
+                <a:off x="792320" y="3024500"/>
                 <a:ext cx="1117908" cy="276999"/>
               </a:xfrm>
               <a:prstGeom prst="rect">
@@ -4864,7 +4842,7 @@
                       </a:schemeClr>
                     </a:solidFill>
                   </a:rPr>
-                  <a:t>timesteps</a:t>
+                  <a:t>Timesteps</a:t>
                 </a:r>
                 <a:endParaRPr lang="ko-KR" altLang="en-US" sz="1200" dirty="0">
                   <a:solidFill>
@@ -4881,10 +4859,10 @@
       </p:grpSp>
       <p:grpSp>
         <p:nvGrpSpPr>
-          <p:cNvPr id="43" name="그룹 42">
+          <p:cNvPr id="100" name="그룹 99">
             <a:extLst>
               <a:ext uri="{FF2B5EF4-FFF2-40B4-BE49-F238E27FC236}">
-                <a16:creationId xmlns:a16="http://schemas.microsoft.com/office/drawing/2014/main" id="{452C248C-F7FB-43D0-AC64-44855633D461}"/>
+                <a16:creationId xmlns:a16="http://schemas.microsoft.com/office/drawing/2014/main" id="{49EACD58-7144-4D09-8953-7169B53DFC90}"/>
               </a:ext>
             </a:extLst>
           </p:cNvPr>
@@ -4893,18 +4871,18 @@
         </p:nvGrpSpPr>
         <p:grpSpPr>
           <a:xfrm>
-            <a:off x="8885547" y="2593789"/>
-            <a:ext cx="3631360" cy="3873623"/>
-            <a:chOff x="1614498" y="796667"/>
-            <a:chExt cx="3631360" cy="3873623"/>
+            <a:off x="8590272" y="2309065"/>
+            <a:ext cx="2719487" cy="3844022"/>
+            <a:chOff x="1614498" y="826268"/>
+            <a:chExt cx="2719487" cy="3844022"/>
           </a:xfrm>
         </p:grpSpPr>
         <p:sp>
           <p:nvSpPr>
-            <p:cNvPr id="44" name="TextBox 43">
+            <p:cNvPr id="101" name="TextBox 100">
               <a:extLst>
                 <a:ext uri="{FF2B5EF4-FFF2-40B4-BE49-F238E27FC236}">
-                  <a16:creationId xmlns:a16="http://schemas.microsoft.com/office/drawing/2014/main" id="{1D1863FB-8C23-4E78-9D3A-ACA8B8014794}"/>
+                  <a16:creationId xmlns:a16="http://schemas.microsoft.com/office/drawing/2014/main" id="{E67CCB83-E46A-417E-8808-B2E01D2512D0}"/>
                 </a:ext>
               </a:extLst>
             </p:cNvPr>
@@ -4913,7 +4891,7 @@
           </p:nvSpPr>
           <p:spPr>
             <a:xfrm>
-              <a:off x="1889790" y="796667"/>
+              <a:off x="1680251" y="826268"/>
               <a:ext cx="2413889" cy="707886"/>
             </a:xfrm>
             <a:prstGeom prst="rect">
@@ -4947,15 +4925,7 @@
             <a:p>
               <a:r>
                 <a:rPr lang="en-US" altLang="ko-KR" sz="1000" dirty="0"/>
-                <a:t>(batch_size,  </a:t>
-              </a:r>
-              <a:r>
-                <a:rPr lang="en-US" altLang="ko-KR" sz="1000" dirty="0" err="1"/>
-                <a:t>output_dim</a:t>
-              </a:r>
-              <a:r>
-                <a:rPr lang="en-US" altLang="ko-KR" sz="1000" dirty="0"/>
-                <a:t>, timesteps)</a:t>
+                <a:t>(Batch-size,  Output-dim, Timesteps)</a:t>
               </a:r>
               <a:endParaRPr lang="ko-KR" altLang="en-US" sz="1000" dirty="0"/>
             </a:p>
@@ -4963,10 +4933,10 @@
         </p:sp>
         <p:grpSp>
           <p:nvGrpSpPr>
-            <p:cNvPr id="45" name="그룹 44">
+            <p:cNvPr id="102" name="그룹 101">
               <a:extLst>
                 <a:ext uri="{FF2B5EF4-FFF2-40B4-BE49-F238E27FC236}">
-                  <a16:creationId xmlns:a16="http://schemas.microsoft.com/office/drawing/2014/main" id="{CBDBB120-96E9-42F4-AD68-DC60C006FE91}"/>
+                  <a16:creationId xmlns:a16="http://schemas.microsoft.com/office/drawing/2014/main" id="{430CAFC8-6E83-4C4D-8691-474AEC982A04}"/>
                 </a:ext>
               </a:extLst>
             </p:cNvPr>
@@ -4976,17 +4946,17 @@
           <p:grpSpPr>
             <a:xfrm>
               <a:off x="1614498" y="1542333"/>
-              <a:ext cx="3631360" cy="3127957"/>
+              <a:ext cx="2719487" cy="3127957"/>
               <a:chOff x="1823311" y="1631495"/>
-              <a:chExt cx="3631360" cy="3127957"/>
+              <a:chExt cx="2719487" cy="3127957"/>
             </a:xfrm>
           </p:grpSpPr>
           <p:grpSp>
             <p:nvGrpSpPr>
-              <p:cNvPr id="46" name="그룹 45">
+              <p:cNvPr id="108" name="그룹 107">
                 <a:extLst>
                   <a:ext uri="{FF2B5EF4-FFF2-40B4-BE49-F238E27FC236}">
-                    <a16:creationId xmlns:a16="http://schemas.microsoft.com/office/drawing/2014/main" id="{C5C122F7-42BC-4D4F-A501-C86A18CA6158}"/>
+                    <a16:creationId xmlns:a16="http://schemas.microsoft.com/office/drawing/2014/main" id="{1267C7C1-2B81-472F-BA63-D7FCFBE44B14}"/>
                   </a:ext>
                 </a:extLst>
               </p:cNvPr>
@@ -5003,10 +4973,10 @@
             </p:grpSpPr>
             <p:sp>
               <p:nvSpPr>
-                <p:cNvPr id="60" name="정육면체 59">
+                <p:cNvPr id="124" name="정육면체 123">
                   <a:extLst>
                     <a:ext uri="{FF2B5EF4-FFF2-40B4-BE49-F238E27FC236}">
-                      <a16:creationId xmlns:a16="http://schemas.microsoft.com/office/drawing/2014/main" id="{1142F493-3A26-487A-BCC5-35A2DB797DFE}"/>
+                      <a16:creationId xmlns:a16="http://schemas.microsoft.com/office/drawing/2014/main" id="{97082ABC-B2BF-46B1-BF10-6FCA1906D3CA}"/>
                     </a:ext>
                   </a:extLst>
                 </p:cNvPr>
@@ -5062,10 +5032,10 @@
             </p:sp>
             <p:sp>
               <p:nvSpPr>
-                <p:cNvPr id="61" name="정육면체 60">
+                <p:cNvPr id="125" name="정육면체 124">
                   <a:extLst>
                     <a:ext uri="{FF2B5EF4-FFF2-40B4-BE49-F238E27FC236}">
-                      <a16:creationId xmlns:a16="http://schemas.microsoft.com/office/drawing/2014/main" id="{26EA8DAD-EA9B-41D0-AC52-38DFEF88AC65}"/>
+                      <a16:creationId xmlns:a16="http://schemas.microsoft.com/office/drawing/2014/main" id="{3ADD8AFD-4CCC-4B15-92FF-D21EF50256D9}"/>
                     </a:ext>
                   </a:extLst>
                 </p:cNvPr>
@@ -5121,10 +5091,10 @@
             </p:sp>
             <p:sp>
               <p:nvSpPr>
-                <p:cNvPr id="62" name="정육면체 61">
+                <p:cNvPr id="126" name="정육면체 125">
                   <a:extLst>
                     <a:ext uri="{FF2B5EF4-FFF2-40B4-BE49-F238E27FC236}">
-                      <a16:creationId xmlns:a16="http://schemas.microsoft.com/office/drawing/2014/main" id="{A70D570C-3F51-4BE4-ACD6-6640E7FBF86F}"/>
+                      <a16:creationId xmlns:a16="http://schemas.microsoft.com/office/drawing/2014/main" id="{4A8128ED-08FD-4FD3-AC5F-B97594709A60}"/>
                     </a:ext>
                   </a:extLst>
                 </p:cNvPr>
@@ -5180,10 +5150,10 @@
             </p:sp>
             <p:sp>
               <p:nvSpPr>
-                <p:cNvPr id="63" name="정육면체 62">
+                <p:cNvPr id="127" name="정육면체 126">
                   <a:extLst>
                     <a:ext uri="{FF2B5EF4-FFF2-40B4-BE49-F238E27FC236}">
-                      <a16:creationId xmlns:a16="http://schemas.microsoft.com/office/drawing/2014/main" id="{258758B6-170B-4F6C-8839-6D1E56E6475C}"/>
+                      <a16:creationId xmlns:a16="http://schemas.microsoft.com/office/drawing/2014/main" id="{A886BB3A-B2C4-459F-8842-C1F3B6A8D50D}"/>
                     </a:ext>
                   </a:extLst>
                 </p:cNvPr>
@@ -5240,10 +5210,10 @@
           </p:grpSp>
           <p:sp>
             <p:nvSpPr>
-              <p:cNvPr id="47" name="왼쪽 중괄호 46">
+              <p:cNvPr id="110" name="왼쪽 중괄호 109">
                 <a:extLst>
                   <a:ext uri="{FF2B5EF4-FFF2-40B4-BE49-F238E27FC236}">
-                    <a16:creationId xmlns:a16="http://schemas.microsoft.com/office/drawing/2014/main" id="{0EF9F6C0-0B40-45CA-9196-37C820C0896B}"/>
+                    <a16:creationId xmlns:a16="http://schemas.microsoft.com/office/drawing/2014/main" id="{AB126A13-13D5-4763-BA24-A709B720D566}"/>
                   </a:ext>
                 </a:extLst>
               </p:cNvPr>
@@ -5291,10 +5261,10 @@
           </p:sp>
           <p:sp>
             <p:nvSpPr>
-              <p:cNvPr id="48" name="TextBox 47">
+              <p:cNvPr id="112" name="TextBox 111">
                 <a:extLst>
                   <a:ext uri="{FF2B5EF4-FFF2-40B4-BE49-F238E27FC236}">
-                    <a16:creationId xmlns:a16="http://schemas.microsoft.com/office/drawing/2014/main" id="{19C184F2-C7FE-4297-919B-51D61A50416C}"/>
+                    <a16:creationId xmlns:a16="http://schemas.microsoft.com/office/drawing/2014/main" id="{8DE8602C-0353-4A50-B19A-8C8399920E79}"/>
                   </a:ext>
                 </a:extLst>
               </p:cNvPr>
@@ -5326,7 +5296,7 @@
                       </a:schemeClr>
                     </a:solidFill>
                   </a:rPr>
-                  <a:t>batch_size</a:t>
+                  <a:t>Batch-size</a:t>
                 </a:r>
                 <a:endParaRPr lang="ko-KR" altLang="en-US" sz="1200" dirty="0">
                   <a:solidFill>
@@ -5341,10 +5311,10 @@
           </p:sp>
           <p:cxnSp>
             <p:nvCxnSpPr>
-              <p:cNvPr id="49" name="직선 연결선 48">
+              <p:cNvPr id="113" name="직선 연결선 112">
                 <a:extLst>
                   <a:ext uri="{FF2B5EF4-FFF2-40B4-BE49-F238E27FC236}">
-                    <a16:creationId xmlns:a16="http://schemas.microsoft.com/office/drawing/2014/main" id="{8CB2DD58-A5D6-4B47-9203-2C055D46E41A}"/>
+                    <a16:creationId xmlns:a16="http://schemas.microsoft.com/office/drawing/2014/main" id="{66A7598A-C4A4-40EA-99B4-534E14AA093F}"/>
                   </a:ext>
                 </a:extLst>
               </p:cNvPr>
@@ -5386,10 +5356,10 @@
           </p:cxnSp>
           <p:cxnSp>
             <p:nvCxnSpPr>
-              <p:cNvPr id="50" name="직선 연결선 49">
+              <p:cNvPr id="114" name="직선 연결선 113">
                 <a:extLst>
                   <a:ext uri="{FF2B5EF4-FFF2-40B4-BE49-F238E27FC236}">
-                    <a16:creationId xmlns:a16="http://schemas.microsoft.com/office/drawing/2014/main" id="{9A25C827-6BA5-4047-BC54-A3B9D9028BBB}"/>
+                    <a16:creationId xmlns:a16="http://schemas.microsoft.com/office/drawing/2014/main" id="{679A38C0-842F-4527-A22D-E038A3B0ECF8}"/>
                   </a:ext>
                 </a:extLst>
               </p:cNvPr>
@@ -5431,10 +5401,10 @@
           </p:cxnSp>
           <p:grpSp>
             <p:nvGrpSpPr>
-              <p:cNvPr id="51" name="그룹 50">
+              <p:cNvPr id="115" name="그룹 114">
                 <a:extLst>
                   <a:ext uri="{FF2B5EF4-FFF2-40B4-BE49-F238E27FC236}">
-                    <a16:creationId xmlns:a16="http://schemas.microsoft.com/office/drawing/2014/main" id="{6402149F-91E3-49B0-8A32-D184805C93FC}"/>
+                    <a16:creationId xmlns:a16="http://schemas.microsoft.com/office/drawing/2014/main" id="{59E6A2EE-0CE2-4617-A24E-1CD2138C6DFA}"/>
                   </a:ext>
                 </a:extLst>
               </p:cNvPr>
@@ -5451,10 +5421,10 @@
             </p:grpSpPr>
             <p:cxnSp>
               <p:nvCxnSpPr>
-                <p:cNvPr id="58" name="직선 연결선 57">
+                <p:cNvPr id="122" name="직선 연결선 121">
                   <a:extLst>
                     <a:ext uri="{FF2B5EF4-FFF2-40B4-BE49-F238E27FC236}">
-                      <a16:creationId xmlns:a16="http://schemas.microsoft.com/office/drawing/2014/main" id="{2EC9B72B-B63F-411C-9D74-1149BC2A3DE5}"/>
+                      <a16:creationId xmlns:a16="http://schemas.microsoft.com/office/drawing/2014/main" id="{0646C138-5A99-4059-8FDF-3F6818CBD7C3}"/>
                     </a:ext>
                   </a:extLst>
                 </p:cNvPr>
@@ -5496,10 +5466,10 @@
             </p:cxnSp>
             <p:cxnSp>
               <p:nvCxnSpPr>
-                <p:cNvPr id="59" name="직선 연결선 58">
+                <p:cNvPr id="123" name="직선 연결선 122">
                   <a:extLst>
                     <a:ext uri="{FF2B5EF4-FFF2-40B4-BE49-F238E27FC236}">
-                      <a16:creationId xmlns:a16="http://schemas.microsoft.com/office/drawing/2014/main" id="{D9B82CAB-2CA7-4F4B-93FB-C9B4B0E5FD34}"/>
+                      <a16:creationId xmlns:a16="http://schemas.microsoft.com/office/drawing/2014/main" id="{D357A256-4C19-42B8-868A-1663001D44CD}"/>
                     </a:ext>
                   </a:extLst>
                 </p:cNvPr>
@@ -5542,10 +5512,10 @@
           </p:grpSp>
           <p:cxnSp>
             <p:nvCxnSpPr>
-              <p:cNvPr id="52" name="직선 연결선 51">
+              <p:cNvPr id="116" name="직선 연결선 115">
                 <a:extLst>
                   <a:ext uri="{FF2B5EF4-FFF2-40B4-BE49-F238E27FC236}">
-                    <a16:creationId xmlns:a16="http://schemas.microsoft.com/office/drawing/2014/main" id="{C9C4BAA4-50B8-4345-867F-8D4CA5CA1747}"/>
+                    <a16:creationId xmlns:a16="http://schemas.microsoft.com/office/drawing/2014/main" id="{20D9DB66-FB6F-46E1-A833-063D0A991C76}"/>
                   </a:ext>
                 </a:extLst>
               </p:cNvPr>
@@ -5587,10 +5557,10 @@
           </p:cxnSp>
           <p:cxnSp>
             <p:nvCxnSpPr>
-              <p:cNvPr id="53" name="직선 연결선 52">
+              <p:cNvPr id="117" name="직선 연결선 116">
                 <a:extLst>
                   <a:ext uri="{FF2B5EF4-FFF2-40B4-BE49-F238E27FC236}">
-                    <a16:creationId xmlns:a16="http://schemas.microsoft.com/office/drawing/2014/main" id="{5B79DB48-9669-4D4A-AD22-47975755A556}"/>
+                    <a16:creationId xmlns:a16="http://schemas.microsoft.com/office/drawing/2014/main" id="{22D67B63-0D16-41EE-863F-C714D8DA3140}"/>
                   </a:ext>
                 </a:extLst>
               </p:cNvPr>
@@ -5632,10 +5602,10 @@
           </p:cxnSp>
           <p:sp>
             <p:nvSpPr>
-              <p:cNvPr id="54" name="왼쪽 중괄호 53">
+              <p:cNvPr id="118" name="왼쪽 중괄호 117">
                 <a:extLst>
                   <a:ext uri="{FF2B5EF4-FFF2-40B4-BE49-F238E27FC236}">
-                    <a16:creationId xmlns:a16="http://schemas.microsoft.com/office/drawing/2014/main" id="{D42C95BB-4324-42DA-A14D-25A5FE64755F}"/>
+                    <a16:creationId xmlns:a16="http://schemas.microsoft.com/office/drawing/2014/main" id="{8069B9FA-BF00-4BD6-A2F3-4502948A626D}"/>
                   </a:ext>
                 </a:extLst>
               </p:cNvPr>
@@ -5686,10 +5656,10 @@
           </p:sp>
           <p:sp>
             <p:nvSpPr>
-              <p:cNvPr id="55" name="TextBox 54">
+              <p:cNvPr id="119" name="TextBox 118">
                 <a:extLst>
                   <a:ext uri="{FF2B5EF4-FFF2-40B4-BE49-F238E27FC236}">
-                    <a16:creationId xmlns:a16="http://schemas.microsoft.com/office/drawing/2014/main" id="{46FF8848-3229-4CB2-A3F0-A57A4B08D4FB}"/>
+                    <a16:creationId xmlns:a16="http://schemas.microsoft.com/office/drawing/2014/main" id="{5AB102A6-B14D-4B47-9BFD-EC4191F8A14C}"/>
                   </a:ext>
                 </a:extLst>
               </p:cNvPr>
@@ -5713,7 +5683,7 @@
               <a:lstStyle/>
               <a:p>
                 <a:r>
-                  <a:rPr lang="en-US" altLang="ko-KR" sz="1200" dirty="0" err="1">
+                  <a:rPr lang="en-US" altLang="ko-KR" sz="1200" dirty="0">
                     <a:solidFill>
                       <a:schemeClr val="tx1">
                         <a:lumMod val="50000"/>
@@ -5721,7 +5691,7 @@
                       </a:schemeClr>
                     </a:solidFill>
                   </a:rPr>
-                  <a:t>output_dim</a:t>
+                  <a:t>Output-dim</a:t>
                 </a:r>
                 <a:endParaRPr lang="ko-KR" altLang="en-US" sz="1200" dirty="0">
                   <a:solidFill>
@@ -5736,10 +5706,10 @@
           </p:sp>
           <p:sp>
             <p:nvSpPr>
-              <p:cNvPr id="56" name="왼쪽 중괄호 55">
+              <p:cNvPr id="120" name="왼쪽 중괄호 119">
                 <a:extLst>
                   <a:ext uri="{FF2B5EF4-FFF2-40B4-BE49-F238E27FC236}">
-                    <a16:creationId xmlns:a16="http://schemas.microsoft.com/office/drawing/2014/main" id="{4448C4CE-1051-432C-A35F-EC8209B6B350}"/>
+                    <a16:creationId xmlns:a16="http://schemas.microsoft.com/office/drawing/2014/main" id="{D6C3EB3C-DF3C-4064-9E22-411A66B5B6B1}"/>
                   </a:ext>
                 </a:extLst>
               </p:cNvPr>
@@ -5790,10 +5760,10 @@
           </p:sp>
           <p:sp>
             <p:nvSpPr>
-              <p:cNvPr id="57" name="TextBox 56">
+              <p:cNvPr id="121" name="TextBox 120">
                 <a:extLst>
                   <a:ext uri="{FF2B5EF4-FFF2-40B4-BE49-F238E27FC236}">
-                    <a16:creationId xmlns:a16="http://schemas.microsoft.com/office/drawing/2014/main" id="{F490B5E3-AA79-4418-A16D-56F5B751E52C}"/>
+                    <a16:creationId xmlns:a16="http://schemas.microsoft.com/office/drawing/2014/main" id="{A58B63BD-DC6F-48ED-AE08-30251A30DDB1}"/>
                   </a:ext>
                 </a:extLst>
               </p:cNvPr>
@@ -5801,8 +5771,8 @@
               <p:nvPr/>
             </p:nvSpPr>
             <p:spPr>
-              <a:xfrm>
-                <a:off x="4336763" y="2429482"/>
+              <a:xfrm rot="16200000">
+                <a:off x="3845345" y="2353821"/>
                 <a:ext cx="1117908" cy="276999"/>
               </a:xfrm>
               <a:prstGeom prst="rect">
@@ -5825,7 +5795,7 @@
                       </a:schemeClr>
                     </a:solidFill>
                   </a:rPr>
-                  <a:t>timesteps</a:t>
+                  <a:t>Timesteps</a:t>
                 </a:r>
                 <a:endParaRPr lang="ko-KR" altLang="en-US" sz="1200" dirty="0">
                   <a:solidFill>
@@ -5842,10 +5812,10 @@
       </p:grpSp>
       <p:sp>
         <p:nvSpPr>
-          <p:cNvPr id="66" name="TextBox 65">
+          <p:cNvPr id="128" name="TextBox 127">
             <a:extLst>
               <a:ext uri="{FF2B5EF4-FFF2-40B4-BE49-F238E27FC236}">
-                <a16:creationId xmlns:a16="http://schemas.microsoft.com/office/drawing/2014/main" id="{D376A716-E0C5-438A-A9C4-10DEFF820A9D}"/>
+                <a16:creationId xmlns:a16="http://schemas.microsoft.com/office/drawing/2014/main" id="{8361A523-98A7-43BE-8ABF-B8789B47E547}"/>
               </a:ext>
             </a:extLst>
           </p:cNvPr>
@@ -5854,7 +5824,7 @@
         </p:nvSpPr>
         <p:spPr>
           <a:xfrm>
-            <a:off x="3886329" y="5826893"/>
+            <a:off x="3941757" y="5577746"/>
             <a:ext cx="4906023" cy="646331"/>
           </a:xfrm>
           <a:prstGeom prst="rect">
@@ -5888,6 +5858,76 @@
           </a:p>
         </p:txBody>
       </p:sp>
+      <p:pic>
+        <p:nvPicPr>
+          <p:cNvPr id="109" name="그림 108">
+            <a:extLst>
+              <a:ext uri="{FF2B5EF4-FFF2-40B4-BE49-F238E27FC236}">
+                <a16:creationId xmlns:a16="http://schemas.microsoft.com/office/drawing/2014/main" id="{A936C52A-8879-44CD-BB17-229A55628ECF}"/>
+              </a:ext>
+            </a:extLst>
+          </p:cNvPr>
+          <p:cNvPicPr>
+            <a:picLocks noChangeAspect="1"/>
+          </p:cNvPicPr>
+          <p:nvPr/>
+        </p:nvPicPr>
+        <p:blipFill rotWithShape="1">
+          <a:blip r:embed="rId3">
+            <a:extLst>
+              <a:ext uri="{28A0092B-C50C-407E-A947-70E740481C1C}">
+                <a14:useLocalDpi xmlns:a14="http://schemas.microsoft.com/office/drawing/2010/main" val="0"/>
+              </a:ext>
+            </a:extLst>
+          </a:blip>
+          <a:srcRect l="7205" t="8571" r="8240" b="7090"/>
+          <a:stretch/>
+        </p:blipFill>
+        <p:spPr>
+          <a:xfrm>
+            <a:off x="8659556" y="3923612"/>
+            <a:ext cx="1879037" cy="999574"/>
+          </a:xfrm>
+          <a:prstGeom prst="rect">
+            <a:avLst/>
+          </a:prstGeom>
+        </p:spPr>
+      </p:pic>
+      <p:pic>
+        <p:nvPicPr>
+          <p:cNvPr id="111" name="그림 110">
+            <a:extLst>
+              <a:ext uri="{FF2B5EF4-FFF2-40B4-BE49-F238E27FC236}">
+                <a16:creationId xmlns:a16="http://schemas.microsoft.com/office/drawing/2014/main" id="{3B7807B2-CE7B-4485-83A7-9D9EDA25A2E6}"/>
+              </a:ext>
+            </a:extLst>
+          </p:cNvPr>
+          <p:cNvPicPr>
+            <a:picLocks noChangeAspect="1"/>
+          </p:cNvPicPr>
+          <p:nvPr/>
+        </p:nvPicPr>
+        <p:blipFill rotWithShape="1">
+          <a:blip r:embed="rId4">
+            <a:extLst>
+              <a:ext uri="{28A0092B-C50C-407E-A947-70E740481C1C}">
+                <a14:useLocalDpi xmlns:a14="http://schemas.microsoft.com/office/drawing/2010/main" val="0"/>
+              </a:ext>
+            </a:extLst>
+          </a:blip>
+          <a:srcRect l="7332" t="9047" r="8724" b="3802"/>
+          <a:stretch/>
+        </p:blipFill>
+        <p:spPr>
+          <a:xfrm>
+            <a:off x="1546312" y="3869340"/>
+            <a:ext cx="1833395" cy="1015173"/>
+          </a:xfrm>
+          <a:prstGeom prst="rect">
+            <a:avLst/>
+          </a:prstGeom>
+        </p:spPr>
+      </p:pic>
     </p:spTree>
     <p:extLst>
       <p:ext uri="{BB962C8B-B14F-4D97-AF65-F5344CB8AC3E}">

--- a/data_academy_vibration_model_des.pptx
+++ b/data_academy_vibration_model_des.pptx
@@ -5921,6 +5921,76 @@
         <p:spPr>
           <a:xfrm>
             <a:off x="1546312" y="3869340"/>
+            <a:ext cx="1833395" cy="1015173"/>
+          </a:xfrm>
+          <a:prstGeom prst="rect">
+            <a:avLst/>
+          </a:prstGeom>
+        </p:spPr>
+      </p:pic>
+      <p:pic>
+        <p:nvPicPr>
+          <p:cNvPr id="61" name="그림 60">
+            <a:extLst>
+              <a:ext uri="{FF2B5EF4-FFF2-40B4-BE49-F238E27FC236}">
+                <a16:creationId xmlns:a16="http://schemas.microsoft.com/office/drawing/2014/main" id="{35B46FBE-1E23-49D2-BE0A-F79A38093536}"/>
+              </a:ext>
+            </a:extLst>
+          </p:cNvPr>
+          <p:cNvPicPr>
+            <a:picLocks noChangeAspect="1"/>
+          </p:cNvPicPr>
+          <p:nvPr/>
+        </p:nvPicPr>
+        <p:blipFill rotWithShape="1">
+          <a:blip r:embed="rId3">
+            <a:extLst>
+              <a:ext uri="{28A0092B-C50C-407E-A947-70E740481C1C}">
+                <a14:useLocalDpi xmlns:a14="http://schemas.microsoft.com/office/drawing/2010/main" val="0"/>
+              </a:ext>
+            </a:extLst>
+          </a:blip>
+          <a:srcRect l="7205" t="8571" r="8240" b="7090"/>
+          <a:stretch/>
+        </p:blipFill>
+        <p:spPr>
+          <a:xfrm>
+            <a:off x="9259537" y="424565"/>
+            <a:ext cx="1879037" cy="999574"/>
+          </a:xfrm>
+          <a:prstGeom prst="rect">
+            <a:avLst/>
+          </a:prstGeom>
+        </p:spPr>
+      </p:pic>
+      <p:pic>
+        <p:nvPicPr>
+          <p:cNvPr id="62" name="그림 61">
+            <a:extLst>
+              <a:ext uri="{FF2B5EF4-FFF2-40B4-BE49-F238E27FC236}">
+                <a16:creationId xmlns:a16="http://schemas.microsoft.com/office/drawing/2014/main" id="{4F1168CA-4A2C-4E89-AD66-6A34728461B6}"/>
+              </a:ext>
+            </a:extLst>
+          </p:cNvPr>
+          <p:cNvPicPr>
+            <a:picLocks noChangeAspect="1"/>
+          </p:cNvPicPr>
+          <p:nvPr/>
+        </p:nvPicPr>
+        <p:blipFill rotWithShape="1">
+          <a:blip r:embed="rId4">
+            <a:extLst>
+              <a:ext uri="{28A0092B-C50C-407E-A947-70E740481C1C}">
+                <a14:useLocalDpi xmlns:a14="http://schemas.microsoft.com/office/drawing/2010/main" val="0"/>
+              </a:ext>
+            </a:extLst>
+          </a:blip>
+          <a:srcRect l="7332" t="9047" r="8724" b="3802"/>
+          <a:stretch/>
+        </p:blipFill>
+        <p:spPr>
+          <a:xfrm>
+            <a:off x="2146293" y="370293"/>
             <a:ext cx="1833395" cy="1015173"/>
           </a:xfrm>
           <a:prstGeom prst="rect">
